--- a/Benzinpreis Analyse mit Python.pptx
+++ b/Benzinpreis Analyse mit Python.pptx
@@ -136,11 +136,11 @@
 </file>
 
 <file path=ppt/diagrams/colors1.xml><?xml version="1.0" encoding="utf-8"?>
-<dgm:colorsDef xmlns:dgm="http://schemas.openxmlformats.org/drawingml/2006/diagram" xmlns:a="http://schemas.openxmlformats.org/drawingml/2006/main" uniqueId="urn:microsoft.com/office/officeart/2005/8/colors/colorful2">
+<dgm:colorsDef xmlns:dgm="http://schemas.openxmlformats.org/drawingml/2006/diagram" xmlns:a="http://schemas.openxmlformats.org/drawingml/2006/main" uniqueId="urn:microsoft.com/office/officeart/2005/8/colors/colorful1">
   <dgm:title val=""/>
   <dgm:desc val=""/>
   <dgm:catLst>
-    <dgm:cat type="colorful" pri="10200"/>
+    <dgm:cat type="colorful" pri="10100"/>
   </dgm:catLst>
   <dgm:styleLbl name="node0">
     <dgm:fillClrLst meth="repeat">
@@ -155,9 +155,86 @@
     <dgm:txEffectClrLst/>
   </dgm:styleLbl>
   <dgm:styleLbl name="node1">
+    <dgm:fillClrLst meth="repeat">
+      <a:schemeClr val="accent2"/>
+      <a:schemeClr val="accent3"/>
+      <a:schemeClr val="accent4"/>
+      <a:schemeClr val="accent5"/>
+      <a:schemeClr val="accent6"/>
+    </dgm:fillClrLst>
+    <dgm:linClrLst meth="repeat">
+      <a:schemeClr val="lt1"/>
+    </dgm:linClrLst>
+    <dgm:effectClrLst/>
+    <dgm:txLinClrLst/>
+    <dgm:txFillClrLst/>
+    <dgm:txEffectClrLst/>
+  </dgm:styleLbl>
+  <dgm:styleLbl name="alignNode1">
+    <dgm:fillClrLst meth="repeat">
+      <a:schemeClr val="accent2"/>
+      <a:schemeClr val="accent3"/>
+      <a:schemeClr val="accent4"/>
+      <a:schemeClr val="accent5"/>
+      <a:schemeClr val="accent6"/>
+    </dgm:fillClrLst>
+    <dgm:linClrLst meth="repeat">
+      <a:schemeClr val="accent2"/>
+      <a:schemeClr val="accent3"/>
+      <a:schemeClr val="accent4"/>
+      <a:schemeClr val="accent5"/>
+      <a:schemeClr val="accent6"/>
+    </dgm:linClrLst>
+    <dgm:effectClrLst/>
+    <dgm:txLinClrLst/>
+    <dgm:txFillClrLst/>
+    <dgm:txEffectClrLst/>
+  </dgm:styleLbl>
+  <dgm:styleLbl name="lnNode1">
+    <dgm:fillClrLst meth="repeat">
+      <a:schemeClr val="accent2"/>
+      <a:schemeClr val="accent3"/>
+      <a:schemeClr val="accent4"/>
+      <a:schemeClr val="accent5"/>
+      <a:schemeClr val="accent6"/>
+    </dgm:fillClrLst>
+    <dgm:linClrLst meth="repeat">
+      <a:schemeClr val="lt1"/>
+    </dgm:linClrLst>
+    <dgm:effectClrLst/>
+    <dgm:txLinClrLst/>
+    <dgm:txFillClrLst/>
+    <dgm:txEffectClrLst/>
+  </dgm:styleLbl>
+  <dgm:styleLbl name="vennNode1">
+    <dgm:fillClrLst meth="repeat">
+      <a:schemeClr val="accent2">
+        <a:alpha val="50000"/>
+      </a:schemeClr>
+      <a:schemeClr val="accent3">
+        <a:alpha val="50000"/>
+      </a:schemeClr>
+      <a:schemeClr val="accent4">
+        <a:alpha val="50000"/>
+      </a:schemeClr>
+      <a:schemeClr val="accent5">
+        <a:alpha val="50000"/>
+      </a:schemeClr>
+      <a:schemeClr val="accent6">
+        <a:alpha val="50000"/>
+      </a:schemeClr>
+    </dgm:fillClrLst>
+    <dgm:linClrLst meth="repeat">
+      <a:schemeClr val="lt1"/>
+    </dgm:linClrLst>
+    <dgm:effectClrLst/>
+    <dgm:txLinClrLst/>
+    <dgm:txFillClrLst/>
+    <dgm:txEffectClrLst/>
+  </dgm:styleLbl>
+  <dgm:styleLbl name="node2">
     <dgm:fillClrLst>
       <a:schemeClr val="accent2"/>
-      <a:schemeClr val="accent3"/>
     </dgm:fillClrLst>
     <dgm:linClrLst meth="repeat">
       <a:schemeClr val="lt1"/>
@@ -167,23 +244,8 @@
     <dgm:txFillClrLst/>
     <dgm:txEffectClrLst/>
   </dgm:styleLbl>
-  <dgm:styleLbl name="alignNode1">
+  <dgm:styleLbl name="node3">
     <dgm:fillClrLst>
-      <a:schemeClr val="accent2"/>
-      <a:schemeClr val="accent3"/>
-    </dgm:fillClrLst>
-    <dgm:linClrLst>
-      <a:schemeClr val="accent2"/>
-      <a:schemeClr val="accent3"/>
-    </dgm:linClrLst>
-    <dgm:effectClrLst/>
-    <dgm:txLinClrLst/>
-    <dgm:txFillClrLst/>
-    <dgm:txEffectClrLst/>
-  </dgm:styleLbl>
-  <dgm:styleLbl name="lnNode1">
-    <dgm:fillClrLst>
-      <a:schemeClr val="accent2"/>
       <a:schemeClr val="accent3"/>
     </dgm:fillClrLst>
     <dgm:linClrLst meth="repeat">
@@ -194,14 +256,9 @@
     <dgm:txFillClrLst/>
     <dgm:txEffectClrLst/>
   </dgm:styleLbl>
-  <dgm:styleLbl name="vennNode1">
+  <dgm:styleLbl name="node4">
     <dgm:fillClrLst>
-      <a:schemeClr val="accent2">
-        <a:alpha val="50000"/>
-      </a:schemeClr>
-      <a:schemeClr val="accent3">
-        <a:alpha val="50000"/>
-      </a:schemeClr>
+      <a:schemeClr val="accent4"/>
     </dgm:fillClrLst>
     <dgm:linClrLst meth="repeat">
       <a:schemeClr val="lt1"/>
@@ -211,48 +268,21 @@
     <dgm:txFillClrLst/>
     <dgm:txEffectClrLst/>
   </dgm:styleLbl>
-  <dgm:styleLbl name="node2">
-    <dgm:fillClrLst>
-      <a:schemeClr val="accent3"/>
-    </dgm:fillClrLst>
-    <dgm:linClrLst meth="repeat">
-      <a:schemeClr val="lt1"/>
-    </dgm:linClrLst>
-    <dgm:effectClrLst/>
-    <dgm:txLinClrLst/>
-    <dgm:txFillClrLst/>
-    <dgm:txEffectClrLst/>
-  </dgm:styleLbl>
-  <dgm:styleLbl name="node3">
-    <dgm:fillClrLst>
-      <a:schemeClr val="accent4"/>
-    </dgm:fillClrLst>
-    <dgm:linClrLst meth="repeat">
-      <a:schemeClr val="lt1"/>
-    </dgm:linClrLst>
-    <dgm:effectClrLst/>
-    <dgm:txLinClrLst/>
-    <dgm:txFillClrLst/>
-    <dgm:txEffectClrLst/>
-  </dgm:styleLbl>
-  <dgm:styleLbl name="node4">
-    <dgm:fillClrLst>
-      <a:schemeClr val="accent5"/>
-    </dgm:fillClrLst>
-    <dgm:linClrLst meth="repeat">
-      <a:schemeClr val="lt1"/>
-    </dgm:linClrLst>
-    <dgm:effectClrLst/>
-    <dgm:txLinClrLst/>
-    <dgm:txFillClrLst/>
-    <dgm:txEffectClrLst/>
-  </dgm:styleLbl>
   <dgm:styleLbl name="fgImgPlace1">
-    <dgm:fillClrLst>
+    <dgm:fillClrLst meth="repeat">
       <a:schemeClr val="accent2">
         <a:tint val="50000"/>
       </a:schemeClr>
       <a:schemeClr val="accent3">
+        <a:tint val="50000"/>
+      </a:schemeClr>
+      <a:schemeClr val="accent4">
+        <a:tint val="50000"/>
+      </a:schemeClr>
+      <a:schemeClr val="accent5">
+        <a:tint val="50000"/>
+      </a:schemeClr>
+      <a:schemeClr val="accent6">
         <a:tint val="50000"/>
       </a:schemeClr>
     </dgm:fillClrLst>
@@ -268,10 +298,10 @@
   </dgm:styleLbl>
   <dgm:styleLbl name="alignImgPlace1">
     <dgm:fillClrLst>
+      <a:schemeClr val="accent1">
+        <a:tint val="50000"/>
+      </a:schemeClr>
       <a:schemeClr val="accent2">
-        <a:tint val="50000"/>
-      </a:schemeClr>
-      <a:schemeClr val="accent3">
         <a:tint val="20000"/>
       </a:schemeClr>
     </dgm:fillClrLst>
@@ -287,10 +317,10 @@
   </dgm:styleLbl>
   <dgm:styleLbl name="bgImgPlace1">
     <dgm:fillClrLst>
+      <a:schemeClr val="accent1">
+        <a:tint val="50000"/>
+      </a:schemeClr>
       <a:schemeClr val="accent2">
-        <a:tint val="50000"/>
-      </a:schemeClr>
-      <a:schemeClr val="accent3">
         <a:tint val="20000"/>
       </a:schemeClr>
     </dgm:fillClrLst>
@@ -305,11 +335,14 @@
     <dgm:txEffectClrLst/>
   </dgm:styleLbl>
   <dgm:styleLbl name="sibTrans2D1">
-    <dgm:fillClrLst>
+    <dgm:fillClrLst meth="repeat">
       <a:schemeClr val="accent2"/>
       <a:schemeClr val="accent3"/>
-    </dgm:fillClrLst>
-    <dgm:linClrLst meth="repeat">
+      <a:schemeClr val="accent4"/>
+      <a:schemeClr val="accent5"/>
+      <a:schemeClr val="accent6"/>
+    </dgm:fillClrLst>
+    <dgm:linClrLst meth="cycle">
       <a:schemeClr val="lt1"/>
     </dgm:linClrLst>
     <dgm:effectClrLst/>
@@ -318,11 +351,14 @@
     <dgm:txEffectClrLst/>
   </dgm:styleLbl>
   <dgm:styleLbl name="fgSibTrans2D1">
-    <dgm:fillClrLst>
+    <dgm:fillClrLst meth="repeat">
       <a:schemeClr val="accent2"/>
       <a:schemeClr val="accent3"/>
-    </dgm:fillClrLst>
-    <dgm:linClrLst meth="repeat">
+      <a:schemeClr val="accent4"/>
+      <a:schemeClr val="accent5"/>
+      <a:schemeClr val="accent6"/>
+    </dgm:fillClrLst>
+    <dgm:linClrLst meth="cycle">
       <a:schemeClr val="lt1"/>
     </dgm:linClrLst>
     <dgm:effectClrLst/>
@@ -333,11 +369,14 @@
     <dgm:txEffectClrLst/>
   </dgm:styleLbl>
   <dgm:styleLbl name="bgSibTrans2D1">
-    <dgm:fillClrLst>
+    <dgm:fillClrLst meth="repeat">
       <a:schemeClr val="accent2"/>
       <a:schemeClr val="accent3"/>
-    </dgm:fillClrLst>
-    <dgm:linClrLst meth="repeat">
+      <a:schemeClr val="accent4"/>
+      <a:schemeClr val="accent5"/>
+      <a:schemeClr val="accent6"/>
+    </dgm:fillClrLst>
+    <dgm:linClrLst meth="cycle">
       <a:schemeClr val="lt1"/>
     </dgm:linClrLst>
     <dgm:effectClrLst/>
@@ -348,10 +387,19 @@
     <dgm:txEffectClrLst/>
   </dgm:styleLbl>
   <dgm:styleLbl name="sibTrans1D1">
-    <dgm:fillClrLst/>
-    <dgm:linClrLst>
+    <dgm:fillClrLst meth="repeat">
       <a:schemeClr val="accent2"/>
       <a:schemeClr val="accent3"/>
+      <a:schemeClr val="accent4"/>
+      <a:schemeClr val="accent5"/>
+      <a:schemeClr val="accent6"/>
+    </dgm:fillClrLst>
+    <dgm:linClrLst meth="repeat">
+      <a:schemeClr val="accent2"/>
+      <a:schemeClr val="accent3"/>
+      <a:schemeClr val="accent4"/>
+      <a:schemeClr val="accent5"/>
+      <a:schemeClr val="accent6"/>
     </dgm:linClrLst>
     <dgm:effectClrLst/>
     <dgm:txLinClrLst/>
@@ -378,12 +426,10 @@
   </dgm:styleLbl>
   <dgm:styleLbl name="asst0">
     <dgm:fillClrLst meth="repeat">
-      <a:schemeClr val="accent2"/>
+      <a:schemeClr val="accent1"/>
     </dgm:fillClrLst>
     <dgm:linClrLst meth="repeat">
-      <a:schemeClr val="lt1">
-        <a:shade val="80000"/>
-      </a:schemeClr>
+      <a:schemeClr val="lt1"/>
     </dgm:linClrLst>
     <dgm:effectClrLst/>
     <dgm:txLinClrLst/>
@@ -392,12 +438,10 @@
   </dgm:styleLbl>
   <dgm:styleLbl name="asst1">
     <dgm:fillClrLst meth="repeat">
-      <a:schemeClr val="accent3"/>
+      <a:schemeClr val="accent2"/>
     </dgm:fillClrLst>
     <dgm:linClrLst meth="repeat">
-      <a:schemeClr val="lt1">
-        <a:shade val="80000"/>
-      </a:schemeClr>
+      <a:schemeClr val="lt1"/>
     </dgm:linClrLst>
     <dgm:effectClrLst/>
     <dgm:txLinClrLst/>
@@ -406,7 +450,7 @@
   </dgm:styleLbl>
   <dgm:styleLbl name="asst2">
     <dgm:fillClrLst>
-      <a:schemeClr val="accent4"/>
+      <a:schemeClr val="accent3"/>
     </dgm:fillClrLst>
     <dgm:linClrLst meth="repeat">
       <a:schemeClr val="lt1"/>
@@ -418,7 +462,7 @@
   </dgm:styleLbl>
   <dgm:styleLbl name="asst3">
     <dgm:fillClrLst>
-      <a:schemeClr val="accent5"/>
+      <a:schemeClr val="accent4"/>
     </dgm:fillClrLst>
     <dgm:linClrLst meth="repeat">
       <a:schemeClr val="lt1"/>
@@ -430,7 +474,7 @@
   </dgm:styleLbl>
   <dgm:styleLbl name="asst4">
     <dgm:fillClrLst>
-      <a:schemeClr val="accent6"/>
+      <a:schemeClr val="accent5"/>
     </dgm:fillClrLst>
     <dgm:linClrLst meth="repeat">
       <a:schemeClr val="lt1"/>
@@ -497,7 +541,7 @@
       <a:schemeClr val="accent2"/>
     </dgm:fillClrLst>
     <dgm:linClrLst meth="repeat">
-      <a:schemeClr val="accent2"/>
+      <a:schemeClr val="accent1"/>
     </dgm:linClrLst>
     <dgm:effectClrLst/>
     <dgm:txLinClrLst/>
@@ -508,12 +552,12 @@
   </dgm:styleLbl>
   <dgm:styleLbl name="parChTrans1D2">
     <dgm:fillClrLst meth="repeat">
-      <a:schemeClr val="accent2">
+      <a:schemeClr val="accent3">
         <a:tint val="90000"/>
       </a:schemeClr>
     </dgm:fillClrLst>
     <dgm:linClrLst meth="repeat">
-      <a:schemeClr val="accent3"/>
+      <a:schemeClr val="accent2"/>
     </dgm:linClrLst>
     <dgm:effectClrLst/>
     <dgm:txLinClrLst/>
@@ -524,12 +568,12 @@
   </dgm:styleLbl>
   <dgm:styleLbl name="parChTrans1D3">
     <dgm:fillClrLst meth="repeat">
-      <a:schemeClr val="accent2">
+      <a:schemeClr val="accent4">
         <a:tint val="70000"/>
       </a:schemeClr>
     </dgm:fillClrLst>
     <dgm:linClrLst meth="repeat">
-      <a:schemeClr val="accent4"/>
+      <a:schemeClr val="accent3"/>
     </dgm:linClrLst>
     <dgm:effectClrLst/>
     <dgm:txLinClrLst/>
@@ -540,12 +584,12 @@
   </dgm:styleLbl>
   <dgm:styleLbl name="parChTrans1D4">
     <dgm:fillClrLst meth="repeat">
-      <a:schemeClr val="accent2">
+      <a:schemeClr val="accent5">
         <a:tint val="50000"/>
       </a:schemeClr>
     </dgm:fillClrLst>
     <dgm:linClrLst meth="repeat">
-      <a:schemeClr val="accent5"/>
+      <a:schemeClr val="accent4"/>
     </dgm:linClrLst>
     <dgm:effectClrLst/>
     <dgm:txLinClrLst/>
@@ -560,9 +604,12 @@
         <a:alpha val="90000"/>
       </a:schemeClr>
     </dgm:fillClrLst>
-    <dgm:linClrLst>
+    <dgm:linClrLst meth="repeat">
       <a:schemeClr val="accent2"/>
       <a:schemeClr val="accent3"/>
+      <a:schemeClr val="accent4"/>
+      <a:schemeClr val="accent5"/>
+      <a:schemeClr val="accent6"/>
     </dgm:linClrLst>
     <dgm:effectClrLst/>
     <dgm:txLinClrLst/>
@@ -577,9 +624,12 @@
         <a:alpha val="90000"/>
       </a:schemeClr>
     </dgm:fillClrLst>
-    <dgm:linClrLst>
+    <dgm:linClrLst meth="repeat">
       <a:schemeClr val="accent2"/>
       <a:schemeClr val="accent3"/>
+      <a:schemeClr val="accent4"/>
+      <a:schemeClr val="accent5"/>
+      <a:schemeClr val="accent6"/>
     </dgm:linClrLst>
     <dgm:effectClrLst/>
     <dgm:txLinClrLst/>
@@ -594,9 +644,12 @@
         <a:alpha val="90000"/>
       </a:schemeClr>
     </dgm:fillClrLst>
-    <dgm:linClrLst>
+    <dgm:linClrLst meth="repeat">
       <a:schemeClr val="accent2"/>
       <a:schemeClr val="accent3"/>
+      <a:schemeClr val="accent4"/>
+      <a:schemeClr val="accent5"/>
+      <a:schemeClr val="accent6"/>
     </dgm:linClrLst>
     <dgm:effectClrLst/>
     <dgm:txLinClrLst/>
@@ -612,7 +665,7 @@
       </a:schemeClr>
     </dgm:fillClrLst>
     <dgm:linClrLst meth="repeat">
-      <a:schemeClr val="accent2"/>
+      <a:schemeClr val="accent1"/>
     </dgm:linClrLst>
     <dgm:effectClrLst/>
     <dgm:txLinClrLst/>
@@ -627,9 +680,12 @@
         <a:alpha val="90000"/>
       </a:schemeClr>
     </dgm:fillClrLst>
-    <dgm:linClrLst>
+    <dgm:linClrLst meth="repeat">
       <a:schemeClr val="accent2"/>
       <a:schemeClr val="accent3"/>
+      <a:schemeClr val="accent4"/>
+      <a:schemeClr val="accent5"/>
+      <a:schemeClr val="accent6"/>
     </dgm:linClrLst>
     <dgm:effectClrLst/>
     <dgm:txLinClrLst/>
@@ -642,9 +698,12 @@
     <dgm:fillClrLst meth="repeat">
       <a:schemeClr val="lt1"/>
     </dgm:fillClrLst>
-    <dgm:linClrLst>
+    <dgm:linClrLst meth="repeat">
       <a:schemeClr val="accent2"/>
       <a:schemeClr val="accent3"/>
+      <a:schemeClr val="accent4"/>
+      <a:schemeClr val="accent5"/>
+      <a:schemeClr val="accent6"/>
     </dgm:linClrLst>
     <dgm:effectClrLst/>
     <dgm:txLinClrLst/>
@@ -657,9 +716,12 @@
     <dgm:fillClrLst meth="repeat">
       <a:schemeClr val="lt1"/>
     </dgm:fillClrLst>
-    <dgm:linClrLst>
+    <dgm:linClrLst meth="repeat">
       <a:schemeClr val="accent2"/>
       <a:schemeClr val="accent3"/>
+      <a:schemeClr val="accent4"/>
+      <a:schemeClr val="accent5"/>
+      <a:schemeClr val="accent6"/>
     </dgm:linClrLst>
     <dgm:effectClrLst/>
     <dgm:txLinClrLst/>
@@ -672,9 +734,12 @@
     <dgm:fillClrLst meth="repeat">
       <a:schemeClr val="lt1"/>
     </dgm:fillClrLst>
-    <dgm:linClrLst>
+    <dgm:linClrLst meth="repeat">
       <a:schemeClr val="accent2"/>
       <a:schemeClr val="accent3"/>
+      <a:schemeClr val="accent4"/>
+      <a:schemeClr val="accent5"/>
+      <a:schemeClr val="accent6"/>
     </dgm:linClrLst>
     <dgm:effectClrLst/>
     <dgm:txLinClrLst/>
@@ -684,7 +749,7 @@
     <dgm:txEffectClrLst/>
   </dgm:styleLbl>
   <dgm:styleLbl name="fgAccFollowNode1">
-    <dgm:fillClrLst>
+    <dgm:fillClrLst meth="repeat">
       <a:schemeClr val="accent2">
         <a:tint val="40000"/>
         <a:alpha val="90000"/>
@@ -693,8 +758,20 @@
         <a:tint val="40000"/>
         <a:alpha val="90000"/>
       </a:schemeClr>
-    </dgm:fillClrLst>
-    <dgm:linClrLst>
+      <a:schemeClr val="accent4">
+        <a:tint val="40000"/>
+        <a:alpha val="90000"/>
+      </a:schemeClr>
+      <a:schemeClr val="accent5">
+        <a:tint val="40000"/>
+        <a:alpha val="90000"/>
+      </a:schemeClr>
+      <a:schemeClr val="accent6">
+        <a:tint val="40000"/>
+        <a:alpha val="90000"/>
+      </a:schemeClr>
+    </dgm:fillClrLst>
+    <dgm:linClrLst meth="repeat">
       <a:schemeClr val="accent2">
         <a:tint val="40000"/>
         <a:alpha val="90000"/>
@@ -703,6 +780,18 @@
         <a:tint val="40000"/>
         <a:alpha val="90000"/>
       </a:schemeClr>
+      <a:schemeClr val="accent4">
+        <a:tint val="40000"/>
+        <a:alpha val="90000"/>
+      </a:schemeClr>
+      <a:schemeClr val="accent5">
+        <a:tint val="40000"/>
+        <a:alpha val="90000"/>
+      </a:schemeClr>
+      <a:schemeClr val="accent6">
+        <a:tint val="40000"/>
+        <a:alpha val="90000"/>
+      </a:schemeClr>
     </dgm:linClrLst>
     <dgm:effectClrLst/>
     <dgm:txLinClrLst/>
@@ -712,7 +801,7 @@
     <dgm:txEffectClrLst/>
   </dgm:styleLbl>
   <dgm:styleLbl name="alignAccFollowNode1">
-    <dgm:fillClrLst>
+    <dgm:fillClrLst meth="repeat">
       <a:schemeClr val="accent2">
         <a:tint val="40000"/>
         <a:alpha val="90000"/>
@@ -721,8 +810,20 @@
         <a:tint val="40000"/>
         <a:alpha val="90000"/>
       </a:schemeClr>
-    </dgm:fillClrLst>
-    <dgm:linClrLst>
+      <a:schemeClr val="accent4">
+        <a:tint val="40000"/>
+        <a:alpha val="90000"/>
+      </a:schemeClr>
+      <a:schemeClr val="accent5">
+        <a:tint val="40000"/>
+        <a:alpha val="90000"/>
+      </a:schemeClr>
+      <a:schemeClr val="accent6">
+        <a:tint val="40000"/>
+        <a:alpha val="90000"/>
+      </a:schemeClr>
+    </dgm:fillClrLst>
+    <dgm:linClrLst meth="repeat">
       <a:schemeClr val="accent2">
         <a:tint val="40000"/>
         <a:alpha val="90000"/>
@@ -731,6 +832,18 @@
         <a:tint val="40000"/>
         <a:alpha val="90000"/>
       </a:schemeClr>
+      <a:schemeClr val="accent4">
+        <a:tint val="40000"/>
+        <a:alpha val="90000"/>
+      </a:schemeClr>
+      <a:schemeClr val="accent5">
+        <a:tint val="40000"/>
+        <a:alpha val="90000"/>
+      </a:schemeClr>
+      <a:schemeClr val="accent6">
+        <a:tint val="40000"/>
+        <a:alpha val="90000"/>
+      </a:schemeClr>
     </dgm:linClrLst>
     <dgm:effectClrLst/>
     <dgm:txLinClrLst/>
@@ -740,7 +853,7 @@
     <dgm:txEffectClrLst/>
   </dgm:styleLbl>
   <dgm:styleLbl name="bgAccFollowNode1">
-    <dgm:fillClrLst>
+    <dgm:fillClrLst meth="repeat">
       <a:schemeClr val="accent2">
         <a:tint val="40000"/>
         <a:alpha val="90000"/>
@@ -749,13 +862,37 @@
         <a:tint val="40000"/>
         <a:alpha val="90000"/>
       </a:schemeClr>
-    </dgm:fillClrLst>
-    <dgm:linClrLst>
+      <a:schemeClr val="accent4">
+        <a:tint val="40000"/>
+        <a:alpha val="90000"/>
+      </a:schemeClr>
+      <a:schemeClr val="accent5">
+        <a:tint val="40000"/>
+        <a:alpha val="90000"/>
+      </a:schemeClr>
+      <a:schemeClr val="accent6">
+        <a:tint val="40000"/>
+        <a:alpha val="90000"/>
+      </a:schemeClr>
+    </dgm:fillClrLst>
+    <dgm:linClrLst meth="repeat">
       <a:schemeClr val="accent2">
         <a:tint val="40000"/>
         <a:alpha val="90000"/>
       </a:schemeClr>
       <a:schemeClr val="accent3">
+        <a:tint val="40000"/>
+        <a:alpha val="90000"/>
+      </a:schemeClr>
+      <a:schemeClr val="accent4">
+        <a:tint val="40000"/>
+        <a:alpha val="90000"/>
+      </a:schemeClr>
+      <a:schemeClr val="accent5">
+        <a:tint val="40000"/>
+        <a:alpha val="90000"/>
+      </a:schemeClr>
+      <a:schemeClr val="accent6">
         <a:tint val="40000"/>
         <a:alpha val="90000"/>
       </a:schemeClr>
@@ -790,7 +927,7 @@
       </a:schemeClr>
     </dgm:fillClrLst>
     <dgm:linClrLst>
-      <a:schemeClr val="accent3"/>
+      <a:schemeClr val="accent2"/>
     </dgm:linClrLst>
     <dgm:effectClrLst/>
     <dgm:txLinClrLst/>
@@ -806,7 +943,7 @@
       </a:schemeClr>
     </dgm:fillClrLst>
     <dgm:linClrLst>
-      <a:schemeClr val="accent4"/>
+      <a:schemeClr val="accent3"/>
     </dgm:linClrLst>
     <dgm:effectClrLst/>
     <dgm:txLinClrLst/>
@@ -822,7 +959,7 @@
       </a:schemeClr>
     </dgm:fillClrLst>
     <dgm:linClrLst>
-      <a:schemeClr val="accent5"/>
+      <a:schemeClr val="accent4"/>
     </dgm:linClrLst>
     <dgm:effectClrLst/>
     <dgm:txLinClrLst/>
@@ -865,7 +1002,7 @@
   </dgm:styleLbl>
   <dgm:styleLbl name="trBgShp">
     <dgm:fillClrLst meth="repeat">
-      <a:schemeClr val="accent2">
+      <a:schemeClr val="accent1">
         <a:tint val="50000"/>
         <a:alpha val="40000"/>
       </a:schemeClr>
@@ -1700,6 +1837,927 @@
 </file>
 
 <file path=ppt/diagrams/colors3.xml><?xml version="1.0" encoding="utf-8"?>
+<dgm:colorsDef xmlns:dgm="http://schemas.openxmlformats.org/drawingml/2006/diagram" xmlns:a="http://schemas.openxmlformats.org/drawingml/2006/main" uniqueId="urn:microsoft.com/office/officeart/2018/5/colors/Iconchunking_neutralbg_colorful1">
+  <dgm:title val=""/>
+  <dgm:desc val=""/>
+  <dgm:catLst>
+    <dgm:cat type="colorful" pri="10100"/>
+  </dgm:catLst>
+  <dgm:styleLbl name="node0">
+    <dgm:fillClrLst meth="repeat">
+      <a:schemeClr val="accent1"/>
+    </dgm:fillClrLst>
+    <dgm:linClrLst meth="repeat">
+      <a:schemeClr val="lt1"/>
+    </dgm:linClrLst>
+    <dgm:effectClrLst/>
+    <dgm:txLinClrLst/>
+    <dgm:txFillClrLst/>
+    <dgm:txEffectClrLst/>
+  </dgm:styleLbl>
+  <dgm:styleLbl name="node1">
+    <dgm:fillClrLst meth="repeat">
+      <a:schemeClr val="accent2"/>
+      <a:schemeClr val="accent3"/>
+      <a:schemeClr val="accent4"/>
+      <a:schemeClr val="accent5"/>
+      <a:schemeClr val="accent6"/>
+    </dgm:fillClrLst>
+    <dgm:linClrLst meth="repeat">
+      <a:schemeClr val="lt1">
+        <a:alpha val="0"/>
+      </a:schemeClr>
+    </dgm:linClrLst>
+    <dgm:effectClrLst/>
+    <dgm:txLinClrLst/>
+    <dgm:txFillClrLst/>
+    <dgm:txEffectClrLst/>
+  </dgm:styleLbl>
+  <dgm:styleLbl name="alignNode1">
+    <dgm:fillClrLst meth="repeat">
+      <a:schemeClr val="accent2"/>
+      <a:schemeClr val="accent3"/>
+      <a:schemeClr val="accent4"/>
+      <a:schemeClr val="accent5"/>
+      <a:schemeClr val="accent6"/>
+    </dgm:fillClrLst>
+    <dgm:linClrLst meth="repeat">
+      <a:schemeClr val="accent2"/>
+      <a:schemeClr val="accent3"/>
+      <a:schemeClr val="accent4"/>
+      <a:schemeClr val="accent5"/>
+      <a:schemeClr val="accent6"/>
+    </dgm:linClrLst>
+    <dgm:effectClrLst/>
+    <dgm:txLinClrLst/>
+    <dgm:txFillClrLst/>
+    <dgm:txEffectClrLst/>
+  </dgm:styleLbl>
+  <dgm:styleLbl name="lnNode1">
+    <dgm:fillClrLst meth="repeat">
+      <a:schemeClr val="accent2"/>
+      <a:schemeClr val="accent3"/>
+      <a:schemeClr val="accent4"/>
+      <a:schemeClr val="accent5"/>
+      <a:schemeClr val="accent6"/>
+    </dgm:fillClrLst>
+    <dgm:linClrLst meth="repeat">
+      <a:schemeClr val="lt1"/>
+    </dgm:linClrLst>
+    <dgm:effectClrLst/>
+    <dgm:txLinClrLst/>
+    <dgm:txFillClrLst/>
+    <dgm:txEffectClrLst/>
+  </dgm:styleLbl>
+  <dgm:styleLbl name="vennNode1">
+    <dgm:fillClrLst meth="repeat">
+      <a:schemeClr val="accent2">
+        <a:alpha val="50000"/>
+      </a:schemeClr>
+      <a:schemeClr val="accent3">
+        <a:alpha val="50000"/>
+      </a:schemeClr>
+      <a:schemeClr val="accent4">
+        <a:alpha val="50000"/>
+      </a:schemeClr>
+      <a:schemeClr val="accent5">
+        <a:alpha val="50000"/>
+      </a:schemeClr>
+      <a:schemeClr val="accent6">
+        <a:alpha val="50000"/>
+      </a:schemeClr>
+    </dgm:fillClrLst>
+    <dgm:linClrLst meth="repeat">
+      <a:schemeClr val="lt1"/>
+    </dgm:linClrLst>
+    <dgm:effectClrLst/>
+    <dgm:txLinClrLst/>
+    <dgm:txFillClrLst/>
+    <dgm:txEffectClrLst/>
+  </dgm:styleLbl>
+  <dgm:styleLbl name="node2">
+    <dgm:fillClrLst>
+      <a:schemeClr val="accent2"/>
+    </dgm:fillClrLst>
+    <dgm:linClrLst meth="repeat">
+      <a:schemeClr val="lt1"/>
+    </dgm:linClrLst>
+    <dgm:effectClrLst/>
+    <dgm:txLinClrLst/>
+    <dgm:txFillClrLst/>
+    <dgm:txEffectClrLst/>
+  </dgm:styleLbl>
+  <dgm:styleLbl name="node3">
+    <dgm:fillClrLst>
+      <a:schemeClr val="accent3"/>
+    </dgm:fillClrLst>
+    <dgm:linClrLst meth="repeat">
+      <a:schemeClr val="lt1"/>
+    </dgm:linClrLst>
+    <dgm:effectClrLst/>
+    <dgm:txLinClrLst/>
+    <dgm:txFillClrLst/>
+    <dgm:txEffectClrLst/>
+  </dgm:styleLbl>
+  <dgm:styleLbl name="node4">
+    <dgm:fillClrLst>
+      <a:schemeClr val="accent4"/>
+    </dgm:fillClrLst>
+    <dgm:linClrLst meth="repeat">
+      <a:schemeClr val="lt1"/>
+    </dgm:linClrLst>
+    <dgm:effectClrLst/>
+    <dgm:txLinClrLst/>
+    <dgm:txFillClrLst/>
+    <dgm:txEffectClrLst/>
+  </dgm:styleLbl>
+  <dgm:styleLbl name="fgImgPlace1">
+    <dgm:fillClrLst meth="repeat">
+      <a:schemeClr val="accent2">
+        <a:tint val="50000"/>
+      </a:schemeClr>
+      <a:schemeClr val="accent3">
+        <a:tint val="50000"/>
+      </a:schemeClr>
+      <a:schemeClr val="accent4">
+        <a:tint val="50000"/>
+      </a:schemeClr>
+      <a:schemeClr val="accent5">
+        <a:tint val="50000"/>
+      </a:schemeClr>
+      <a:schemeClr val="accent6">
+        <a:tint val="50000"/>
+      </a:schemeClr>
+    </dgm:fillClrLst>
+    <dgm:linClrLst meth="repeat">
+      <a:schemeClr val="lt1"/>
+    </dgm:linClrLst>
+    <dgm:effectClrLst/>
+    <dgm:txLinClrLst/>
+    <dgm:txFillClrLst meth="repeat">
+      <a:schemeClr val="lt1"/>
+    </dgm:txFillClrLst>
+    <dgm:txEffectClrLst/>
+  </dgm:styleLbl>
+  <dgm:styleLbl name="alignImgPlace1">
+    <dgm:fillClrLst>
+      <a:schemeClr val="accent1">
+        <a:tint val="50000"/>
+      </a:schemeClr>
+      <a:schemeClr val="accent2">
+        <a:tint val="20000"/>
+      </a:schemeClr>
+    </dgm:fillClrLst>
+    <dgm:linClrLst meth="repeat">
+      <a:schemeClr val="lt1"/>
+    </dgm:linClrLst>
+    <dgm:effectClrLst/>
+    <dgm:txLinClrLst/>
+    <dgm:txFillClrLst meth="repeat">
+      <a:schemeClr val="lt1"/>
+    </dgm:txFillClrLst>
+    <dgm:txEffectClrLst/>
+  </dgm:styleLbl>
+  <dgm:styleLbl name="bgImgPlace1">
+    <dgm:fillClrLst>
+      <a:schemeClr val="accent1">
+        <a:tint val="50000"/>
+      </a:schemeClr>
+      <a:schemeClr val="accent2">
+        <a:tint val="20000"/>
+      </a:schemeClr>
+    </dgm:fillClrLst>
+    <dgm:linClrLst meth="repeat">
+      <a:schemeClr val="lt1"/>
+    </dgm:linClrLst>
+    <dgm:effectClrLst/>
+    <dgm:txLinClrLst/>
+    <dgm:txFillClrLst meth="repeat">
+      <a:schemeClr val="lt1"/>
+    </dgm:txFillClrLst>
+    <dgm:txEffectClrLst/>
+  </dgm:styleLbl>
+  <dgm:styleLbl name="sibTrans2D1">
+    <dgm:fillClrLst meth="repeat">
+      <a:schemeClr val="accent2"/>
+      <a:schemeClr val="accent3"/>
+      <a:schemeClr val="accent4"/>
+      <a:schemeClr val="accent5"/>
+      <a:schemeClr val="accent6"/>
+    </dgm:fillClrLst>
+    <dgm:linClrLst meth="cycle">
+      <a:schemeClr val="lt1"/>
+    </dgm:linClrLst>
+    <dgm:effectClrLst/>
+    <dgm:txLinClrLst/>
+    <dgm:txFillClrLst/>
+    <dgm:txEffectClrLst/>
+  </dgm:styleLbl>
+  <dgm:styleLbl name="fgSibTrans2D1">
+    <dgm:fillClrLst meth="repeat">
+      <a:schemeClr val="accent2"/>
+      <a:schemeClr val="accent3"/>
+      <a:schemeClr val="accent4"/>
+      <a:schemeClr val="accent5"/>
+      <a:schemeClr val="accent6"/>
+    </dgm:fillClrLst>
+    <dgm:linClrLst meth="cycle">
+      <a:schemeClr val="lt1"/>
+    </dgm:linClrLst>
+    <dgm:effectClrLst/>
+    <dgm:txLinClrLst/>
+    <dgm:txFillClrLst meth="repeat">
+      <a:schemeClr val="lt1"/>
+    </dgm:txFillClrLst>
+    <dgm:txEffectClrLst/>
+  </dgm:styleLbl>
+  <dgm:styleLbl name="bgSibTrans2D1">
+    <dgm:fillClrLst meth="repeat">
+      <a:schemeClr val="accent2"/>
+      <a:schemeClr val="accent3"/>
+      <a:schemeClr val="accent4"/>
+      <a:schemeClr val="accent5"/>
+      <a:schemeClr val="accent6"/>
+    </dgm:fillClrLst>
+    <dgm:linClrLst meth="cycle">
+      <a:schemeClr val="lt1"/>
+    </dgm:linClrLst>
+    <dgm:effectClrLst/>
+    <dgm:txLinClrLst/>
+    <dgm:txFillClrLst meth="repeat">
+      <a:schemeClr val="lt1"/>
+    </dgm:txFillClrLst>
+    <dgm:txEffectClrLst/>
+  </dgm:styleLbl>
+  <dgm:styleLbl name="sibTrans1D1">
+    <dgm:fillClrLst meth="repeat">
+      <a:schemeClr val="accent2"/>
+      <a:schemeClr val="accent3"/>
+      <a:schemeClr val="accent4"/>
+      <a:schemeClr val="accent5"/>
+      <a:schemeClr val="accent6"/>
+    </dgm:fillClrLst>
+    <dgm:linClrLst meth="repeat">
+      <a:schemeClr val="accent2"/>
+      <a:schemeClr val="accent3"/>
+      <a:schemeClr val="accent4"/>
+      <a:schemeClr val="accent5"/>
+      <a:schemeClr val="accent6"/>
+    </dgm:linClrLst>
+    <dgm:effectClrLst/>
+    <dgm:txLinClrLst/>
+    <dgm:txFillClrLst meth="repeat">
+      <a:schemeClr val="tx1"/>
+    </dgm:txFillClrLst>
+    <dgm:txEffectClrLst/>
+  </dgm:styleLbl>
+  <dgm:styleLbl name="callout">
+    <dgm:fillClrLst meth="repeat">
+      <a:schemeClr val="accent2"/>
+    </dgm:fillClrLst>
+    <dgm:linClrLst meth="repeat">
+      <a:schemeClr val="accent2">
+        <a:tint val="50000"/>
+      </a:schemeClr>
+    </dgm:linClrLst>
+    <dgm:effectClrLst/>
+    <dgm:txLinClrLst/>
+    <dgm:txFillClrLst meth="repeat">
+      <a:schemeClr val="tx1"/>
+    </dgm:txFillClrLst>
+    <dgm:txEffectClrLst/>
+  </dgm:styleLbl>
+  <dgm:styleLbl name="asst0">
+    <dgm:fillClrLst meth="repeat">
+      <a:schemeClr val="accent1"/>
+    </dgm:fillClrLst>
+    <dgm:linClrLst meth="repeat">
+      <a:schemeClr val="lt1"/>
+    </dgm:linClrLst>
+    <dgm:effectClrLst/>
+    <dgm:txLinClrLst/>
+    <dgm:txFillClrLst/>
+    <dgm:txEffectClrLst/>
+  </dgm:styleLbl>
+  <dgm:styleLbl name="asst1">
+    <dgm:fillClrLst meth="repeat">
+      <a:schemeClr val="accent2"/>
+    </dgm:fillClrLst>
+    <dgm:linClrLst meth="repeat">
+      <a:schemeClr val="lt1"/>
+    </dgm:linClrLst>
+    <dgm:effectClrLst/>
+    <dgm:txLinClrLst/>
+    <dgm:txFillClrLst/>
+    <dgm:txEffectClrLst/>
+  </dgm:styleLbl>
+  <dgm:styleLbl name="asst2">
+    <dgm:fillClrLst>
+      <a:schemeClr val="accent3"/>
+    </dgm:fillClrLst>
+    <dgm:linClrLst meth="repeat">
+      <a:schemeClr val="lt1"/>
+    </dgm:linClrLst>
+    <dgm:effectClrLst/>
+    <dgm:txLinClrLst/>
+    <dgm:txFillClrLst/>
+    <dgm:txEffectClrLst/>
+  </dgm:styleLbl>
+  <dgm:styleLbl name="asst3">
+    <dgm:fillClrLst>
+      <a:schemeClr val="accent4"/>
+    </dgm:fillClrLst>
+    <dgm:linClrLst meth="repeat">
+      <a:schemeClr val="lt1"/>
+    </dgm:linClrLst>
+    <dgm:effectClrLst/>
+    <dgm:txLinClrLst/>
+    <dgm:txFillClrLst/>
+    <dgm:txEffectClrLst/>
+  </dgm:styleLbl>
+  <dgm:styleLbl name="asst4">
+    <dgm:fillClrLst>
+      <a:schemeClr val="accent5"/>
+    </dgm:fillClrLst>
+    <dgm:linClrLst meth="repeat">
+      <a:schemeClr val="lt1"/>
+    </dgm:linClrLst>
+    <dgm:effectClrLst/>
+    <dgm:txLinClrLst/>
+    <dgm:txFillClrLst/>
+    <dgm:txEffectClrLst/>
+  </dgm:styleLbl>
+  <dgm:styleLbl name="parChTrans2D1">
+    <dgm:fillClrLst meth="repeat">
+      <a:schemeClr val="accent2"/>
+    </dgm:fillClrLst>
+    <dgm:linClrLst meth="repeat">
+      <a:schemeClr val="lt1"/>
+    </dgm:linClrLst>
+    <dgm:effectClrLst/>
+    <dgm:txLinClrLst/>
+    <dgm:txFillClrLst meth="repeat">
+      <a:schemeClr val="lt1"/>
+    </dgm:txFillClrLst>
+    <dgm:txEffectClrLst/>
+  </dgm:styleLbl>
+  <dgm:styleLbl name="parChTrans2D2">
+    <dgm:fillClrLst meth="repeat">
+      <a:schemeClr val="accent3"/>
+    </dgm:fillClrLst>
+    <dgm:linClrLst meth="repeat">
+      <a:schemeClr val="lt1"/>
+    </dgm:linClrLst>
+    <dgm:effectClrLst/>
+    <dgm:txLinClrLst/>
+    <dgm:txFillClrLst/>
+    <dgm:txEffectClrLst/>
+  </dgm:styleLbl>
+  <dgm:styleLbl name="parChTrans2D3">
+    <dgm:fillClrLst meth="repeat">
+      <a:schemeClr val="accent4"/>
+    </dgm:fillClrLst>
+    <dgm:linClrLst meth="repeat">
+      <a:schemeClr val="lt1"/>
+    </dgm:linClrLst>
+    <dgm:effectClrLst/>
+    <dgm:txLinClrLst/>
+    <dgm:txFillClrLst/>
+    <dgm:txEffectClrLst/>
+  </dgm:styleLbl>
+  <dgm:styleLbl name="parChTrans2D4">
+    <dgm:fillClrLst meth="repeat">
+      <a:schemeClr val="accent5"/>
+    </dgm:fillClrLst>
+    <dgm:linClrLst meth="repeat">
+      <a:schemeClr val="lt1"/>
+    </dgm:linClrLst>
+    <dgm:effectClrLst/>
+    <dgm:txLinClrLst/>
+    <dgm:txFillClrLst meth="repeat">
+      <a:schemeClr val="lt1"/>
+    </dgm:txFillClrLst>
+    <dgm:txEffectClrLst/>
+  </dgm:styleLbl>
+  <dgm:styleLbl name="parChTrans1D1">
+    <dgm:fillClrLst meth="repeat">
+      <a:schemeClr val="accent2"/>
+    </dgm:fillClrLst>
+    <dgm:linClrLst meth="repeat">
+      <a:schemeClr val="accent1"/>
+    </dgm:linClrLst>
+    <dgm:effectClrLst/>
+    <dgm:txLinClrLst/>
+    <dgm:txFillClrLst meth="repeat">
+      <a:schemeClr val="tx1"/>
+    </dgm:txFillClrLst>
+    <dgm:txEffectClrLst/>
+  </dgm:styleLbl>
+  <dgm:styleLbl name="parChTrans1D2">
+    <dgm:fillClrLst meth="repeat">
+      <a:schemeClr val="accent3">
+        <a:tint val="90000"/>
+      </a:schemeClr>
+    </dgm:fillClrLst>
+    <dgm:linClrLst meth="repeat">
+      <a:schemeClr val="accent2"/>
+    </dgm:linClrLst>
+    <dgm:effectClrLst/>
+    <dgm:txLinClrLst/>
+    <dgm:txFillClrLst meth="repeat">
+      <a:schemeClr val="tx1"/>
+    </dgm:txFillClrLst>
+    <dgm:txEffectClrLst/>
+  </dgm:styleLbl>
+  <dgm:styleLbl name="parChTrans1D3">
+    <dgm:fillClrLst meth="repeat">
+      <a:schemeClr val="accent4">
+        <a:tint val="70000"/>
+      </a:schemeClr>
+    </dgm:fillClrLst>
+    <dgm:linClrLst meth="repeat">
+      <a:schemeClr val="accent3"/>
+    </dgm:linClrLst>
+    <dgm:effectClrLst/>
+    <dgm:txLinClrLst/>
+    <dgm:txFillClrLst meth="repeat">
+      <a:schemeClr val="tx1"/>
+    </dgm:txFillClrLst>
+    <dgm:txEffectClrLst/>
+  </dgm:styleLbl>
+  <dgm:styleLbl name="parChTrans1D4">
+    <dgm:fillClrLst meth="repeat">
+      <a:schemeClr val="accent5">
+        <a:tint val="50000"/>
+      </a:schemeClr>
+    </dgm:fillClrLst>
+    <dgm:linClrLst meth="repeat">
+      <a:schemeClr val="accent4"/>
+    </dgm:linClrLst>
+    <dgm:effectClrLst/>
+    <dgm:txLinClrLst/>
+    <dgm:txFillClrLst meth="repeat">
+      <a:schemeClr val="tx1"/>
+    </dgm:txFillClrLst>
+    <dgm:txEffectClrLst/>
+  </dgm:styleLbl>
+  <dgm:styleLbl name="fgAcc1">
+    <dgm:fillClrLst meth="repeat">
+      <a:schemeClr val="lt1">
+        <a:alpha val="90000"/>
+      </a:schemeClr>
+    </dgm:fillClrLst>
+    <dgm:linClrLst meth="repeat">
+      <a:schemeClr val="accent2"/>
+      <a:schemeClr val="accent3"/>
+      <a:schemeClr val="accent4"/>
+      <a:schemeClr val="accent5"/>
+      <a:schemeClr val="accent6"/>
+    </dgm:linClrLst>
+    <dgm:effectClrLst/>
+    <dgm:txLinClrLst/>
+    <dgm:txFillClrLst meth="repeat">
+      <a:schemeClr val="dk1"/>
+    </dgm:txFillClrLst>
+    <dgm:txEffectClrLst/>
+  </dgm:styleLbl>
+  <dgm:styleLbl name="conFgAcc1">
+    <dgm:fillClrLst meth="repeat">
+      <a:schemeClr val="lt1">
+        <a:alpha val="90000"/>
+      </a:schemeClr>
+    </dgm:fillClrLst>
+    <dgm:linClrLst meth="repeat">
+      <a:schemeClr val="accent2"/>
+      <a:schemeClr val="accent3"/>
+      <a:schemeClr val="accent4"/>
+      <a:schemeClr val="accent5"/>
+      <a:schemeClr val="accent6"/>
+    </dgm:linClrLst>
+    <dgm:effectClrLst/>
+    <dgm:txLinClrLst/>
+    <dgm:txFillClrLst meth="repeat">
+      <a:schemeClr val="dk1"/>
+    </dgm:txFillClrLst>
+    <dgm:txEffectClrLst/>
+  </dgm:styleLbl>
+  <dgm:styleLbl name="alignAcc1">
+    <dgm:fillClrLst meth="repeat">
+      <a:schemeClr val="lt1">
+        <a:alpha val="90000"/>
+      </a:schemeClr>
+    </dgm:fillClrLst>
+    <dgm:linClrLst meth="repeat">
+      <a:schemeClr val="accent2"/>
+      <a:schemeClr val="accent3"/>
+      <a:schemeClr val="accent4"/>
+      <a:schemeClr val="accent5"/>
+      <a:schemeClr val="accent6"/>
+    </dgm:linClrLst>
+    <dgm:effectClrLst/>
+    <dgm:txLinClrLst/>
+    <dgm:txFillClrLst meth="repeat">
+      <a:schemeClr val="dk1"/>
+    </dgm:txFillClrLst>
+    <dgm:txEffectClrLst/>
+  </dgm:styleLbl>
+  <dgm:styleLbl name="trAlignAcc1">
+    <dgm:fillClrLst meth="repeat">
+      <a:schemeClr val="lt1">
+        <a:alpha val="40000"/>
+      </a:schemeClr>
+    </dgm:fillClrLst>
+    <dgm:linClrLst meth="repeat">
+      <a:schemeClr val="accent1"/>
+    </dgm:linClrLst>
+    <dgm:effectClrLst/>
+    <dgm:txLinClrLst/>
+    <dgm:txFillClrLst meth="repeat">
+      <a:schemeClr val="dk1"/>
+    </dgm:txFillClrLst>
+    <dgm:txEffectClrLst/>
+  </dgm:styleLbl>
+  <dgm:styleLbl name="bgAcc1">
+    <dgm:fillClrLst meth="repeat">
+      <a:schemeClr val="lt1">
+        <a:alpha val="90000"/>
+      </a:schemeClr>
+    </dgm:fillClrLst>
+    <dgm:linClrLst meth="repeat">
+      <a:schemeClr val="accent2"/>
+      <a:schemeClr val="accent3"/>
+      <a:schemeClr val="accent4"/>
+      <a:schemeClr val="accent5"/>
+      <a:schemeClr val="accent6"/>
+    </dgm:linClrLst>
+    <dgm:effectClrLst/>
+    <dgm:txLinClrLst/>
+    <dgm:txFillClrLst meth="repeat">
+      <a:schemeClr val="dk1"/>
+    </dgm:txFillClrLst>
+    <dgm:txEffectClrLst/>
+  </dgm:styleLbl>
+  <dgm:styleLbl name="solidFgAcc1">
+    <dgm:fillClrLst meth="repeat">
+      <a:schemeClr val="lt1"/>
+    </dgm:fillClrLst>
+    <dgm:linClrLst meth="repeat">
+      <a:schemeClr val="accent2"/>
+      <a:schemeClr val="accent3"/>
+      <a:schemeClr val="accent4"/>
+      <a:schemeClr val="accent5"/>
+      <a:schemeClr val="accent6"/>
+    </dgm:linClrLst>
+    <dgm:effectClrLst/>
+    <dgm:txLinClrLst/>
+    <dgm:txFillClrLst meth="repeat">
+      <a:schemeClr val="dk1"/>
+    </dgm:txFillClrLst>
+    <dgm:txEffectClrLst/>
+  </dgm:styleLbl>
+  <dgm:styleLbl name="solidAlignAcc1">
+    <dgm:fillClrLst meth="repeat">
+      <a:schemeClr val="lt1"/>
+    </dgm:fillClrLst>
+    <dgm:linClrLst meth="repeat">
+      <a:schemeClr val="accent2"/>
+      <a:schemeClr val="accent3"/>
+      <a:schemeClr val="accent4"/>
+      <a:schemeClr val="accent5"/>
+      <a:schemeClr val="accent6"/>
+    </dgm:linClrLst>
+    <dgm:effectClrLst/>
+    <dgm:txLinClrLst/>
+    <dgm:txFillClrLst meth="repeat">
+      <a:schemeClr val="dk1"/>
+    </dgm:txFillClrLst>
+    <dgm:txEffectClrLst/>
+  </dgm:styleLbl>
+  <dgm:styleLbl name="solidBgAcc1">
+    <dgm:fillClrLst meth="repeat">
+      <a:schemeClr val="lt1"/>
+    </dgm:fillClrLst>
+    <dgm:linClrLst meth="repeat">
+      <a:schemeClr val="accent2"/>
+      <a:schemeClr val="accent3"/>
+      <a:schemeClr val="accent4"/>
+      <a:schemeClr val="accent5"/>
+      <a:schemeClr val="accent6"/>
+    </dgm:linClrLst>
+    <dgm:effectClrLst/>
+    <dgm:txLinClrLst/>
+    <dgm:txFillClrLst meth="repeat">
+      <a:schemeClr val="dk1"/>
+    </dgm:txFillClrLst>
+    <dgm:txEffectClrLst/>
+  </dgm:styleLbl>
+  <dgm:styleLbl name="fgAccFollowNode1">
+    <dgm:fillClrLst meth="repeat">
+      <a:schemeClr val="accent2">
+        <a:tint val="40000"/>
+        <a:alpha val="90000"/>
+      </a:schemeClr>
+      <a:schemeClr val="accent3">
+        <a:tint val="40000"/>
+        <a:alpha val="90000"/>
+      </a:schemeClr>
+      <a:schemeClr val="accent4">
+        <a:tint val="40000"/>
+        <a:alpha val="90000"/>
+      </a:schemeClr>
+      <a:schemeClr val="accent5">
+        <a:tint val="40000"/>
+        <a:alpha val="90000"/>
+      </a:schemeClr>
+      <a:schemeClr val="accent6">
+        <a:tint val="40000"/>
+        <a:alpha val="90000"/>
+      </a:schemeClr>
+    </dgm:fillClrLst>
+    <dgm:linClrLst meth="repeat">
+      <a:schemeClr val="accent2">
+        <a:tint val="40000"/>
+        <a:alpha val="90000"/>
+      </a:schemeClr>
+      <a:schemeClr val="accent3">
+        <a:tint val="40000"/>
+        <a:alpha val="90000"/>
+      </a:schemeClr>
+      <a:schemeClr val="accent4">
+        <a:tint val="40000"/>
+        <a:alpha val="90000"/>
+      </a:schemeClr>
+      <a:schemeClr val="accent5">
+        <a:tint val="40000"/>
+        <a:alpha val="90000"/>
+      </a:schemeClr>
+      <a:schemeClr val="accent6">
+        <a:tint val="40000"/>
+        <a:alpha val="90000"/>
+      </a:schemeClr>
+    </dgm:linClrLst>
+    <dgm:effectClrLst/>
+    <dgm:txLinClrLst/>
+    <dgm:txFillClrLst meth="repeat">
+      <a:schemeClr val="dk1"/>
+    </dgm:txFillClrLst>
+    <dgm:txEffectClrLst/>
+  </dgm:styleLbl>
+  <dgm:styleLbl name="alignAccFollowNode1">
+    <dgm:fillClrLst meth="repeat">
+      <a:schemeClr val="accent2">
+        <a:tint val="40000"/>
+        <a:alpha val="90000"/>
+      </a:schemeClr>
+      <a:schemeClr val="accent3">
+        <a:tint val="40000"/>
+        <a:alpha val="90000"/>
+      </a:schemeClr>
+      <a:schemeClr val="accent4">
+        <a:tint val="40000"/>
+        <a:alpha val="90000"/>
+      </a:schemeClr>
+      <a:schemeClr val="accent5">
+        <a:tint val="40000"/>
+        <a:alpha val="90000"/>
+      </a:schemeClr>
+      <a:schemeClr val="accent6">
+        <a:tint val="40000"/>
+        <a:alpha val="90000"/>
+      </a:schemeClr>
+    </dgm:fillClrLst>
+    <dgm:linClrLst meth="repeat">
+      <a:schemeClr val="accent2">
+        <a:tint val="40000"/>
+        <a:alpha val="90000"/>
+      </a:schemeClr>
+      <a:schemeClr val="accent3">
+        <a:tint val="40000"/>
+        <a:alpha val="90000"/>
+      </a:schemeClr>
+      <a:schemeClr val="accent4">
+        <a:tint val="40000"/>
+        <a:alpha val="90000"/>
+      </a:schemeClr>
+      <a:schemeClr val="accent5">
+        <a:tint val="40000"/>
+        <a:alpha val="90000"/>
+      </a:schemeClr>
+      <a:schemeClr val="accent6">
+        <a:tint val="40000"/>
+        <a:alpha val="90000"/>
+      </a:schemeClr>
+    </dgm:linClrLst>
+    <dgm:effectClrLst/>
+    <dgm:txLinClrLst/>
+    <dgm:txFillClrLst meth="repeat">
+      <a:schemeClr val="dk1"/>
+    </dgm:txFillClrLst>
+    <dgm:txEffectClrLst/>
+  </dgm:styleLbl>
+  <dgm:styleLbl name="bgAccFollowNode1">
+    <dgm:fillClrLst meth="repeat">
+      <a:schemeClr val="accent2">
+        <a:tint val="40000"/>
+        <a:alpha val="90000"/>
+      </a:schemeClr>
+      <a:schemeClr val="accent3">
+        <a:tint val="40000"/>
+        <a:alpha val="90000"/>
+      </a:schemeClr>
+      <a:schemeClr val="accent4">
+        <a:tint val="40000"/>
+        <a:alpha val="90000"/>
+      </a:schemeClr>
+      <a:schemeClr val="accent5">
+        <a:tint val="40000"/>
+        <a:alpha val="90000"/>
+      </a:schemeClr>
+      <a:schemeClr val="accent6">
+        <a:tint val="40000"/>
+        <a:alpha val="90000"/>
+      </a:schemeClr>
+    </dgm:fillClrLst>
+    <dgm:linClrLst meth="repeat">
+      <a:schemeClr val="accent2">
+        <a:tint val="40000"/>
+        <a:alpha val="90000"/>
+      </a:schemeClr>
+      <a:schemeClr val="accent3">
+        <a:tint val="40000"/>
+        <a:alpha val="90000"/>
+      </a:schemeClr>
+      <a:schemeClr val="accent4">
+        <a:tint val="40000"/>
+        <a:alpha val="90000"/>
+      </a:schemeClr>
+      <a:schemeClr val="accent5">
+        <a:tint val="40000"/>
+        <a:alpha val="90000"/>
+      </a:schemeClr>
+      <a:schemeClr val="accent6">
+        <a:tint val="40000"/>
+        <a:alpha val="90000"/>
+      </a:schemeClr>
+    </dgm:linClrLst>
+    <dgm:effectClrLst/>
+    <dgm:txLinClrLst/>
+    <dgm:txFillClrLst meth="repeat">
+      <a:schemeClr val="dk1"/>
+    </dgm:txFillClrLst>
+    <dgm:txEffectClrLst/>
+  </dgm:styleLbl>
+  <dgm:styleLbl name="fgAcc0">
+    <dgm:fillClrLst meth="repeat">
+      <a:schemeClr val="lt1">
+        <a:alpha val="90000"/>
+      </a:schemeClr>
+    </dgm:fillClrLst>
+    <dgm:linClrLst>
+      <a:schemeClr val="accent1"/>
+    </dgm:linClrLst>
+    <dgm:effectClrLst/>
+    <dgm:txLinClrLst/>
+    <dgm:txFillClrLst meth="repeat">
+      <a:schemeClr val="dk1"/>
+    </dgm:txFillClrLst>
+    <dgm:txEffectClrLst/>
+  </dgm:styleLbl>
+  <dgm:styleLbl name="fgAcc2">
+    <dgm:fillClrLst meth="repeat">
+      <a:schemeClr val="lt1">
+        <a:alpha val="90000"/>
+      </a:schemeClr>
+    </dgm:fillClrLst>
+    <dgm:linClrLst>
+      <a:schemeClr val="accent2"/>
+    </dgm:linClrLst>
+    <dgm:effectClrLst/>
+    <dgm:txLinClrLst/>
+    <dgm:txFillClrLst meth="repeat">
+      <a:schemeClr val="dk1"/>
+    </dgm:txFillClrLst>
+    <dgm:txEffectClrLst/>
+  </dgm:styleLbl>
+  <dgm:styleLbl name="fgAcc3">
+    <dgm:fillClrLst meth="repeat">
+      <a:schemeClr val="lt1">
+        <a:alpha val="90000"/>
+      </a:schemeClr>
+    </dgm:fillClrLst>
+    <dgm:linClrLst>
+      <a:schemeClr val="accent3"/>
+    </dgm:linClrLst>
+    <dgm:effectClrLst/>
+    <dgm:txLinClrLst/>
+    <dgm:txFillClrLst meth="repeat">
+      <a:schemeClr val="dk1"/>
+    </dgm:txFillClrLst>
+    <dgm:txEffectClrLst/>
+  </dgm:styleLbl>
+  <dgm:styleLbl name="fgAcc4">
+    <dgm:fillClrLst meth="repeat">
+      <a:schemeClr val="lt1">
+        <a:alpha val="90000"/>
+      </a:schemeClr>
+    </dgm:fillClrLst>
+    <dgm:linClrLst>
+      <a:schemeClr val="accent4"/>
+    </dgm:linClrLst>
+    <dgm:effectClrLst/>
+    <dgm:txLinClrLst/>
+    <dgm:txFillClrLst meth="repeat">
+      <a:schemeClr val="dk1"/>
+    </dgm:txFillClrLst>
+    <dgm:txEffectClrLst/>
+  </dgm:styleLbl>
+  <dgm:styleLbl name="bgShp">
+    <dgm:fillClrLst meth="repeat">
+      <a:schemeClr val="bg1">
+        <a:lumMod val="95000"/>
+      </a:schemeClr>
+    </dgm:fillClrLst>
+    <dgm:linClrLst meth="repeat">
+      <a:schemeClr val="dk1"/>
+    </dgm:linClrLst>
+    <dgm:effectClrLst/>
+    <dgm:txLinClrLst/>
+    <dgm:txFillClrLst meth="repeat">
+      <a:schemeClr val="dk1"/>
+    </dgm:txFillClrLst>
+    <dgm:txEffectClrLst/>
+  </dgm:styleLbl>
+  <dgm:styleLbl name="dkBgShp">
+    <dgm:fillClrLst meth="repeat">
+      <a:schemeClr val="accent2">
+        <a:shade val="90000"/>
+      </a:schemeClr>
+    </dgm:fillClrLst>
+    <dgm:linClrLst meth="repeat">
+      <a:schemeClr val="dk1"/>
+    </dgm:linClrLst>
+    <dgm:effectClrLst/>
+    <dgm:txLinClrLst/>
+    <dgm:txFillClrLst meth="repeat">
+      <a:schemeClr val="lt1"/>
+    </dgm:txFillClrLst>
+    <dgm:txEffectClrLst/>
+  </dgm:styleLbl>
+  <dgm:styleLbl name="trBgShp">
+    <dgm:fillClrLst meth="repeat">
+      <a:schemeClr val="accent1">
+        <a:tint val="50000"/>
+        <a:alpha val="40000"/>
+      </a:schemeClr>
+    </dgm:fillClrLst>
+    <dgm:linClrLst meth="repeat">
+      <a:schemeClr val="accent2"/>
+    </dgm:linClrLst>
+    <dgm:effectClrLst/>
+    <dgm:txLinClrLst/>
+    <dgm:txFillClrLst meth="repeat">
+      <a:schemeClr val="lt1"/>
+    </dgm:txFillClrLst>
+    <dgm:txEffectClrLst/>
+  </dgm:styleLbl>
+  <dgm:styleLbl name="fgShp">
+    <dgm:fillClrLst meth="repeat">
+      <a:schemeClr val="accent2">
+        <a:tint val="40000"/>
+      </a:schemeClr>
+    </dgm:fillClrLst>
+    <dgm:linClrLst meth="repeat">
+      <a:schemeClr val="lt1"/>
+    </dgm:linClrLst>
+    <dgm:effectClrLst/>
+    <dgm:txLinClrLst/>
+    <dgm:txFillClrLst meth="repeat">
+      <a:schemeClr val="dk1"/>
+    </dgm:txFillClrLst>
+    <dgm:txEffectClrLst/>
+  </dgm:styleLbl>
+  <dgm:styleLbl name="revTx">
+    <dgm:fillClrLst meth="repeat">
+      <a:schemeClr val="lt1">
+        <a:alpha val="0"/>
+      </a:schemeClr>
+    </dgm:fillClrLst>
+    <dgm:linClrLst meth="repeat">
+      <a:schemeClr val="dk1">
+        <a:alpha val="0"/>
+      </a:schemeClr>
+    </dgm:linClrLst>
+    <dgm:effectClrLst/>
+    <dgm:txLinClrLst/>
+    <dgm:txFillClrLst meth="repeat">
+      <a:schemeClr val="tx1"/>
+    </dgm:txFillClrLst>
+    <dgm:txEffectClrLst/>
+  </dgm:styleLbl>
+</dgm:colorsDef>
+</file>
+
+<file path=ppt/diagrams/colors4.xml><?xml version="1.0" encoding="utf-8"?>
 <dgm:colorsDef xmlns:dgm="http://schemas.openxmlformats.org/drawingml/2006/diagram" xmlns:a="http://schemas.openxmlformats.org/drawingml/2006/main" uniqueId="urn:microsoft.com/office/officeart/2005/8/colors/colorful2">
   <dgm:title val=""/>
   <dgm:desc val=""/>
@@ -2485,7 +3543,7 @@
 <dgm:dataModel xmlns:dgm="http://schemas.openxmlformats.org/drawingml/2006/diagram" xmlns:a="http://schemas.openxmlformats.org/drawingml/2006/main">
   <dgm:ptLst>
     <dgm:pt modelId="{67873FFD-8CB3-4C5F-B224-18A55517CE1D}" type="doc">
-      <dgm:prSet loTypeId="urn:microsoft.com/office/officeart/2005/8/layout/vList2" loCatId="list" qsTypeId="urn:microsoft.com/office/officeart/2005/8/quickstyle/simple4" qsCatId="simple" csTypeId="urn:microsoft.com/office/officeart/2005/8/colors/colorful2" csCatId="colorful"/>
+      <dgm:prSet loTypeId="urn:microsoft.com/office/officeart/2005/8/layout/vList2" loCatId="list" qsTypeId="urn:microsoft.com/office/officeart/2005/8/quickstyle/simple4" qsCatId="simple" csTypeId="urn:microsoft.com/office/officeart/2005/8/colors/colorful1" csCatId="colorful" phldr="1"/>
       <dgm:spPr/>
       <dgm:t>
         <a:bodyPr/>
@@ -2504,16 +3562,26 @@
         <a:p>
           <a:pPr rtl="0"/>
           <a:r>
-            <a:rPr lang="de-DE"/>
-            <a:t>1. Prozess verstehen </a:t>
+            <a:rPr lang="de-DE" dirty="0"/>
+            <a:t>1. Prozess </a:t>
           </a:r>
           <a:r>
-            <a:rPr lang="de-DE">
+            <a:rPr lang="de-DE" dirty="0">
               <a:latin typeface="Century Schoolbook" panose="02040604050505020304"/>
             </a:rPr>
-            <a:t>der Datenanalyse anhand von meinem Beispiel</a:t>
+            <a:t>der Datenanalyse </a:t>
           </a:r>
-          <a:endParaRPr lang="en-US"/>
+          <a:r>
+            <a:rPr lang="de-DE" dirty="0"/>
+            <a:t>verstehen </a:t>
+          </a:r>
+          <a:r>
+            <a:rPr lang="de-DE" dirty="0">
+              <a:latin typeface="Century Schoolbook" panose="02040604050505020304"/>
+            </a:rPr>
+            <a:t>anhand von meinem Beispiel</a:t>
+          </a:r>
+          <a:endParaRPr lang="en-US" dirty="0"/>
         </a:p>
       </dgm:t>
     </dgm:pt>
@@ -2576,7 +3644,7 @@
         </a:p>
       </dgm:t>
     </dgm:pt>
-    <dgm:pt modelId="{5C355196-8FE2-48D2-9C96-5C8D67F29697}" type="pres">
+    <dgm:pt modelId="{36C4402F-14E1-F147-8671-82B6D24747C4}" type="pres">
       <dgm:prSet presAssocID="{67873FFD-8CB3-4C5F-B224-18A55517CE1D}" presName="linear" presStyleCnt="0">
         <dgm:presLayoutVars>
           <dgm:animLvl val="lvl"/>
@@ -2585,7 +3653,7 @@
       </dgm:prSet>
       <dgm:spPr/>
     </dgm:pt>
-    <dgm:pt modelId="{4EB84901-091F-42F9-BCEB-81CAA7181B88}" type="pres">
+    <dgm:pt modelId="{664BC7DA-8A83-F445-B715-61070172C4C4}" type="pres">
       <dgm:prSet presAssocID="{486247F6-C388-46A7-A756-B1757A50DE8E}" presName="parentText" presStyleLbl="node1" presStyleIdx="0" presStyleCnt="2">
         <dgm:presLayoutVars>
           <dgm:chMax val="0"/>
@@ -2594,11 +3662,11 @@
       </dgm:prSet>
       <dgm:spPr/>
     </dgm:pt>
-    <dgm:pt modelId="{8DEA405A-E6E4-4CED-815C-6750027D7C3A}" type="pres">
+    <dgm:pt modelId="{1FB8AB99-9EA9-544A-9318-B91E9BBDB823}" type="pres">
       <dgm:prSet presAssocID="{808EF848-3AF1-401D-8CD8-73A48F31BCC7}" presName="spacer" presStyleCnt="0"/>
       <dgm:spPr/>
     </dgm:pt>
-    <dgm:pt modelId="{0459E372-9374-45C9-9F11-912560F81D7F}" type="pres">
+    <dgm:pt modelId="{A1A93F2A-99D4-2C4D-9297-4445B79C6C8B}" type="pres">
       <dgm:prSet presAssocID="{1C69D3ED-2D5D-4622-8308-B4B7015AD717}" presName="parentText" presStyleLbl="node1" presStyleIdx="1" presStyleCnt="2">
         <dgm:presLayoutVars>
           <dgm:chMax val="0"/>
@@ -2609,14 +3677,14 @@
     </dgm:pt>
   </dgm:ptLst>
   <dgm:cxnLst>
-    <dgm:cxn modelId="{2C11C414-B73E-4DC0-A540-C82F89130060}" type="presOf" srcId="{67873FFD-8CB3-4C5F-B224-18A55517CE1D}" destId="{5C355196-8FE2-48D2-9C96-5C8D67F29697}" srcOrd="0" destOrd="0" presId="urn:microsoft.com/office/officeart/2005/8/layout/vList2"/>
-    <dgm:cxn modelId="{606C4B60-41FF-4E67-9144-3F29D8C359AB}" type="presOf" srcId="{1C69D3ED-2D5D-4622-8308-B4B7015AD717}" destId="{0459E372-9374-45C9-9F11-912560F81D7F}" srcOrd="0" destOrd="0" presId="urn:microsoft.com/office/officeart/2005/8/layout/vList2"/>
+    <dgm:cxn modelId="{296F4B11-0A04-F541-9FE9-66D649EED6B5}" type="presOf" srcId="{486247F6-C388-46A7-A756-B1757A50DE8E}" destId="{664BC7DA-8A83-F445-B715-61070172C4C4}" srcOrd="0" destOrd="0" presId="urn:microsoft.com/office/officeart/2005/8/layout/vList2"/>
+    <dgm:cxn modelId="{40857331-1917-DF49-9442-180E92281D4D}" type="presOf" srcId="{1C69D3ED-2D5D-4622-8308-B4B7015AD717}" destId="{A1A93F2A-99D4-2C4D-9297-4445B79C6C8B}" srcOrd="0" destOrd="0" presId="urn:microsoft.com/office/officeart/2005/8/layout/vList2"/>
+    <dgm:cxn modelId="{AF84E48D-33FC-B04E-867B-236200BF84B6}" type="presOf" srcId="{67873FFD-8CB3-4C5F-B224-18A55517CE1D}" destId="{36C4402F-14E1-F147-8671-82B6D24747C4}" srcOrd="0" destOrd="0" presId="urn:microsoft.com/office/officeart/2005/8/layout/vList2"/>
     <dgm:cxn modelId="{AD786DA2-FC26-44E7-964C-3A40F208D44D}" srcId="{67873FFD-8CB3-4C5F-B224-18A55517CE1D}" destId="{1C69D3ED-2D5D-4622-8308-B4B7015AD717}" srcOrd="1" destOrd="0" parTransId="{07B09B67-04B2-4F3D-A78D-32DEB1CDF5E2}" sibTransId="{B814E4A8-C272-45F9-8B57-48A7CB68E324}"/>
-    <dgm:cxn modelId="{111A10D6-BCFD-4A85-8302-C04F62F94975}" type="presOf" srcId="{486247F6-C388-46A7-A756-B1757A50DE8E}" destId="{4EB84901-091F-42F9-BCEB-81CAA7181B88}" srcOrd="0" destOrd="0" presId="urn:microsoft.com/office/officeart/2005/8/layout/vList2"/>
     <dgm:cxn modelId="{56D678DE-1F0B-4188-8328-90F321EA372A}" srcId="{67873FFD-8CB3-4C5F-B224-18A55517CE1D}" destId="{486247F6-C388-46A7-A756-B1757A50DE8E}" srcOrd="0" destOrd="0" parTransId="{72CC53DD-A35F-420C-B2A2-1AAEC193C42C}" sibTransId="{808EF848-3AF1-401D-8CD8-73A48F31BCC7}"/>
-    <dgm:cxn modelId="{5420348C-0227-4104-8A25-DD5C11D6B144}" type="presParOf" srcId="{5C355196-8FE2-48D2-9C96-5C8D67F29697}" destId="{4EB84901-091F-42F9-BCEB-81CAA7181B88}" srcOrd="0" destOrd="0" presId="urn:microsoft.com/office/officeart/2005/8/layout/vList2"/>
-    <dgm:cxn modelId="{DEE2A10B-F043-44E0-ABB4-7E480265B743}" type="presParOf" srcId="{5C355196-8FE2-48D2-9C96-5C8D67F29697}" destId="{8DEA405A-E6E4-4CED-815C-6750027D7C3A}" srcOrd="1" destOrd="0" presId="urn:microsoft.com/office/officeart/2005/8/layout/vList2"/>
-    <dgm:cxn modelId="{A264F169-CF5B-4823-9F10-7043A29CF8DA}" type="presParOf" srcId="{5C355196-8FE2-48D2-9C96-5C8D67F29697}" destId="{0459E372-9374-45C9-9F11-912560F81D7F}" srcOrd="2" destOrd="0" presId="urn:microsoft.com/office/officeart/2005/8/layout/vList2"/>
+    <dgm:cxn modelId="{E18E7C11-CB5A-E645-8F29-031F3640A9B2}" type="presParOf" srcId="{36C4402F-14E1-F147-8671-82B6D24747C4}" destId="{664BC7DA-8A83-F445-B715-61070172C4C4}" srcOrd="0" destOrd="0" presId="urn:microsoft.com/office/officeart/2005/8/layout/vList2"/>
+    <dgm:cxn modelId="{DB5368E8-86BC-C042-A055-D7E1717E6375}" type="presParOf" srcId="{36C4402F-14E1-F147-8671-82B6D24747C4}" destId="{1FB8AB99-9EA9-544A-9318-B91E9BBDB823}" srcOrd="1" destOrd="0" presId="urn:microsoft.com/office/officeart/2005/8/layout/vList2"/>
+    <dgm:cxn modelId="{EB67D679-EBB1-6B43-A4D5-9C9E05601D2F}" type="presParOf" srcId="{36C4402F-14E1-F147-8671-82B6D24747C4}" destId="{A1A93F2A-99D4-2C4D-9297-4445B79C6C8B}" srcOrd="2" destOrd="0" presId="urn:microsoft.com/office/officeart/2005/8/layout/vList2"/>
   </dgm:cxnLst>
   <dgm:bg/>
   <dgm:whole/>
@@ -2916,9 +3984,9 @@
     <dgm:cxn modelId="{C308F207-82D9-4266-9FE4-500E7BF0EDB6}" type="presOf" srcId="{9F5C6EB6-5ED6-4D1C-B3EB-BA5A76C59144}" destId="{9DC6136D-4379-42E6-855A-4BFC5FCA9FDC}" srcOrd="1" destOrd="0" presId="urn:microsoft.com/office/officeart/2005/8/layout/vProcess5"/>
     <dgm:cxn modelId="{0FA5AE09-57AF-4C4F-8807-7F0F01351007}" type="presOf" srcId="{EE084D40-4360-4B3B-BAB7-CF954FEF1F0E}" destId="{99C395DB-8483-4649-9A11-54A8E7B68B43}" srcOrd="1" destOrd="0" presId="urn:microsoft.com/office/officeart/2005/8/layout/vProcess5"/>
     <dgm:cxn modelId="{5C247824-EC92-4215-9AFD-22F2A4ADE3D7}" type="presOf" srcId="{9F5C6EB6-5ED6-4D1C-B3EB-BA5A76C59144}" destId="{5F83AE1A-B276-409A-A567-B571760EBA6A}" srcOrd="0" destOrd="0" presId="urn:microsoft.com/office/officeart/2005/8/layout/vProcess5"/>
-    <dgm:cxn modelId="{E3BD105F-32E8-4BDD-A9E8-433680EAA5D7}" type="presOf" srcId="{CEA811A3-DC0A-4699-8708-B2FBC28C3D8E}" destId="{56BDCA2B-B530-424D-B9E4-4E77E08B9A7D}" srcOrd="1" destOrd="0" presId="urn:microsoft.com/office/officeart/2005/8/layout/vProcess5"/>
     <dgm:cxn modelId="{F7CCF247-E042-44AB-9F88-4B7643479D12}" srcId="{C2A6C299-7F33-4CFB-91ED-22FE4FC8F7FA}" destId="{9F5C6EB6-5ED6-4D1C-B3EB-BA5A76C59144}" srcOrd="3" destOrd="0" parTransId="{5D5BDAE9-9364-4EA7-915D-0B8EB882395A}" sibTransId="{D94A1DF7-57E8-44CC-9BCB-E3DE996BC063}"/>
     <dgm:cxn modelId="{C57C675A-8999-437F-92F7-50846F76F349}" srcId="{C2A6C299-7F33-4CFB-91ED-22FE4FC8F7FA}" destId="{EE084D40-4360-4B3B-BAB7-CF954FEF1F0E}" srcOrd="1" destOrd="0" parTransId="{34D81CB6-A786-4CDD-A29E-65DAEE554ED9}" sibTransId="{EDBCCD0C-05D0-4058-8D26-C277AA27076E}"/>
+    <dgm:cxn modelId="{E3BD105F-32E8-4BDD-A9E8-433680EAA5D7}" type="presOf" srcId="{CEA811A3-DC0A-4699-8708-B2FBC28C3D8E}" destId="{56BDCA2B-B530-424D-B9E4-4E77E08B9A7D}" srcOrd="1" destOrd="0" presId="urn:microsoft.com/office/officeart/2005/8/layout/vProcess5"/>
     <dgm:cxn modelId="{DBFE497A-9AD9-49F2-8EF2-69F9C02C1F49}" type="presOf" srcId="{8DA16D8B-F9EE-4273-A8EE-BAF36B4F6D7E}" destId="{C7397083-68CA-466E-B55F-330FA965B268}" srcOrd="1" destOrd="0" presId="urn:microsoft.com/office/officeart/2005/8/layout/vProcess5"/>
     <dgm:cxn modelId="{0BF79787-C187-4E67-A1BA-D64450E206D1}" type="presOf" srcId="{60FC6247-9C8F-41C3-98AC-F15017966DA5}" destId="{820CAD49-1306-4E22-9190-8337CAF4B862}" srcOrd="0" destOrd="0" presId="urn:microsoft.com/office/officeart/2005/8/layout/vProcess5"/>
     <dgm:cxn modelId="{0CCE5A90-DD79-4A0F-9613-0E97FA591903}" type="presOf" srcId="{59DFA26D-F53C-41AE-B994-D29633C577AF}" destId="{6BF1F9C7-5F79-4D3C-8F25-6CE2A3668658}" srcOrd="0" destOrd="0" presId="urn:microsoft.com/office/officeart/2005/8/layout/vProcess5"/>
@@ -2956,7 +4024,7 @@
 <dgm:dataModel xmlns:dgm="http://schemas.openxmlformats.org/drawingml/2006/diagram" xmlns:a="http://schemas.openxmlformats.org/drawingml/2006/main">
   <dgm:ptLst>
     <dgm:pt modelId="{AB0767D2-EE67-486C-B85A-7867BFC4FCC6}" type="doc">
-      <dgm:prSet loTypeId="urn:microsoft.com/office/officeart/2005/8/layout/default" loCatId="list" qsTypeId="urn:microsoft.com/office/officeart/2005/8/quickstyle/simple4" qsCatId="simple" csTypeId="urn:microsoft.com/office/officeart/2005/8/colors/colorful2" csCatId="colorful"/>
+      <dgm:prSet loTypeId="urn:microsoft.com/office/officeart/2018/2/layout/IconLabelList" loCatId="icon" qsTypeId="urn:microsoft.com/office/officeart/2005/8/quickstyle/simple1" qsCatId="simple" csTypeId="urn:microsoft.com/office/officeart/2018/5/colors/Iconchunking_neutralbg_colorful1" csCatId="colorful" phldr="1"/>
       <dgm:spPr/>
       <dgm:t>
         <a:bodyPr/>
@@ -2973,6 +4041,11 @@
         <a:bodyPr/>
         <a:lstStyle/>
         <a:p>
+          <a:pPr>
+            <a:lnSpc>
+              <a:spcPct val="100000"/>
+            </a:lnSpc>
+          </a:pPr>
           <a:r>
             <a:rPr lang="en-US"/>
             <a:t>Internet</a:t>
@@ -3009,6 +4082,11 @@
         <a:bodyPr/>
         <a:lstStyle/>
         <a:p>
+          <a:pPr>
+            <a:lnSpc>
+              <a:spcPct val="100000"/>
+            </a:lnSpc>
+          </a:pPr>
           <a:r>
             <a:rPr lang="en-US"/>
             <a:t>Manuell sammeln</a:t>
@@ -3045,6 +4123,11 @@
         <a:bodyPr/>
         <a:lstStyle/>
         <a:p>
+          <a:pPr>
+            <a:lnSpc>
+              <a:spcPct val="100000"/>
+            </a:lnSpc>
+          </a:pPr>
           <a:r>
             <a:rPr lang="en-US"/>
             <a:t>Archive</a:t>
@@ -3074,8 +4157,8 @@
         </a:p>
       </dgm:t>
     </dgm:pt>
-    <dgm:pt modelId="{7C48E44D-1929-4F91-81A9-F3F5CFDD2BC2}" type="pres">
-      <dgm:prSet presAssocID="{AB0767D2-EE67-486C-B85A-7867BFC4FCC6}" presName="diagram" presStyleCnt="0">
+    <dgm:pt modelId="{56849846-3DB2-49FD-B93F-E55224F8CC3D}" type="pres">
+      <dgm:prSet presAssocID="{AB0767D2-EE67-486C-B85A-7867BFC4FCC6}" presName="root" presStyleCnt="0">
         <dgm:presLayoutVars>
           <dgm:dir/>
           <dgm:resizeHandles val="exact"/>
@@ -3083,32 +4166,319 @@
       </dgm:prSet>
       <dgm:spPr/>
     </dgm:pt>
-    <dgm:pt modelId="{33128C6D-1FF0-4BED-BEDA-1C187C2C7A08}" type="pres">
-      <dgm:prSet presAssocID="{40B5248F-8150-4854-B4D9-4F24D82B2499}" presName="node" presStyleLbl="node1" presStyleIdx="0" presStyleCnt="3">
+    <dgm:pt modelId="{A3854813-3B75-4269-AAE0-753A5B9F9574}" type="pres">
+      <dgm:prSet presAssocID="{40B5248F-8150-4854-B4D9-4F24D82B2499}" presName="compNode" presStyleCnt="0"/>
+      <dgm:spPr/>
+    </dgm:pt>
+    <dgm:pt modelId="{6061F41F-1867-4093-A128-00B1E728A9E8}" type="pres">
+      <dgm:prSet presAssocID="{40B5248F-8150-4854-B4D9-4F24D82B2499}" presName="iconRect" presStyleLbl="node1" presStyleIdx="0" presStyleCnt="3"/>
+      <dgm:spPr>
+        <a:blipFill>
+          <a:blip xmlns:r="http://schemas.openxmlformats.org/officeDocument/2006/relationships" r:embed="rId1">
+            <a:extLst>
+              <a:ext uri="{28A0092B-C50C-407E-A947-70E740481C1C}">
+                <a14:useLocalDpi xmlns:a14="http://schemas.microsoft.com/office/drawing/2010/main" val="0"/>
+              </a:ext>
+              <a:ext uri="{96DAC541-7B7A-43D3-8B79-37D633B846F1}">
+                <asvg:svgBlip xmlns:asvg="http://schemas.microsoft.com/office/drawing/2016/SVG/main" r:embed="rId2"/>
+              </a:ext>
+            </a:extLst>
+          </a:blip>
+          <a:stretch>
+            <a:fillRect/>
+          </a:stretch>
+        </a:blipFill>
+        <a:ln>
+          <a:noFill/>
+        </a:ln>
+      </dgm:spPr>
+      <dgm:extLst>
+        <a:ext uri="{E40237B7-FDA0-4F09-8148-C483321AD2D9}">
+          <dgm14:cNvPr xmlns:dgm14="http://schemas.microsoft.com/office/drawing/2010/diagram" id="0" name="" descr="Internet"/>
+        </a:ext>
+      </dgm:extLst>
+    </dgm:pt>
+    <dgm:pt modelId="{0FD9A662-52D0-4402-80C8-E64CC9303DB2}" type="pres">
+      <dgm:prSet presAssocID="{40B5248F-8150-4854-B4D9-4F24D82B2499}" presName="spaceRect" presStyleCnt="0"/>
+      <dgm:spPr/>
+    </dgm:pt>
+    <dgm:pt modelId="{3F73FD6F-B2BE-43B9-922A-78D54BE375EA}" type="pres">
+      <dgm:prSet presAssocID="{40B5248F-8150-4854-B4D9-4F24D82B2499}" presName="textRect" presStyleLbl="revTx" presStyleIdx="0" presStyleCnt="3">
+        <dgm:presLayoutVars>
+          <dgm:chMax val="1"/>
+          <dgm:chPref val="1"/>
+        </dgm:presLayoutVars>
+      </dgm:prSet>
+      <dgm:spPr/>
+    </dgm:pt>
+    <dgm:pt modelId="{0573BA70-4EE4-40E5-9880-93DCDC3D9921}" type="pres">
+      <dgm:prSet presAssocID="{C2E71E39-897A-44AF-A2A9-A4A97B59B26F}" presName="sibTrans" presStyleCnt="0"/>
+      <dgm:spPr/>
+    </dgm:pt>
+    <dgm:pt modelId="{B4DC08E6-EFCF-40AD-858A-E1FD75222979}" type="pres">
+      <dgm:prSet presAssocID="{0017F9D7-62D8-4D6E-B824-F958BC77D6FB}" presName="compNode" presStyleCnt="0"/>
+      <dgm:spPr/>
+    </dgm:pt>
+    <dgm:pt modelId="{CAEA30C8-7D7D-477E-A495-9855431A3B28}" type="pres">
+      <dgm:prSet presAssocID="{0017F9D7-62D8-4D6E-B824-F958BC77D6FB}" presName="iconRect" presStyleLbl="node1" presStyleIdx="1" presStyleCnt="3"/>
+      <dgm:spPr>
+        <a:blipFill>
+          <a:blip xmlns:r="http://schemas.openxmlformats.org/officeDocument/2006/relationships" r:embed="rId3">
+            <a:extLst>
+              <a:ext uri="{28A0092B-C50C-407E-A947-70E740481C1C}">
+                <a14:useLocalDpi xmlns:a14="http://schemas.microsoft.com/office/drawing/2010/main" val="0"/>
+              </a:ext>
+              <a:ext uri="{96DAC541-7B7A-43D3-8B79-37D633B846F1}">
+                <asvg:svgBlip xmlns:asvg="http://schemas.microsoft.com/office/drawing/2016/SVG/main" r:embed="rId4"/>
+              </a:ext>
+            </a:extLst>
+          </a:blip>
+          <a:stretch>
+            <a:fillRect/>
+          </a:stretch>
+        </a:blipFill>
+        <a:ln>
+          <a:noFill/>
+        </a:ln>
+      </dgm:spPr>
+      <dgm:extLst>
+        <a:ext uri="{E40237B7-FDA0-4F09-8148-C483321AD2D9}">
+          <dgm14:cNvPr xmlns:dgm14="http://schemas.microsoft.com/office/drawing/2010/diagram" id="0" name="" descr="CheckList"/>
+        </a:ext>
+      </dgm:extLst>
+    </dgm:pt>
+    <dgm:pt modelId="{4F9A674D-3C35-4B77-95F8-18134F42DC4E}" type="pres">
+      <dgm:prSet presAssocID="{0017F9D7-62D8-4D6E-B824-F958BC77D6FB}" presName="spaceRect" presStyleCnt="0"/>
+      <dgm:spPr/>
+    </dgm:pt>
+    <dgm:pt modelId="{8709F588-1A4A-40A5-8E22-98F618B9A4CF}" type="pres">
+      <dgm:prSet presAssocID="{0017F9D7-62D8-4D6E-B824-F958BC77D6FB}" presName="textRect" presStyleLbl="revTx" presStyleIdx="1" presStyleCnt="3">
+        <dgm:presLayoutVars>
+          <dgm:chMax val="1"/>
+          <dgm:chPref val="1"/>
+        </dgm:presLayoutVars>
+      </dgm:prSet>
+      <dgm:spPr/>
+    </dgm:pt>
+    <dgm:pt modelId="{26D2448D-88D2-44C4-9388-409365D567B5}" type="pres">
+      <dgm:prSet presAssocID="{3EE1D489-11E4-4C1B-B39F-F839477A1778}" presName="sibTrans" presStyleCnt="0"/>
+      <dgm:spPr/>
+    </dgm:pt>
+    <dgm:pt modelId="{A3E4C004-BA5B-48F8-82CA-9EB6E6A72B7C}" type="pres">
+      <dgm:prSet presAssocID="{F433B30F-9395-4DB0-9F3E-7641B2A2C021}" presName="compNode" presStyleCnt="0"/>
+      <dgm:spPr/>
+    </dgm:pt>
+    <dgm:pt modelId="{9E324DD8-D53E-4BDD-84CC-C566EA7333FE}" type="pres">
+      <dgm:prSet presAssocID="{F433B30F-9395-4DB0-9F3E-7641B2A2C021}" presName="iconRect" presStyleLbl="node1" presStyleIdx="2" presStyleCnt="3"/>
+      <dgm:spPr>
+        <a:blipFill>
+          <a:blip xmlns:r="http://schemas.openxmlformats.org/officeDocument/2006/relationships" r:embed="rId5">
+            <a:extLst>
+              <a:ext uri="{28A0092B-C50C-407E-A947-70E740481C1C}">
+                <a14:useLocalDpi xmlns:a14="http://schemas.microsoft.com/office/drawing/2010/main" val="0"/>
+              </a:ext>
+              <a:ext uri="{96DAC541-7B7A-43D3-8B79-37D633B846F1}">
+                <asvg:svgBlip xmlns:asvg="http://schemas.microsoft.com/office/drawing/2016/SVG/main" r:embed="rId6"/>
+              </a:ext>
+            </a:extLst>
+          </a:blip>
+          <a:stretch>
+            <a:fillRect/>
+          </a:stretch>
+        </a:blipFill>
+        <a:ln>
+          <a:noFill/>
+        </a:ln>
+      </dgm:spPr>
+      <dgm:extLst>
+        <a:ext uri="{E40237B7-FDA0-4F09-8148-C483321AD2D9}">
+          <dgm14:cNvPr xmlns:dgm14="http://schemas.microsoft.com/office/drawing/2010/diagram" id="0" name="" descr="Open Folder"/>
+        </a:ext>
+      </dgm:extLst>
+    </dgm:pt>
+    <dgm:pt modelId="{EFC59BA3-E4FF-44B6-AB2B-8B7EDA3768E9}" type="pres">
+      <dgm:prSet presAssocID="{F433B30F-9395-4DB0-9F3E-7641B2A2C021}" presName="spaceRect" presStyleCnt="0"/>
+      <dgm:spPr/>
+    </dgm:pt>
+    <dgm:pt modelId="{2EF2D3D6-47C3-4496-8936-43F02B576DBC}" type="pres">
+      <dgm:prSet presAssocID="{F433B30F-9395-4DB0-9F3E-7641B2A2C021}" presName="textRect" presStyleLbl="revTx" presStyleIdx="2" presStyleCnt="3">
+        <dgm:presLayoutVars>
+          <dgm:chMax val="1"/>
+          <dgm:chPref val="1"/>
+        </dgm:presLayoutVars>
+      </dgm:prSet>
+      <dgm:spPr/>
+    </dgm:pt>
+  </dgm:ptLst>
+  <dgm:cxnLst>
+    <dgm:cxn modelId="{862CCA1E-8830-4A2A-9AEB-6C3FE48107FA}" srcId="{AB0767D2-EE67-486C-B85A-7867BFC4FCC6}" destId="{F433B30F-9395-4DB0-9F3E-7641B2A2C021}" srcOrd="2" destOrd="0" parTransId="{A95AA847-7C40-40BF-8884-F45FE3FA68BD}" sibTransId="{644490AE-0679-4665-9097-5AAB32785EFE}"/>
+    <dgm:cxn modelId="{55630933-6811-9441-A448-26B25E888695}" type="presOf" srcId="{AB0767D2-EE67-486C-B85A-7867BFC4FCC6}" destId="{56849846-3DB2-49FD-B93F-E55224F8CC3D}" srcOrd="0" destOrd="0" presId="urn:microsoft.com/office/officeart/2018/2/layout/IconLabelList"/>
+    <dgm:cxn modelId="{401CCA5E-EB45-4AF8-B171-1F80E7EDA54C}" srcId="{AB0767D2-EE67-486C-B85A-7867BFC4FCC6}" destId="{0017F9D7-62D8-4D6E-B824-F958BC77D6FB}" srcOrd="1" destOrd="0" parTransId="{618B7D1B-967A-4983-B323-746D209720CA}" sibTransId="{3EE1D489-11E4-4C1B-B39F-F839477A1778}"/>
+    <dgm:cxn modelId="{23630064-B01A-4CDD-ABF3-1BC497CAB6B7}" srcId="{AB0767D2-EE67-486C-B85A-7867BFC4FCC6}" destId="{40B5248F-8150-4854-B4D9-4F24D82B2499}" srcOrd="0" destOrd="0" parTransId="{5B767241-74F8-4CBB-9242-E6219D1D590C}" sibTransId="{C2E71E39-897A-44AF-A2A9-A4A97B59B26F}"/>
+    <dgm:cxn modelId="{B844019F-2210-6747-8933-F24EFB23975C}" type="presOf" srcId="{F433B30F-9395-4DB0-9F3E-7641B2A2C021}" destId="{2EF2D3D6-47C3-4496-8936-43F02B576DBC}" srcOrd="0" destOrd="0" presId="urn:microsoft.com/office/officeart/2018/2/layout/IconLabelList"/>
+    <dgm:cxn modelId="{565730D3-7801-E345-B709-35F0D9D03F02}" type="presOf" srcId="{0017F9D7-62D8-4D6E-B824-F958BC77D6FB}" destId="{8709F588-1A4A-40A5-8E22-98F618B9A4CF}" srcOrd="0" destOrd="0" presId="urn:microsoft.com/office/officeart/2018/2/layout/IconLabelList"/>
+    <dgm:cxn modelId="{52D133DD-4C26-254F-8F06-FA2F4EB7AB61}" type="presOf" srcId="{40B5248F-8150-4854-B4D9-4F24D82B2499}" destId="{3F73FD6F-B2BE-43B9-922A-78D54BE375EA}" srcOrd="0" destOrd="0" presId="urn:microsoft.com/office/officeart/2018/2/layout/IconLabelList"/>
+    <dgm:cxn modelId="{5EC24264-2396-FF42-A24A-D4C04B96FD22}" type="presParOf" srcId="{56849846-3DB2-49FD-B93F-E55224F8CC3D}" destId="{A3854813-3B75-4269-AAE0-753A5B9F9574}" srcOrd="0" destOrd="0" presId="urn:microsoft.com/office/officeart/2018/2/layout/IconLabelList"/>
+    <dgm:cxn modelId="{14EDBD48-5166-FD4D-AA3B-8EC812E6F581}" type="presParOf" srcId="{A3854813-3B75-4269-AAE0-753A5B9F9574}" destId="{6061F41F-1867-4093-A128-00B1E728A9E8}" srcOrd="0" destOrd="0" presId="urn:microsoft.com/office/officeart/2018/2/layout/IconLabelList"/>
+    <dgm:cxn modelId="{0A1D9FE0-368E-4445-AD16-27E076366D9B}" type="presParOf" srcId="{A3854813-3B75-4269-AAE0-753A5B9F9574}" destId="{0FD9A662-52D0-4402-80C8-E64CC9303DB2}" srcOrd="1" destOrd="0" presId="urn:microsoft.com/office/officeart/2018/2/layout/IconLabelList"/>
+    <dgm:cxn modelId="{BFF8029F-C39F-C544-9200-20DE47F7A4E1}" type="presParOf" srcId="{A3854813-3B75-4269-AAE0-753A5B9F9574}" destId="{3F73FD6F-B2BE-43B9-922A-78D54BE375EA}" srcOrd="2" destOrd="0" presId="urn:microsoft.com/office/officeart/2018/2/layout/IconLabelList"/>
+    <dgm:cxn modelId="{D5809F06-1D08-1E47-8085-AF8B193E7045}" type="presParOf" srcId="{56849846-3DB2-49FD-B93F-E55224F8CC3D}" destId="{0573BA70-4EE4-40E5-9880-93DCDC3D9921}" srcOrd="1" destOrd="0" presId="urn:microsoft.com/office/officeart/2018/2/layout/IconLabelList"/>
+    <dgm:cxn modelId="{7D848B1A-B9CC-9C45-BE27-5CB0F442AD81}" type="presParOf" srcId="{56849846-3DB2-49FD-B93F-E55224F8CC3D}" destId="{B4DC08E6-EFCF-40AD-858A-E1FD75222979}" srcOrd="2" destOrd="0" presId="urn:microsoft.com/office/officeart/2018/2/layout/IconLabelList"/>
+    <dgm:cxn modelId="{DF603827-3083-7C40-B56A-4F7C92B23818}" type="presParOf" srcId="{B4DC08E6-EFCF-40AD-858A-E1FD75222979}" destId="{CAEA30C8-7D7D-477E-A495-9855431A3B28}" srcOrd="0" destOrd="0" presId="urn:microsoft.com/office/officeart/2018/2/layout/IconLabelList"/>
+    <dgm:cxn modelId="{0A2E4D30-C875-254F-81B0-B819776DEAB5}" type="presParOf" srcId="{B4DC08E6-EFCF-40AD-858A-E1FD75222979}" destId="{4F9A674D-3C35-4B77-95F8-18134F42DC4E}" srcOrd="1" destOrd="0" presId="urn:microsoft.com/office/officeart/2018/2/layout/IconLabelList"/>
+    <dgm:cxn modelId="{BC3F6072-B83A-504D-8BB7-46AA1878BE7B}" type="presParOf" srcId="{B4DC08E6-EFCF-40AD-858A-E1FD75222979}" destId="{8709F588-1A4A-40A5-8E22-98F618B9A4CF}" srcOrd="2" destOrd="0" presId="urn:microsoft.com/office/officeart/2018/2/layout/IconLabelList"/>
+    <dgm:cxn modelId="{59682138-CC8C-924C-BB75-12A7368A4D76}" type="presParOf" srcId="{56849846-3DB2-49FD-B93F-E55224F8CC3D}" destId="{26D2448D-88D2-44C4-9388-409365D567B5}" srcOrd="3" destOrd="0" presId="urn:microsoft.com/office/officeart/2018/2/layout/IconLabelList"/>
+    <dgm:cxn modelId="{6048593D-DC35-E84C-A7A3-3C68357CD8F1}" type="presParOf" srcId="{56849846-3DB2-49FD-B93F-E55224F8CC3D}" destId="{A3E4C004-BA5B-48F8-82CA-9EB6E6A72B7C}" srcOrd="4" destOrd="0" presId="urn:microsoft.com/office/officeart/2018/2/layout/IconLabelList"/>
+    <dgm:cxn modelId="{D5C06747-2528-A24B-A4EB-BD12D171A4DD}" type="presParOf" srcId="{A3E4C004-BA5B-48F8-82CA-9EB6E6A72B7C}" destId="{9E324DD8-D53E-4BDD-84CC-C566EA7333FE}" srcOrd="0" destOrd="0" presId="urn:microsoft.com/office/officeart/2018/2/layout/IconLabelList"/>
+    <dgm:cxn modelId="{2B6DD712-7F9F-DB4B-8EE9-638F286EE4E5}" type="presParOf" srcId="{A3E4C004-BA5B-48F8-82CA-9EB6E6A72B7C}" destId="{EFC59BA3-E4FF-44B6-AB2B-8B7EDA3768E9}" srcOrd="1" destOrd="0" presId="urn:microsoft.com/office/officeart/2018/2/layout/IconLabelList"/>
+    <dgm:cxn modelId="{20B800FF-F2D4-5B4B-9FF0-DD86B984B500}" type="presParOf" srcId="{A3E4C004-BA5B-48F8-82CA-9EB6E6A72B7C}" destId="{2EF2D3D6-47C3-4496-8936-43F02B576DBC}" srcOrd="2" destOrd="0" presId="urn:microsoft.com/office/officeart/2018/2/layout/IconLabelList"/>
+  </dgm:cxnLst>
+  <dgm:bg/>
+  <dgm:whole/>
+  <dgm:extLst>
+    <a:ext uri="http://schemas.microsoft.com/office/drawing/2008/diagram">
+      <dsp:dataModelExt xmlns:dsp="http://schemas.microsoft.com/office/drawing/2008/diagram" relId="rId6" minVer="http://schemas.openxmlformats.org/drawingml/2006/diagram"/>
+    </a:ext>
+  </dgm:extLst>
+</dgm:dataModel>
+</file>
+
+<file path=ppt/diagrams/data4.xml><?xml version="1.0" encoding="utf-8"?>
+<dgm:dataModel xmlns:dgm="http://schemas.openxmlformats.org/drawingml/2006/diagram" xmlns:a="http://schemas.openxmlformats.org/drawingml/2006/main">
+  <dgm:ptLst>
+    <dgm:pt modelId="{CFF6C39B-AF94-4131-871F-EDCDB2CE4543}" type="doc">
+      <dgm:prSet loTypeId="urn:microsoft.com/office/officeart/2005/8/layout/vProcess5" loCatId="process" qsTypeId="urn:microsoft.com/office/officeart/2005/8/quickstyle/simple4" qsCatId="simple" csTypeId="urn:microsoft.com/office/officeart/2005/8/colors/colorful2" csCatId="colorful"/>
+      <dgm:spPr/>
+      <dgm:t>
+        <a:bodyPr/>
+        <a:lstStyle/>
+        <a:p>
+          <a:endParaRPr lang="en-US"/>
+        </a:p>
+      </dgm:t>
+    </dgm:pt>
+    <dgm:pt modelId="{C47DDF62-7B86-4B04-9CD7-B3FE0986FB96}">
+      <dgm:prSet/>
+      <dgm:spPr/>
+      <dgm:t>
+        <a:bodyPr/>
+        <a:lstStyle/>
+        <a:p>
+          <a:r>
+            <a:rPr lang="en-US"/>
+            <a:t>Es waren keine signifikanten Aussagen. Es ist nicht möglich ein Muster zu erkennen</a:t>
+          </a:r>
+        </a:p>
+      </dgm:t>
+    </dgm:pt>
+    <dgm:pt modelId="{B686B36C-0B02-4E51-A24C-3E6889F30E26}" type="parTrans" cxnId="{2E593CFB-305A-4BD0-94D7-C7EB1BEA8510}">
+      <dgm:prSet/>
+      <dgm:spPr/>
+      <dgm:t>
+        <a:bodyPr/>
+        <a:lstStyle/>
+        <a:p>
+          <a:endParaRPr lang="en-US"/>
+        </a:p>
+      </dgm:t>
+    </dgm:pt>
+    <dgm:pt modelId="{98C9499B-4140-4576-B1A7-C089A5D0106B}" type="sibTrans" cxnId="{2E593CFB-305A-4BD0-94D7-C7EB1BEA8510}">
+      <dgm:prSet/>
+      <dgm:spPr/>
+      <dgm:t>
+        <a:bodyPr/>
+        <a:lstStyle/>
+        <a:p>
+          <a:endParaRPr lang="en-US"/>
+        </a:p>
+      </dgm:t>
+    </dgm:pt>
+    <dgm:pt modelId="{92B787DF-9E27-4FDD-976D-2B02D71E482C}">
+      <dgm:prSet/>
+      <dgm:spPr/>
+      <dgm:t>
+        <a:bodyPr/>
+        <a:lstStyle/>
+        <a:p>
+          <a:r>
+            <a:rPr lang="en-US"/>
+            <a:t>Lösungsvorschlag: In paar Monaten erneut auswerten</a:t>
+          </a:r>
+        </a:p>
+      </dgm:t>
+    </dgm:pt>
+    <dgm:pt modelId="{96678543-4DDF-4C4D-AFDD-306024A53A87}" type="parTrans" cxnId="{B7DA98F1-192A-48DC-8FB4-74155D114E07}">
+      <dgm:prSet/>
+      <dgm:spPr/>
+      <dgm:t>
+        <a:bodyPr/>
+        <a:lstStyle/>
+        <a:p>
+          <a:endParaRPr lang="en-US"/>
+        </a:p>
+      </dgm:t>
+    </dgm:pt>
+    <dgm:pt modelId="{4FBB9357-A801-44B5-950C-23FDACE27690}" type="sibTrans" cxnId="{B7DA98F1-192A-48DC-8FB4-74155D114E07}">
+      <dgm:prSet/>
+      <dgm:spPr/>
+      <dgm:t>
+        <a:bodyPr/>
+        <a:lstStyle/>
+        <a:p>
+          <a:endParaRPr lang="en-US"/>
+        </a:p>
+      </dgm:t>
+    </dgm:pt>
+    <dgm:pt modelId="{34E083CD-9358-D844-A373-019FAED01156}" type="pres">
+      <dgm:prSet presAssocID="{CFF6C39B-AF94-4131-871F-EDCDB2CE4543}" presName="outerComposite" presStyleCnt="0">
+        <dgm:presLayoutVars>
+          <dgm:chMax val="5"/>
+          <dgm:dir/>
+          <dgm:resizeHandles val="exact"/>
+        </dgm:presLayoutVars>
+      </dgm:prSet>
+      <dgm:spPr/>
+    </dgm:pt>
+    <dgm:pt modelId="{0DE00D57-F940-FA47-93D2-9D76198096EF}" type="pres">
+      <dgm:prSet presAssocID="{CFF6C39B-AF94-4131-871F-EDCDB2CE4543}" presName="dummyMaxCanvas" presStyleCnt="0">
+        <dgm:presLayoutVars/>
+      </dgm:prSet>
+      <dgm:spPr/>
+    </dgm:pt>
+    <dgm:pt modelId="{FAE974A9-C76E-6A47-A35B-D19F8FBE709A}" type="pres">
+      <dgm:prSet presAssocID="{CFF6C39B-AF94-4131-871F-EDCDB2CE4543}" presName="TwoNodes_1" presStyleLbl="node1" presStyleIdx="0" presStyleCnt="2">
         <dgm:presLayoutVars>
           <dgm:bulletEnabled val="1"/>
         </dgm:presLayoutVars>
       </dgm:prSet>
       <dgm:spPr/>
     </dgm:pt>
-    <dgm:pt modelId="{2B3009BE-27D5-4500-A3D0-07CEAEC6ABDA}" type="pres">
-      <dgm:prSet presAssocID="{C2E71E39-897A-44AF-A2A9-A4A97B59B26F}" presName="sibTrans" presStyleCnt="0"/>
-      <dgm:spPr/>
-    </dgm:pt>
-    <dgm:pt modelId="{06933332-C0F3-4EF1-AD3D-D5B2A03927C0}" type="pres">
-      <dgm:prSet presAssocID="{0017F9D7-62D8-4D6E-B824-F958BC77D6FB}" presName="node" presStyleLbl="node1" presStyleIdx="1" presStyleCnt="3">
+    <dgm:pt modelId="{169ED235-E644-2A4D-BA49-D56218B97852}" type="pres">
+      <dgm:prSet presAssocID="{CFF6C39B-AF94-4131-871F-EDCDB2CE4543}" presName="TwoNodes_2" presStyleLbl="node1" presStyleIdx="1" presStyleCnt="2">
         <dgm:presLayoutVars>
           <dgm:bulletEnabled val="1"/>
         </dgm:presLayoutVars>
       </dgm:prSet>
       <dgm:spPr/>
     </dgm:pt>
-    <dgm:pt modelId="{A81DAC8B-EDD0-4199-B22C-B55139C2C772}" type="pres">
-      <dgm:prSet presAssocID="{3EE1D489-11E4-4C1B-B39F-F839477A1778}" presName="sibTrans" presStyleCnt="0"/>
+    <dgm:pt modelId="{09220988-F5A8-3242-AFAB-E9F9015E74A1}" type="pres">
+      <dgm:prSet presAssocID="{CFF6C39B-AF94-4131-871F-EDCDB2CE4543}" presName="TwoConn_1-2" presStyleLbl="fgAccFollowNode1" presStyleIdx="0" presStyleCnt="1">
+        <dgm:presLayoutVars>
+          <dgm:bulletEnabled val="1"/>
+        </dgm:presLayoutVars>
+      </dgm:prSet>
       <dgm:spPr/>
     </dgm:pt>
-    <dgm:pt modelId="{F2ACD5EB-187D-42D4-9069-373AA48107ED}" type="pres">
-      <dgm:prSet presAssocID="{F433B30F-9395-4DB0-9F3E-7641B2A2C021}" presName="node" presStyleLbl="node1" presStyleIdx="2" presStyleCnt="3">
+    <dgm:pt modelId="{0FB8AA5C-1962-1149-8714-F562E8582DD2}" type="pres">
+      <dgm:prSet presAssocID="{CFF6C39B-AF94-4131-871F-EDCDB2CE4543}" presName="TwoNodes_1_text" presStyleLbl="node1" presStyleIdx="1" presStyleCnt="2">
+        <dgm:presLayoutVars>
+          <dgm:bulletEnabled val="1"/>
+        </dgm:presLayoutVars>
+      </dgm:prSet>
+      <dgm:spPr/>
+    </dgm:pt>
+    <dgm:pt modelId="{A861B221-1721-AC4D-A1BB-53B922F9A7C7}" type="pres">
+      <dgm:prSet presAssocID="{CFF6C39B-AF94-4131-871F-EDCDB2CE4543}" presName="TwoNodes_2_text" presStyleLbl="node1" presStyleIdx="1" presStyleCnt="2">
         <dgm:presLayoutVars>
           <dgm:bulletEnabled val="1"/>
         </dgm:presLayoutVars>
@@ -3117,18 +4487,20 @@
     </dgm:pt>
   </dgm:ptLst>
   <dgm:cxnLst>
-    <dgm:cxn modelId="{862CCA1E-8830-4A2A-9AEB-6C3FE48107FA}" srcId="{AB0767D2-EE67-486C-B85A-7867BFC4FCC6}" destId="{F433B30F-9395-4DB0-9F3E-7641B2A2C021}" srcOrd="2" destOrd="0" parTransId="{A95AA847-7C40-40BF-8884-F45FE3FA68BD}" sibTransId="{644490AE-0679-4665-9097-5AAB32785EFE}"/>
-    <dgm:cxn modelId="{401CCA5E-EB45-4AF8-B171-1F80E7EDA54C}" srcId="{AB0767D2-EE67-486C-B85A-7867BFC4FCC6}" destId="{0017F9D7-62D8-4D6E-B824-F958BC77D6FB}" srcOrd="1" destOrd="0" parTransId="{618B7D1B-967A-4983-B323-746D209720CA}" sibTransId="{3EE1D489-11E4-4C1B-B39F-F839477A1778}"/>
-    <dgm:cxn modelId="{23630064-B01A-4CDD-ABF3-1BC497CAB6B7}" srcId="{AB0767D2-EE67-486C-B85A-7867BFC4FCC6}" destId="{40B5248F-8150-4854-B4D9-4F24D82B2499}" srcOrd="0" destOrd="0" parTransId="{5B767241-74F8-4CBB-9242-E6219D1D590C}" sibTransId="{C2E71E39-897A-44AF-A2A9-A4A97B59B26F}"/>
-    <dgm:cxn modelId="{49CFF556-843B-4075-85D3-528443B27B23}" type="presOf" srcId="{AB0767D2-EE67-486C-B85A-7867BFC4FCC6}" destId="{7C48E44D-1929-4F91-81A9-F3F5CFDD2BC2}" srcOrd="0" destOrd="0" presId="urn:microsoft.com/office/officeart/2005/8/layout/default"/>
-    <dgm:cxn modelId="{2BBF1F86-AD7E-49C9-8A6A-2F0F1015562E}" type="presOf" srcId="{0017F9D7-62D8-4D6E-B824-F958BC77D6FB}" destId="{06933332-C0F3-4EF1-AD3D-D5B2A03927C0}" srcOrd="0" destOrd="0" presId="urn:microsoft.com/office/officeart/2005/8/layout/default"/>
-    <dgm:cxn modelId="{EE760D97-567C-4941-BF71-5B860CA7CAA8}" type="presOf" srcId="{40B5248F-8150-4854-B4D9-4F24D82B2499}" destId="{33128C6D-1FF0-4BED-BEDA-1C187C2C7A08}" srcOrd="0" destOrd="0" presId="urn:microsoft.com/office/officeart/2005/8/layout/default"/>
-    <dgm:cxn modelId="{EB63C4A7-C62B-4D9E-8372-115ABC59DE54}" type="presOf" srcId="{F433B30F-9395-4DB0-9F3E-7641B2A2C021}" destId="{F2ACD5EB-187D-42D4-9069-373AA48107ED}" srcOrd="0" destOrd="0" presId="urn:microsoft.com/office/officeart/2005/8/layout/default"/>
-    <dgm:cxn modelId="{D9CD010D-AC81-413E-8B0A-566118B38B3C}" type="presParOf" srcId="{7C48E44D-1929-4F91-81A9-F3F5CFDD2BC2}" destId="{33128C6D-1FF0-4BED-BEDA-1C187C2C7A08}" srcOrd="0" destOrd="0" presId="urn:microsoft.com/office/officeart/2005/8/layout/default"/>
-    <dgm:cxn modelId="{01C2C314-D05D-47B5-B3A4-E1FCF57DE637}" type="presParOf" srcId="{7C48E44D-1929-4F91-81A9-F3F5CFDD2BC2}" destId="{2B3009BE-27D5-4500-A3D0-07CEAEC6ABDA}" srcOrd="1" destOrd="0" presId="urn:microsoft.com/office/officeart/2005/8/layout/default"/>
-    <dgm:cxn modelId="{0CD22298-CB4B-4BC1-B98E-B350ECE59EE4}" type="presParOf" srcId="{7C48E44D-1929-4F91-81A9-F3F5CFDD2BC2}" destId="{06933332-C0F3-4EF1-AD3D-D5B2A03927C0}" srcOrd="2" destOrd="0" presId="urn:microsoft.com/office/officeart/2005/8/layout/default"/>
-    <dgm:cxn modelId="{CA1F6FDC-1ECC-479A-8AF7-81F9ED5A9B66}" type="presParOf" srcId="{7C48E44D-1929-4F91-81A9-F3F5CFDD2BC2}" destId="{A81DAC8B-EDD0-4199-B22C-B55139C2C772}" srcOrd="3" destOrd="0" presId="urn:microsoft.com/office/officeart/2005/8/layout/default"/>
-    <dgm:cxn modelId="{D3C7A978-6530-4B1F-A894-8B3C34D07EFF}" type="presParOf" srcId="{7C48E44D-1929-4F91-81A9-F3F5CFDD2BC2}" destId="{F2ACD5EB-187D-42D4-9069-373AA48107ED}" srcOrd="4" destOrd="0" presId="urn:microsoft.com/office/officeart/2005/8/layout/default"/>
+    <dgm:cxn modelId="{841AD508-FE23-6B40-8E5C-4D78ED611158}" type="presOf" srcId="{C47DDF62-7B86-4B04-9CD7-B3FE0986FB96}" destId="{0FB8AA5C-1962-1149-8714-F562E8582DD2}" srcOrd="1" destOrd="0" presId="urn:microsoft.com/office/officeart/2005/8/layout/vProcess5"/>
+    <dgm:cxn modelId="{6D70B321-A479-9640-ADD1-05FBBEC8306B}" type="presOf" srcId="{C47DDF62-7B86-4B04-9CD7-B3FE0986FB96}" destId="{FAE974A9-C76E-6A47-A35B-D19F8FBE709A}" srcOrd="0" destOrd="0" presId="urn:microsoft.com/office/officeart/2005/8/layout/vProcess5"/>
+    <dgm:cxn modelId="{FA23F995-0A21-F44F-8E94-42660A8E47C4}" type="presOf" srcId="{92B787DF-9E27-4FDD-976D-2B02D71E482C}" destId="{169ED235-E644-2A4D-BA49-D56218B97852}" srcOrd="0" destOrd="0" presId="urn:microsoft.com/office/officeart/2005/8/layout/vProcess5"/>
+    <dgm:cxn modelId="{E8B20ABC-D8E7-3544-BED0-80C570EAB33C}" type="presOf" srcId="{92B787DF-9E27-4FDD-976D-2B02D71E482C}" destId="{A861B221-1721-AC4D-A1BB-53B922F9A7C7}" srcOrd="1" destOrd="0" presId="urn:microsoft.com/office/officeart/2005/8/layout/vProcess5"/>
+    <dgm:cxn modelId="{97B084C3-6554-FD40-B52C-0E04E9EBB2B0}" type="presOf" srcId="{98C9499B-4140-4576-B1A7-C089A5D0106B}" destId="{09220988-F5A8-3242-AFAB-E9F9015E74A1}" srcOrd="0" destOrd="0" presId="urn:microsoft.com/office/officeart/2005/8/layout/vProcess5"/>
+    <dgm:cxn modelId="{B7DA98F1-192A-48DC-8FB4-74155D114E07}" srcId="{CFF6C39B-AF94-4131-871F-EDCDB2CE4543}" destId="{92B787DF-9E27-4FDD-976D-2B02D71E482C}" srcOrd="1" destOrd="0" parTransId="{96678543-4DDF-4C4D-AFDD-306024A53A87}" sibTransId="{4FBB9357-A801-44B5-950C-23FDACE27690}"/>
+    <dgm:cxn modelId="{49EC62F7-B0FD-AF4C-8A7A-73DE92B423C2}" type="presOf" srcId="{CFF6C39B-AF94-4131-871F-EDCDB2CE4543}" destId="{34E083CD-9358-D844-A373-019FAED01156}" srcOrd="0" destOrd="0" presId="urn:microsoft.com/office/officeart/2005/8/layout/vProcess5"/>
+    <dgm:cxn modelId="{2E593CFB-305A-4BD0-94D7-C7EB1BEA8510}" srcId="{CFF6C39B-AF94-4131-871F-EDCDB2CE4543}" destId="{C47DDF62-7B86-4B04-9CD7-B3FE0986FB96}" srcOrd="0" destOrd="0" parTransId="{B686B36C-0B02-4E51-A24C-3E6889F30E26}" sibTransId="{98C9499B-4140-4576-B1A7-C089A5D0106B}"/>
+    <dgm:cxn modelId="{FA7A1D32-ECAF-1645-8C49-C701A756E735}" type="presParOf" srcId="{34E083CD-9358-D844-A373-019FAED01156}" destId="{0DE00D57-F940-FA47-93D2-9D76198096EF}" srcOrd="0" destOrd="0" presId="urn:microsoft.com/office/officeart/2005/8/layout/vProcess5"/>
+    <dgm:cxn modelId="{FCFCC7C1-AB0B-9D45-8218-A45A406C44DE}" type="presParOf" srcId="{34E083CD-9358-D844-A373-019FAED01156}" destId="{FAE974A9-C76E-6A47-A35B-D19F8FBE709A}" srcOrd="1" destOrd="0" presId="urn:microsoft.com/office/officeart/2005/8/layout/vProcess5"/>
+    <dgm:cxn modelId="{4FCDEBDC-A4ED-DD4A-A95A-924D912A6DAC}" type="presParOf" srcId="{34E083CD-9358-D844-A373-019FAED01156}" destId="{169ED235-E644-2A4D-BA49-D56218B97852}" srcOrd="2" destOrd="0" presId="urn:microsoft.com/office/officeart/2005/8/layout/vProcess5"/>
+    <dgm:cxn modelId="{727C476B-7FD8-554A-8F07-40DF2F9C98CC}" type="presParOf" srcId="{34E083CD-9358-D844-A373-019FAED01156}" destId="{09220988-F5A8-3242-AFAB-E9F9015E74A1}" srcOrd="3" destOrd="0" presId="urn:microsoft.com/office/officeart/2005/8/layout/vProcess5"/>
+    <dgm:cxn modelId="{6081DD4A-AD59-EC42-A2E4-FC1278177851}" type="presParOf" srcId="{34E083CD-9358-D844-A373-019FAED01156}" destId="{0FB8AA5C-1962-1149-8714-F562E8582DD2}" srcOrd="4" destOrd="0" presId="urn:microsoft.com/office/officeart/2005/8/layout/vProcess5"/>
+    <dgm:cxn modelId="{D5826E15-EE32-DC4D-8B19-1C3F33BF30EE}" type="presParOf" srcId="{34E083CD-9358-D844-A373-019FAED01156}" destId="{A861B221-1721-AC4D-A1BB-53B922F9A7C7}" srcOrd="5" destOrd="0" presId="urn:microsoft.com/office/officeart/2005/8/layout/vProcess5"/>
   </dgm:cxnLst>
   <dgm:bg/>
   <dgm:whole/>
@@ -3148,15 +4520,15 @@
       <dsp:cNvGrpSpPr/>
     </dsp:nvGrpSpPr>
     <dsp:grpSpPr/>
-    <dsp:sp modelId="{4EB84901-091F-42F9-BCEB-81CAA7181B88}">
+    <dsp:sp modelId="{664BC7DA-8A83-F445-B715-61070172C4C4}">
       <dsp:nvSpPr>
         <dsp:cNvPr id="0" name=""/>
         <dsp:cNvSpPr/>
       </dsp:nvSpPr>
       <dsp:spPr>
         <a:xfrm>
-          <a:off x="0" y="486687"/>
-          <a:ext cx="5990135" cy="2089619"/>
+          <a:off x="0" y="12829"/>
+          <a:ext cx="8777329" cy="2034630"/>
         </a:xfrm>
         <a:prstGeom prst="roundRect">
           <a:avLst/>
@@ -3214,12 +4586,12 @@
         </a:fontRef>
       </dsp:style>
       <dsp:txBody>
-        <a:bodyPr spcFirstLastPara="0" vert="horz" wrap="square" lIns="144780" tIns="144780" rIns="144780" bIns="144780" numCol="1" spcCol="1270" anchor="ctr" anchorCtr="0">
+        <a:bodyPr spcFirstLastPara="0" vert="horz" wrap="square" lIns="140970" tIns="140970" rIns="140970" bIns="140970" numCol="1" spcCol="1270" anchor="ctr" anchorCtr="0">
           <a:noAutofit/>
         </a:bodyPr>
         <a:lstStyle/>
         <a:p>
-          <a:pPr marL="0" lvl="0" indent="0" algn="l" defTabSz="1689100" rtl="0">
+          <a:pPr marL="0" lvl="0" indent="0" algn="l" defTabSz="1644650" rtl="0">
             <a:lnSpc>
               <a:spcPct val="90000"/>
             </a:lnSpc>
@@ -3232,41 +4604,51 @@
             <a:buNone/>
           </a:pPr>
           <a:r>
-            <a:rPr lang="de-DE" sz="3800" kern="1200"/>
-            <a:t>1. Prozess verstehen </a:t>
+            <a:rPr lang="de-DE" sz="3700" kern="1200" dirty="0"/>
+            <a:t>1. Prozess </a:t>
           </a:r>
           <a:r>
-            <a:rPr lang="de-DE" sz="3800" kern="1200">
+            <a:rPr lang="de-DE" sz="3700" kern="1200" dirty="0">
               <a:latin typeface="Century Schoolbook" panose="02040604050505020304"/>
             </a:rPr>
-            <a:t>der Datenanalyse anhand von meinem Beispiel</a:t>
+            <a:t>der Datenanalyse </a:t>
           </a:r>
-          <a:endParaRPr lang="en-US" sz="3800" kern="1200"/>
+          <a:r>
+            <a:rPr lang="de-DE" sz="3700" kern="1200" dirty="0"/>
+            <a:t>verstehen </a:t>
+          </a:r>
+          <a:r>
+            <a:rPr lang="de-DE" sz="3700" kern="1200" dirty="0">
+              <a:latin typeface="Century Schoolbook" panose="02040604050505020304"/>
+            </a:rPr>
+            <a:t>anhand von meinem Beispiel</a:t>
+          </a:r>
+          <a:endParaRPr lang="en-US" sz="3700" kern="1200" dirty="0"/>
         </a:p>
       </dsp:txBody>
       <dsp:txXfrm>
-        <a:off x="102007" y="588694"/>
-        <a:ext cx="5786121" cy="1885605"/>
+        <a:off x="99322" y="112151"/>
+        <a:ext cx="8578685" cy="1835986"/>
       </dsp:txXfrm>
     </dsp:sp>
-    <dsp:sp modelId="{0459E372-9374-45C9-9F11-912560F81D7F}">
+    <dsp:sp modelId="{A1A93F2A-99D4-2C4D-9297-4445B79C6C8B}">
       <dsp:nvSpPr>
         <dsp:cNvPr id="0" name=""/>
         <dsp:cNvSpPr/>
       </dsp:nvSpPr>
       <dsp:spPr>
         <a:xfrm>
-          <a:off x="0" y="2685747"/>
-          <a:ext cx="5990135" cy="2089619"/>
+          <a:off x="0" y="2154019"/>
+          <a:ext cx="8777329" cy="2034630"/>
         </a:xfrm>
         <a:prstGeom prst="roundRect">
           <a:avLst/>
         </a:prstGeom>
         <a:solidFill>
-          <a:schemeClr val="accent2">
-            <a:hueOff val="2715812"/>
-            <a:satOff val="-21913"/>
-            <a:lumOff val="2549"/>
+          <a:schemeClr val="accent3">
+            <a:hueOff val="0"/>
+            <a:satOff val="0"/>
+            <a:lumOff val="0"/>
             <a:alphaOff val="0"/>
           </a:schemeClr>
         </a:solidFill>
@@ -3289,10 +4671,10 @@
         <a:sp3d contourW="9525" prstMaterial="flat">
           <a:bevelT w="0" h="0" prst="coolSlant"/>
           <a:contourClr>
-            <a:schemeClr val="accent2">
-              <a:hueOff val="2715812"/>
-              <a:satOff val="-21913"/>
-              <a:lumOff val="2549"/>
+            <a:schemeClr val="accent3">
+              <a:hueOff val="0"/>
+              <a:satOff val="0"/>
+              <a:lumOff val="0"/>
               <a:alphaOff val="0"/>
               <a:shade val="35000"/>
               <a:satMod val="130000"/>
@@ -3315,12 +4697,12 @@
         </a:fontRef>
       </dsp:style>
       <dsp:txBody>
-        <a:bodyPr spcFirstLastPara="0" vert="horz" wrap="square" lIns="144780" tIns="144780" rIns="144780" bIns="144780" numCol="1" spcCol="1270" anchor="ctr" anchorCtr="0">
+        <a:bodyPr spcFirstLastPara="0" vert="horz" wrap="square" lIns="140970" tIns="140970" rIns="140970" bIns="140970" numCol="1" spcCol="1270" anchor="ctr" anchorCtr="0">
           <a:noAutofit/>
         </a:bodyPr>
         <a:lstStyle/>
         <a:p>
-          <a:pPr marL="0" lvl="0" indent="0" algn="l" defTabSz="1689100">
+          <a:pPr marL="0" lvl="0" indent="0" algn="l" defTabSz="1644650">
             <a:lnSpc>
               <a:spcPct val="90000"/>
             </a:lnSpc>
@@ -3333,15 +4715,15 @@
             <a:buNone/>
           </a:pPr>
           <a:r>
-            <a:rPr lang="de-DE" sz="3800" kern="1200"/>
+            <a:rPr lang="de-DE" sz="3700" kern="1200"/>
             <a:t>2. Wann ist die beste Zeit zum tanken?</a:t>
           </a:r>
-          <a:endParaRPr lang="en-US" sz="3800" kern="1200"/>
+          <a:endParaRPr lang="en-US" sz="3700" kern="1200"/>
         </a:p>
       </dsp:txBody>
       <dsp:txXfrm>
-        <a:off x="102007" y="2787754"/>
-        <a:ext cx="5786121" cy="1885605"/>
+        <a:off x="99322" y="2253341"/>
+        <a:ext cx="8578685" cy="1835986"/>
       </dsp:txXfrm>
     </dsp:sp>
   </dsp:spTree>
@@ -4009,18 +5391,359 @@
       <dsp:cNvGrpSpPr/>
     </dsp:nvGrpSpPr>
     <dsp:grpSpPr/>
-    <dsp:sp modelId="{33128C6D-1FF0-4BED-BEDA-1C187C2C7A08}">
+    <dsp:sp modelId="{6061F41F-1867-4093-A128-00B1E728A9E8}">
       <dsp:nvSpPr>
         <dsp:cNvPr id="0" name=""/>
         <dsp:cNvSpPr/>
       </dsp:nvSpPr>
       <dsp:spPr>
         <a:xfrm>
-          <a:off x="1767669" y="2151"/>
-          <a:ext cx="3228596" cy="1937158"/>
+          <a:off x="1147502" y="918870"/>
+          <a:ext cx="1288990" cy="1288990"/>
         </a:xfrm>
         <a:prstGeom prst="rect">
           <a:avLst/>
+        </a:prstGeom>
+        <a:blipFill>
+          <a:blip xmlns:r="http://schemas.openxmlformats.org/officeDocument/2006/relationships" r:embed="rId1">
+            <a:extLst>
+              <a:ext uri="{28A0092B-C50C-407E-A947-70E740481C1C}">
+                <a14:useLocalDpi xmlns:a14="http://schemas.microsoft.com/office/drawing/2010/main" val="0"/>
+              </a:ext>
+              <a:ext uri="{96DAC541-7B7A-43D3-8B79-37D633B846F1}">
+                <asvg:svgBlip xmlns:asvg="http://schemas.microsoft.com/office/drawing/2016/SVG/main" r:embed="rId2"/>
+              </a:ext>
+            </a:extLst>
+          </a:blip>
+          <a:stretch>
+            <a:fillRect/>
+          </a:stretch>
+        </a:blipFill>
+        <a:ln w="13970" cap="flat" cmpd="sng" algn="ctr">
+          <a:noFill/>
+          <a:prstDash val="solid"/>
+        </a:ln>
+        <a:effectLst/>
+      </dsp:spPr>
+      <dsp:style>
+        <a:lnRef idx="2">
+          <a:scrgbClr r="0" g="0" b="0"/>
+        </a:lnRef>
+        <a:fillRef idx="1">
+          <a:scrgbClr r="0" g="0" b="0"/>
+        </a:fillRef>
+        <a:effectRef idx="0">
+          <a:scrgbClr r="0" g="0" b="0"/>
+        </a:effectRef>
+        <a:fontRef idx="minor">
+          <a:schemeClr val="lt1"/>
+        </a:fontRef>
+      </dsp:style>
+    </dsp:sp>
+    <dsp:sp modelId="{3F73FD6F-B2BE-43B9-922A-78D54BE375EA}">
+      <dsp:nvSpPr>
+        <dsp:cNvPr id="0" name=""/>
+        <dsp:cNvSpPr/>
+      </dsp:nvSpPr>
+      <dsp:spPr>
+        <a:xfrm>
+          <a:off x="359785" y="2562607"/>
+          <a:ext cx="2864423" cy="720000"/>
+        </a:xfrm>
+        <a:prstGeom prst="rect">
+          <a:avLst/>
+        </a:prstGeom>
+        <a:noFill/>
+        <a:ln>
+          <a:noFill/>
+        </a:ln>
+        <a:effectLst/>
+      </dsp:spPr>
+      <dsp:style>
+        <a:lnRef idx="0">
+          <a:scrgbClr r="0" g="0" b="0"/>
+        </a:lnRef>
+        <a:fillRef idx="0">
+          <a:scrgbClr r="0" g="0" b="0"/>
+        </a:fillRef>
+        <a:effectRef idx="0">
+          <a:scrgbClr r="0" g="0" b="0"/>
+        </a:effectRef>
+        <a:fontRef idx="minor"/>
+      </dsp:style>
+      <dsp:txBody>
+        <a:bodyPr spcFirstLastPara="0" vert="horz" wrap="square" lIns="0" tIns="0" rIns="0" bIns="0" numCol="1" spcCol="1270" anchor="t" anchorCtr="0">
+          <a:noAutofit/>
+        </a:bodyPr>
+        <a:lstStyle/>
+        <a:p>
+          <a:pPr marL="0" lvl="0" indent="0" algn="ctr" defTabSz="1200150">
+            <a:lnSpc>
+              <a:spcPct val="100000"/>
+            </a:lnSpc>
+            <a:spcBef>
+              <a:spcPct val="0"/>
+            </a:spcBef>
+            <a:spcAft>
+              <a:spcPct val="35000"/>
+            </a:spcAft>
+            <a:buNone/>
+          </a:pPr>
+          <a:r>
+            <a:rPr lang="en-US" sz="2700" kern="1200"/>
+            <a:t>Internet</a:t>
+          </a:r>
+        </a:p>
+      </dsp:txBody>
+      <dsp:txXfrm>
+        <a:off x="359785" y="2562607"/>
+        <a:ext cx="2864423" cy="720000"/>
+      </dsp:txXfrm>
+    </dsp:sp>
+    <dsp:sp modelId="{CAEA30C8-7D7D-477E-A495-9855431A3B28}">
+      <dsp:nvSpPr>
+        <dsp:cNvPr id="0" name=""/>
+        <dsp:cNvSpPr/>
+      </dsp:nvSpPr>
+      <dsp:spPr>
+        <a:xfrm>
+          <a:off x="4513200" y="918870"/>
+          <a:ext cx="1288990" cy="1288990"/>
+        </a:xfrm>
+        <a:prstGeom prst="rect">
+          <a:avLst/>
+        </a:prstGeom>
+        <a:blipFill>
+          <a:blip xmlns:r="http://schemas.openxmlformats.org/officeDocument/2006/relationships" r:embed="rId3">
+            <a:extLst>
+              <a:ext uri="{28A0092B-C50C-407E-A947-70E740481C1C}">
+                <a14:useLocalDpi xmlns:a14="http://schemas.microsoft.com/office/drawing/2010/main" val="0"/>
+              </a:ext>
+              <a:ext uri="{96DAC541-7B7A-43D3-8B79-37D633B846F1}">
+                <asvg:svgBlip xmlns:asvg="http://schemas.microsoft.com/office/drawing/2016/SVG/main" r:embed="rId4"/>
+              </a:ext>
+            </a:extLst>
+          </a:blip>
+          <a:stretch>
+            <a:fillRect/>
+          </a:stretch>
+        </a:blipFill>
+        <a:ln w="13970" cap="flat" cmpd="sng" algn="ctr">
+          <a:noFill/>
+          <a:prstDash val="solid"/>
+        </a:ln>
+        <a:effectLst/>
+      </dsp:spPr>
+      <dsp:style>
+        <a:lnRef idx="2">
+          <a:scrgbClr r="0" g="0" b="0"/>
+        </a:lnRef>
+        <a:fillRef idx="1">
+          <a:scrgbClr r="0" g="0" b="0"/>
+        </a:fillRef>
+        <a:effectRef idx="0">
+          <a:scrgbClr r="0" g="0" b="0"/>
+        </a:effectRef>
+        <a:fontRef idx="minor">
+          <a:schemeClr val="lt1"/>
+        </a:fontRef>
+      </dsp:style>
+    </dsp:sp>
+    <dsp:sp modelId="{8709F588-1A4A-40A5-8E22-98F618B9A4CF}">
+      <dsp:nvSpPr>
+        <dsp:cNvPr id="0" name=""/>
+        <dsp:cNvSpPr/>
+      </dsp:nvSpPr>
+      <dsp:spPr>
+        <a:xfrm>
+          <a:off x="3725483" y="2562607"/>
+          <a:ext cx="2864423" cy="720000"/>
+        </a:xfrm>
+        <a:prstGeom prst="rect">
+          <a:avLst/>
+        </a:prstGeom>
+        <a:noFill/>
+        <a:ln>
+          <a:noFill/>
+        </a:ln>
+        <a:effectLst/>
+      </dsp:spPr>
+      <dsp:style>
+        <a:lnRef idx="0">
+          <a:scrgbClr r="0" g="0" b="0"/>
+        </a:lnRef>
+        <a:fillRef idx="0">
+          <a:scrgbClr r="0" g="0" b="0"/>
+        </a:fillRef>
+        <a:effectRef idx="0">
+          <a:scrgbClr r="0" g="0" b="0"/>
+        </a:effectRef>
+        <a:fontRef idx="minor"/>
+      </dsp:style>
+      <dsp:txBody>
+        <a:bodyPr spcFirstLastPara="0" vert="horz" wrap="square" lIns="0" tIns="0" rIns="0" bIns="0" numCol="1" spcCol="1270" anchor="t" anchorCtr="0">
+          <a:noAutofit/>
+        </a:bodyPr>
+        <a:lstStyle/>
+        <a:p>
+          <a:pPr marL="0" lvl="0" indent="0" algn="ctr" defTabSz="1200150">
+            <a:lnSpc>
+              <a:spcPct val="100000"/>
+            </a:lnSpc>
+            <a:spcBef>
+              <a:spcPct val="0"/>
+            </a:spcBef>
+            <a:spcAft>
+              <a:spcPct val="35000"/>
+            </a:spcAft>
+            <a:buNone/>
+          </a:pPr>
+          <a:r>
+            <a:rPr lang="en-US" sz="2700" kern="1200"/>
+            <a:t>Manuell sammeln</a:t>
+          </a:r>
+        </a:p>
+      </dsp:txBody>
+      <dsp:txXfrm>
+        <a:off x="3725483" y="2562607"/>
+        <a:ext cx="2864423" cy="720000"/>
+      </dsp:txXfrm>
+    </dsp:sp>
+    <dsp:sp modelId="{9E324DD8-D53E-4BDD-84CC-C566EA7333FE}">
+      <dsp:nvSpPr>
+        <dsp:cNvPr id="0" name=""/>
+        <dsp:cNvSpPr/>
+      </dsp:nvSpPr>
+      <dsp:spPr>
+        <a:xfrm>
+          <a:off x="7878898" y="918870"/>
+          <a:ext cx="1288990" cy="1288990"/>
+        </a:xfrm>
+        <a:prstGeom prst="rect">
+          <a:avLst/>
+        </a:prstGeom>
+        <a:blipFill>
+          <a:blip xmlns:r="http://schemas.openxmlformats.org/officeDocument/2006/relationships" r:embed="rId5">
+            <a:extLst>
+              <a:ext uri="{28A0092B-C50C-407E-A947-70E740481C1C}">
+                <a14:useLocalDpi xmlns:a14="http://schemas.microsoft.com/office/drawing/2010/main" val="0"/>
+              </a:ext>
+              <a:ext uri="{96DAC541-7B7A-43D3-8B79-37D633B846F1}">
+                <asvg:svgBlip xmlns:asvg="http://schemas.microsoft.com/office/drawing/2016/SVG/main" r:embed="rId6"/>
+              </a:ext>
+            </a:extLst>
+          </a:blip>
+          <a:stretch>
+            <a:fillRect/>
+          </a:stretch>
+        </a:blipFill>
+        <a:ln w="13970" cap="flat" cmpd="sng" algn="ctr">
+          <a:noFill/>
+          <a:prstDash val="solid"/>
+        </a:ln>
+        <a:effectLst/>
+      </dsp:spPr>
+      <dsp:style>
+        <a:lnRef idx="2">
+          <a:scrgbClr r="0" g="0" b="0"/>
+        </a:lnRef>
+        <a:fillRef idx="1">
+          <a:scrgbClr r="0" g="0" b="0"/>
+        </a:fillRef>
+        <a:effectRef idx="0">
+          <a:scrgbClr r="0" g="0" b="0"/>
+        </a:effectRef>
+        <a:fontRef idx="minor">
+          <a:schemeClr val="lt1"/>
+        </a:fontRef>
+      </dsp:style>
+    </dsp:sp>
+    <dsp:sp modelId="{2EF2D3D6-47C3-4496-8936-43F02B576DBC}">
+      <dsp:nvSpPr>
+        <dsp:cNvPr id="0" name=""/>
+        <dsp:cNvSpPr/>
+      </dsp:nvSpPr>
+      <dsp:spPr>
+        <a:xfrm>
+          <a:off x="7091182" y="2562607"/>
+          <a:ext cx="2864423" cy="720000"/>
+        </a:xfrm>
+        <a:prstGeom prst="rect">
+          <a:avLst/>
+        </a:prstGeom>
+        <a:noFill/>
+        <a:ln>
+          <a:noFill/>
+        </a:ln>
+        <a:effectLst/>
+      </dsp:spPr>
+      <dsp:style>
+        <a:lnRef idx="0">
+          <a:scrgbClr r="0" g="0" b="0"/>
+        </a:lnRef>
+        <a:fillRef idx="0">
+          <a:scrgbClr r="0" g="0" b="0"/>
+        </a:fillRef>
+        <a:effectRef idx="0">
+          <a:scrgbClr r="0" g="0" b="0"/>
+        </a:effectRef>
+        <a:fontRef idx="minor"/>
+      </dsp:style>
+      <dsp:txBody>
+        <a:bodyPr spcFirstLastPara="0" vert="horz" wrap="square" lIns="0" tIns="0" rIns="0" bIns="0" numCol="1" spcCol="1270" anchor="t" anchorCtr="0">
+          <a:noAutofit/>
+        </a:bodyPr>
+        <a:lstStyle/>
+        <a:p>
+          <a:pPr marL="0" lvl="0" indent="0" algn="ctr" defTabSz="1200150">
+            <a:lnSpc>
+              <a:spcPct val="100000"/>
+            </a:lnSpc>
+            <a:spcBef>
+              <a:spcPct val="0"/>
+            </a:spcBef>
+            <a:spcAft>
+              <a:spcPct val="35000"/>
+            </a:spcAft>
+            <a:buNone/>
+          </a:pPr>
+          <a:r>
+            <a:rPr lang="en-US" sz="2700" kern="1200"/>
+            <a:t>Archive</a:t>
+          </a:r>
+        </a:p>
+      </dsp:txBody>
+      <dsp:txXfrm>
+        <a:off x="7091182" y="2562607"/>
+        <a:ext cx="2864423" cy="720000"/>
+      </dsp:txXfrm>
+    </dsp:sp>
+  </dsp:spTree>
+</dsp:drawing>
+</file>
+
+<file path=ppt/diagrams/drawing4.xml><?xml version="1.0" encoding="utf-8"?>
+<dsp:drawing xmlns:dgm="http://schemas.openxmlformats.org/drawingml/2006/diagram" xmlns:dsp="http://schemas.microsoft.com/office/drawing/2008/diagram" xmlns:a="http://schemas.openxmlformats.org/drawingml/2006/main">
+  <dsp:spTree>
+    <dsp:nvGrpSpPr>
+      <dsp:cNvPr id="0" name=""/>
+      <dsp:cNvGrpSpPr/>
+    </dsp:nvGrpSpPr>
+    <dsp:grpSpPr/>
+    <dsp:sp modelId="{FAE974A9-C76E-6A47-A35B-D19F8FBE709A}">
+      <dsp:nvSpPr>
+        <dsp:cNvPr id="0" name=""/>
+        <dsp:cNvSpPr/>
+      </dsp:nvSpPr>
+      <dsp:spPr>
+        <a:xfrm>
+          <a:off x="0" y="0"/>
+          <a:ext cx="8768083" cy="1890665"/>
+        </a:xfrm>
+        <a:prstGeom prst="roundRect">
+          <a:avLst>
+            <a:gd name="adj" fmla="val 10000"/>
+          </a:avLst>
         </a:prstGeom>
         <a:solidFill>
           <a:schemeClr val="accent2">
@@ -4075,12 +5798,12 @@
         </a:fontRef>
       </dsp:style>
       <dsp:txBody>
-        <a:bodyPr spcFirstLastPara="0" vert="horz" wrap="square" lIns="198120" tIns="198120" rIns="198120" bIns="198120" numCol="1" spcCol="1270" anchor="ctr" anchorCtr="0">
+        <a:bodyPr spcFirstLastPara="0" vert="horz" wrap="square" lIns="137160" tIns="137160" rIns="137160" bIns="137160" numCol="1" spcCol="1270" anchor="ctr" anchorCtr="0">
           <a:noAutofit/>
         </a:bodyPr>
         <a:lstStyle/>
         <a:p>
-          <a:pPr marL="0" lvl="0" indent="0" algn="ctr" defTabSz="2311400">
+          <a:pPr marL="0" lvl="0" indent="0" algn="l" defTabSz="1600200">
             <a:lnSpc>
               <a:spcPct val="90000"/>
             </a:lnSpc>
@@ -4093,122 +5816,30 @@
             <a:buNone/>
           </a:pPr>
           <a:r>
-            <a:rPr lang="en-US" sz="5200" kern="1200"/>
-            <a:t>Internet</a:t>
+            <a:rPr lang="en-US" sz="3600" kern="1200"/>
+            <a:t>Es waren keine signifikanten Aussagen. Es ist nicht möglich ein Muster zu erkennen</a:t>
           </a:r>
         </a:p>
       </dsp:txBody>
       <dsp:txXfrm>
-        <a:off x="1767669" y="2151"/>
-        <a:ext cx="3228596" cy="1937158"/>
+        <a:off x="55376" y="55376"/>
+        <a:ext cx="6813932" cy="1779913"/>
       </dsp:txXfrm>
     </dsp:sp>
-    <dsp:sp modelId="{06933332-C0F3-4EF1-AD3D-D5B2A03927C0}">
+    <dsp:sp modelId="{169ED235-E644-2A4D-BA49-D56218B97852}">
       <dsp:nvSpPr>
         <dsp:cNvPr id="0" name=""/>
         <dsp:cNvSpPr/>
       </dsp:nvSpPr>
       <dsp:spPr>
         <a:xfrm>
-          <a:off x="5319125" y="2151"/>
-          <a:ext cx="3228596" cy="1937158"/>
+          <a:off x="1547308" y="2310812"/>
+          <a:ext cx="8768083" cy="1890665"/>
         </a:xfrm>
-        <a:prstGeom prst="rect">
-          <a:avLst/>
-        </a:prstGeom>
-        <a:solidFill>
-          <a:schemeClr val="accent2">
-            <a:hueOff val="1357906"/>
-            <a:satOff val="-10957"/>
-            <a:lumOff val="1275"/>
-            <a:alphaOff val="0"/>
-          </a:schemeClr>
-        </a:solidFill>
-        <a:ln>
-          <a:noFill/>
-        </a:ln>
-        <a:effectLst>
-          <a:outerShdw blurRad="50800" dist="15240" dir="5400000" algn="tl" rotWithShape="0">
-            <a:srgbClr val="000000">
-              <a:alpha val="75000"/>
-            </a:srgbClr>
-          </a:outerShdw>
-        </a:effectLst>
-        <a:scene3d>
-          <a:camera prst="orthographicFront">
-            <a:rot lat="0" lon="0" rev="0"/>
-          </a:camera>
-          <a:lightRig rig="brightRoom" dir="tl"/>
-        </a:scene3d>
-        <a:sp3d contourW="9525" prstMaterial="flat">
-          <a:bevelT w="0" h="0" prst="coolSlant"/>
-          <a:contourClr>
-            <a:schemeClr val="accent2">
-              <a:hueOff val="1357906"/>
-              <a:satOff val="-10957"/>
-              <a:lumOff val="1275"/>
-              <a:alphaOff val="0"/>
-              <a:shade val="35000"/>
-              <a:satMod val="130000"/>
-            </a:schemeClr>
-          </a:contourClr>
-        </a:sp3d>
-      </dsp:spPr>
-      <dsp:style>
-        <a:lnRef idx="0">
-          <a:scrgbClr r="0" g="0" b="0"/>
-        </a:lnRef>
-        <a:fillRef idx="3">
-          <a:scrgbClr r="0" g="0" b="0"/>
-        </a:fillRef>
-        <a:effectRef idx="2">
-          <a:scrgbClr r="0" g="0" b="0"/>
-        </a:effectRef>
-        <a:fontRef idx="minor">
-          <a:schemeClr val="lt1"/>
-        </a:fontRef>
-      </dsp:style>
-      <dsp:txBody>
-        <a:bodyPr spcFirstLastPara="0" vert="horz" wrap="square" lIns="198120" tIns="198120" rIns="198120" bIns="198120" numCol="1" spcCol="1270" anchor="ctr" anchorCtr="0">
-          <a:noAutofit/>
-        </a:bodyPr>
-        <a:lstStyle/>
-        <a:p>
-          <a:pPr marL="0" lvl="0" indent="0" algn="ctr" defTabSz="2311400">
-            <a:lnSpc>
-              <a:spcPct val="90000"/>
-            </a:lnSpc>
-            <a:spcBef>
-              <a:spcPct val="0"/>
-            </a:spcBef>
-            <a:spcAft>
-              <a:spcPct val="35000"/>
-            </a:spcAft>
-            <a:buNone/>
-          </a:pPr>
-          <a:r>
-            <a:rPr lang="en-US" sz="5200" kern="1200"/>
-            <a:t>Manuell sammeln</a:t>
-          </a:r>
-        </a:p>
-      </dsp:txBody>
-      <dsp:txXfrm>
-        <a:off x="5319125" y="2151"/>
-        <a:ext cx="3228596" cy="1937158"/>
-      </dsp:txXfrm>
-    </dsp:sp>
-    <dsp:sp modelId="{F2ACD5EB-187D-42D4-9069-373AA48107ED}">
-      <dsp:nvSpPr>
-        <dsp:cNvPr id="0" name=""/>
-        <dsp:cNvSpPr/>
-      </dsp:nvSpPr>
-      <dsp:spPr>
-        <a:xfrm>
-          <a:off x="3543397" y="2262168"/>
-          <a:ext cx="3228596" cy="1937158"/>
-        </a:xfrm>
-        <a:prstGeom prst="rect">
-          <a:avLst/>
+        <a:prstGeom prst="roundRect">
+          <a:avLst>
+            <a:gd name="adj" fmla="val 10000"/>
+          </a:avLst>
         </a:prstGeom>
         <a:solidFill>
           <a:schemeClr val="accent2">
@@ -4263,12 +5894,12 @@
         </a:fontRef>
       </dsp:style>
       <dsp:txBody>
-        <a:bodyPr spcFirstLastPara="0" vert="horz" wrap="square" lIns="198120" tIns="198120" rIns="198120" bIns="198120" numCol="1" spcCol="1270" anchor="ctr" anchorCtr="0">
+        <a:bodyPr spcFirstLastPara="0" vert="horz" wrap="square" lIns="137160" tIns="137160" rIns="137160" bIns="137160" numCol="1" spcCol="1270" anchor="ctr" anchorCtr="0">
           <a:noAutofit/>
         </a:bodyPr>
         <a:lstStyle/>
         <a:p>
-          <a:pPr marL="0" lvl="0" indent="0" algn="ctr" defTabSz="2311400">
+          <a:pPr marL="0" lvl="0" indent="0" algn="l" defTabSz="1600200">
             <a:lnSpc>
               <a:spcPct val="90000"/>
             </a:lnSpc>
@@ -4281,14 +5912,93 @@
             <a:buNone/>
           </a:pPr>
           <a:r>
-            <a:rPr lang="en-US" sz="5200" kern="1200"/>
-            <a:t>Archive</a:t>
+            <a:rPr lang="en-US" sz="3600" kern="1200"/>
+            <a:t>Lösungsvorschlag: In paar Monaten erneut auswerten</a:t>
           </a:r>
         </a:p>
       </dsp:txBody>
       <dsp:txXfrm>
-        <a:off x="3543397" y="2262168"/>
-        <a:ext cx="3228596" cy="1937158"/>
+        <a:off x="1602684" y="2366188"/>
+        <a:ext cx="5881090" cy="1779913"/>
+      </dsp:txXfrm>
+    </dsp:sp>
+    <dsp:sp modelId="{09220988-F5A8-3242-AFAB-E9F9015E74A1}">
+      <dsp:nvSpPr>
+        <dsp:cNvPr id="0" name=""/>
+        <dsp:cNvSpPr/>
+      </dsp:nvSpPr>
+      <dsp:spPr>
+        <a:xfrm>
+          <a:off x="7539150" y="1486272"/>
+          <a:ext cx="1228932" cy="1228932"/>
+        </a:xfrm>
+        <a:prstGeom prst="downArrow">
+          <a:avLst>
+            <a:gd name="adj1" fmla="val 55000"/>
+            <a:gd name="adj2" fmla="val 45000"/>
+          </a:avLst>
+        </a:prstGeom>
+        <a:solidFill>
+          <a:schemeClr val="accent2">
+            <a:tint val="40000"/>
+            <a:alpha val="90000"/>
+            <a:hueOff val="0"/>
+            <a:satOff val="0"/>
+            <a:lumOff val="0"/>
+            <a:alphaOff val="0"/>
+          </a:schemeClr>
+        </a:solidFill>
+        <a:ln w="9525" cap="flat" cmpd="sng" algn="ctr">
+          <a:solidFill>
+            <a:schemeClr val="accent2">
+              <a:tint val="40000"/>
+              <a:alpha val="90000"/>
+              <a:hueOff val="0"/>
+              <a:satOff val="0"/>
+              <a:lumOff val="0"/>
+              <a:alphaOff val="0"/>
+            </a:schemeClr>
+          </a:solidFill>
+          <a:prstDash val="solid"/>
+        </a:ln>
+        <a:effectLst/>
+      </dsp:spPr>
+      <dsp:style>
+        <a:lnRef idx="1">
+          <a:scrgbClr r="0" g="0" b="0"/>
+        </a:lnRef>
+        <a:fillRef idx="1">
+          <a:scrgbClr r="0" g="0" b="0"/>
+        </a:fillRef>
+        <a:effectRef idx="0">
+          <a:scrgbClr r="0" g="0" b="0"/>
+        </a:effectRef>
+        <a:fontRef idx="minor"/>
+      </dsp:style>
+      <dsp:txBody>
+        <a:bodyPr spcFirstLastPara="0" vert="horz" wrap="square" lIns="45720" tIns="45720" rIns="45720" bIns="45720" numCol="1" spcCol="1270" anchor="ctr" anchorCtr="0">
+          <a:noAutofit/>
+        </a:bodyPr>
+        <a:lstStyle/>
+        <a:p>
+          <a:pPr marL="0" lvl="0" indent="0" algn="ctr" defTabSz="1600200">
+            <a:lnSpc>
+              <a:spcPct val="90000"/>
+            </a:lnSpc>
+            <a:spcBef>
+              <a:spcPct val="0"/>
+            </a:spcBef>
+            <a:spcAft>
+              <a:spcPct val="35000"/>
+            </a:spcAft>
+            <a:buNone/>
+          </a:pPr>
+          <a:endParaRPr lang="en-US" sz="3600" kern="1200"/>
+        </a:p>
+      </dsp:txBody>
+      <dsp:txXfrm>
+        <a:off x="7815660" y="1486272"/>
+        <a:ext cx="675912" cy="924771"/>
       </dsp:txXfrm>
     </dsp:sp>
   </dsp:spTree>
@@ -5689,11 +7399,201 @@
 </file>
 
 <file path=ppt/diagrams/layout3.xml><?xml version="1.0" encoding="utf-8"?>
-<dgm:layoutDef xmlns:dgm="http://schemas.openxmlformats.org/drawingml/2006/diagram" xmlns:a="http://schemas.openxmlformats.org/drawingml/2006/main" uniqueId="urn:microsoft.com/office/officeart/2005/8/layout/default">
+<dgm:layoutDef xmlns:dgm="http://schemas.openxmlformats.org/drawingml/2006/diagram" xmlns:a="http://schemas.openxmlformats.org/drawingml/2006/main" uniqueId="urn:microsoft.com/office/officeart/2018/2/layout/IconLabelList">
+  <dgm:title val="Icon Label List"/>
+  <dgm:desc val="Use to show non-sequential or grouped chunks of information accompanied by a related visuals. Works best with icons or small pictures with short text captions."/>
+  <dgm:catLst>
+    <dgm:cat type="icon" pri="500"/>
+  </dgm:catLst>
+  <dgm:sampData useDef="1">
+    <dgm:dataModel>
+      <dgm:ptLst/>
+      <dgm:bg/>
+      <dgm:whole/>
+    </dgm:dataModel>
+  </dgm:sampData>
+  <dgm:styleData useDef="1">
+    <dgm:dataModel>
+      <dgm:ptLst/>
+      <dgm:bg/>
+      <dgm:whole/>
+    </dgm:dataModel>
+  </dgm:styleData>
+  <dgm:clrData useDef="1">
+    <dgm:dataModel>
+      <dgm:ptLst/>
+      <dgm:bg/>
+      <dgm:whole/>
+    </dgm:dataModel>
+  </dgm:clrData>
+  <dgm:layoutNode name="root">
+    <dgm:varLst>
+      <dgm:dir/>
+      <dgm:resizeHandles val="exact"/>
+    </dgm:varLst>
+    <dgm:choose name="Name0">
+      <dgm:if name="Name1" axis="self" func="var" arg="dir" op="equ" val="norm">
+        <dgm:alg type="snake">
+          <dgm:param type="grDir" val="tL"/>
+          <dgm:param type="flowDir" val="row"/>
+          <dgm:param type="contDir" val="sameDir"/>
+          <dgm:param type="off" val="ctr"/>
+          <dgm:param type="vertAlign" val="mid"/>
+          <dgm:param type="horzAlign" val="ctr"/>
+        </dgm:alg>
+      </dgm:if>
+      <dgm:else name="Name2">
+        <dgm:alg type="snake">
+          <dgm:param type="grDir" val="tR"/>
+          <dgm:param type="flowDir" val="row"/>
+          <dgm:param type="contDir" val="sameDir"/>
+          <dgm:param type="off" val="ctr"/>
+          <dgm:param type="vertAlign" val="mid"/>
+          <dgm:param type="horzAlign" val="ctr"/>
+        </dgm:alg>
+      </dgm:else>
+    </dgm:choose>
+    <dgm:shape xmlns:r="http://schemas.openxmlformats.org/officeDocument/2006/relationships" r:blip="">
+      <dgm:adjLst/>
+    </dgm:shape>
+    <dgm:presOf/>
+    <dgm:choose name="Name3">
+      <dgm:if name="Name4" axis="ch" ptType="node" func="cnt" op="lte" val="2">
+        <dgm:constrLst>
+          <dgm:constr type="h" for="ch" forName="compNode" refType="h" fact="0.4"/>
+          <dgm:constr type="w" for="ch" forName="compNode" val="120"/>
+          <dgm:constr type="w" for="ch" forName="sibTrans" refType="w" refFor="ch" refForName="compNode" fact="0.175"/>
+          <dgm:constr type="sp" refType="w" refFor="ch" refForName="compNode" op="equ" fact="0.25"/>
+          <dgm:constr type="primFontSz" for="des" ptType="node" op="equ" val="50"/>
+          <dgm:constr type="h" for="des" forName="compNode" op="equ"/>
+          <dgm:constr type="h" for="des" forName="textRect" op="equ"/>
+        </dgm:constrLst>
+      </dgm:if>
+      <dgm:if name="Name5" axis="ch" ptType="node" func="cnt" op="lte" val="4">
+        <dgm:constrLst>
+          <dgm:constr type="h" for="ch" forName="compNode" refType="h" fact="0.4"/>
+          <dgm:constr type="w" for="ch" forName="compNode" refType="w"/>
+          <dgm:constr type="w" for="ch" forName="sibTrans" refType="w" refFor="ch" refForName="compNode" fact="0.175"/>
+          <dgm:constr type="sp" refType="w" refFor="ch" refForName="compNode" op="equ" fact="0.25"/>
+          <dgm:constr type="primFontSz" for="des" ptType="node" op="equ" val="36"/>
+          <dgm:constr type="h" for="des" forName="compNode" op="equ"/>
+          <dgm:constr type="h" for="des" forName="textRect" op="equ"/>
+        </dgm:constrLst>
+      </dgm:if>
+      <dgm:else name="Name6">
+        <dgm:constrLst>
+          <dgm:constr type="h" for="ch" forName="compNode" refType="h" fact="0.4"/>
+          <dgm:constr type="w" for="ch" forName="compNode" refType="w"/>
+          <dgm:constr type="w" for="ch" forName="sibTrans" refType="w" refFor="ch" refForName="compNode" fact="0.175"/>
+          <dgm:constr type="sp" refType="w" refFor="ch" refForName="compNode" op="equ" fact="0.25"/>
+          <dgm:constr type="primFontSz" for="des" ptType="node" op="equ" val="24"/>
+          <dgm:constr type="h" for="des" forName="compNode" op="equ"/>
+          <dgm:constr type="h" for="des" forName="textRect" op="equ"/>
+        </dgm:constrLst>
+      </dgm:else>
+    </dgm:choose>
+    <dgm:ruleLst>
+      <dgm:rule type="w" for="ch" forName="compNode" val="50" fact="NaN" max="NaN"/>
+    </dgm:ruleLst>
+    <dgm:forEach name="Name7" axis="ch" ptType="node">
+      <dgm:layoutNode name="compNode">
+        <dgm:alg type="composite"/>
+        <dgm:shape xmlns:r="http://schemas.openxmlformats.org/officeDocument/2006/relationships" r:blip="">
+          <dgm:adjLst/>
+        </dgm:shape>
+        <dgm:presOf axis="self"/>
+        <dgm:constrLst>
+          <dgm:constr type="w" for="ch" forName="iconRect" refType="w" fact="0.45"/>
+          <dgm:constr type="h" for="ch" forName="iconRect" refType="w" refFor="ch" refForName="iconRect"/>
+          <dgm:constr type="ctrX" for="ch" forName="iconRect" refType="w" fact="0.5"/>
+          <dgm:constr type="t" for="ch" forName="iconRect"/>
+          <dgm:constr type="h" for="ch" forName="spaceRect" refType="h" fact="0.15"/>
+          <dgm:constr type="w" for="ch" forName="spaceRect" refType="w"/>
+          <dgm:constr type="l" for="ch" forName="spaceRect"/>
+          <dgm:constr type="t" for="ch" forName="spaceRect" refType="b" refFor="ch" refForName="iconRect"/>
+          <dgm:constr type="h" for="ch" forName="textRect" val="20"/>
+          <dgm:constr type="w" for="ch" forName="textRect" refType="w"/>
+          <dgm:constr type="l" for="ch" forName="textRect"/>
+          <dgm:constr type="t" for="ch" forName="textRect" refType="b" refFor="ch" refForName="spaceRect"/>
+        </dgm:constrLst>
+        <dgm:ruleLst>
+          <dgm:rule type="h" val="INF" fact="NaN" max="NaN"/>
+        </dgm:ruleLst>
+        <dgm:layoutNode name="iconRect" styleLbl="node1">
+          <dgm:alg type="sp"/>
+          <dgm:shape xmlns:r="http://schemas.openxmlformats.org/officeDocument/2006/relationships" type="rect" r:blip="" blipPhldr="1">
+            <dgm:adjLst/>
+          </dgm:shape>
+          <dgm:presOf/>
+          <dgm:constrLst/>
+          <dgm:ruleLst/>
+        </dgm:layoutNode>
+        <dgm:layoutNode name="spaceRect">
+          <dgm:alg type="sp"/>
+          <dgm:shape xmlns:r="http://schemas.openxmlformats.org/officeDocument/2006/relationships" r:blip="">
+            <dgm:adjLst/>
+          </dgm:shape>
+          <dgm:presOf/>
+          <dgm:constrLst/>
+          <dgm:ruleLst/>
+        </dgm:layoutNode>
+        <dgm:layoutNode name="textRect" styleLbl="revTx">
+          <dgm:varLst>
+            <dgm:chMax val="1"/>
+            <dgm:chPref val="1"/>
+          </dgm:varLst>
+          <dgm:alg type="tx">
+            <dgm:param type="txAnchorVert" val="t"/>
+          </dgm:alg>
+          <dgm:shape xmlns:r="http://schemas.openxmlformats.org/officeDocument/2006/relationships" type="rect" r:blip="">
+            <dgm:adjLst/>
+          </dgm:shape>
+          <dgm:presOf axis="self" ptType="node"/>
+          <dgm:constrLst>
+            <dgm:constr type="lMarg"/>
+            <dgm:constr type="rMarg"/>
+            <dgm:constr type="tMarg"/>
+            <dgm:constr type="bMarg"/>
+          </dgm:constrLst>
+          <dgm:ruleLst>
+            <dgm:rule type="primFontSz" val="11" fact="NaN" max="NaN"/>
+            <dgm:rule type="h" val="INF" fact="NaN" max="NaN"/>
+          </dgm:ruleLst>
+        </dgm:layoutNode>
+      </dgm:layoutNode>
+      <dgm:forEach name="Name8" axis="followSib" ptType="sibTrans" cnt="1">
+        <dgm:layoutNode name="sibTrans">
+          <dgm:alg type="sp"/>
+          <dgm:shape xmlns:r="http://schemas.openxmlformats.org/officeDocument/2006/relationships" r:blip="">
+            <dgm:adjLst/>
+          </dgm:shape>
+          <dgm:presOf axis="self"/>
+          <dgm:constrLst/>
+          <dgm:ruleLst/>
+        </dgm:layoutNode>
+      </dgm:forEach>
+    </dgm:forEach>
+  </dgm:layoutNode>
+  <dgm:extLst>
+    <a:ext uri="{68A01E43-0DF5-4B5B-8FA6-DAF915123BFB}">
+      <dgm1612:lstStyle xmlns:dgm1612="http://schemas.microsoft.com/office/drawing/2016/12/diagram">
+        <a:lvl1pPr>
+          <a:lnSpc>
+            <a:spcPct val="100000"/>
+          </a:lnSpc>
+        </a:lvl1pPr>
+      </dgm1612:lstStyle>
+    </a:ext>
+  </dgm:extLst>
+</dgm:layoutDef>
+</file>
+
+<file path=ppt/diagrams/layout4.xml><?xml version="1.0" encoding="utf-8"?>
+<dgm:layoutDef xmlns:dgm="http://schemas.openxmlformats.org/drawingml/2006/diagram" xmlns:a="http://schemas.openxmlformats.org/drawingml/2006/main" uniqueId="urn:microsoft.com/office/officeart/2005/8/layout/vProcess5">
   <dgm:title val=""/>
   <dgm:desc val=""/>
   <dgm:catLst>
-    <dgm:cat type="list" pri="400"/>
+    <dgm:cat type="process" pri="14000"/>
   </dgm:catLst>
   <dgm:sampData>
     <dgm:dataModel>
@@ -5708,19 +7608,11 @@
         <dgm:pt modelId="3">
           <dgm:prSet phldr="1"/>
         </dgm:pt>
-        <dgm:pt modelId="4">
-          <dgm:prSet phldr="1"/>
-        </dgm:pt>
-        <dgm:pt modelId="5">
-          <dgm:prSet phldr="1"/>
-        </dgm:pt>
       </dgm:ptLst>
       <dgm:cxnLst>
-        <dgm:cxn modelId="6" srcId="0" destId="1" srcOrd="0" destOrd="0"/>
-        <dgm:cxn modelId="7" srcId="0" destId="2" srcOrd="1" destOrd="0"/>
-        <dgm:cxn modelId="8" srcId="0" destId="3" srcOrd="2" destOrd="0"/>
-        <dgm:cxn modelId="9" srcId="0" destId="4" srcOrd="3" destOrd="0"/>
-        <dgm:cxn modelId="10" srcId="0" destId="5" srcOrd="4" destOrd="0"/>
+        <dgm:cxn modelId="5" srcId="0" destId="1" srcOrd="0" destOrd="0"/>
+        <dgm:cxn modelId="6" srcId="0" destId="2" srcOrd="1" destOrd="0"/>
+        <dgm:cxn modelId="7" srcId="0" destId="3" srcOrd="2" destOrd="0"/>
       </dgm:cxnLst>
       <dgm:bg/>
       <dgm:whole/>
@@ -5749,88 +7641,1175 @@
         <dgm:pt modelId="2"/>
         <dgm:pt modelId="3"/>
         <dgm:pt modelId="4"/>
-        <dgm:pt modelId="5"/>
-        <dgm:pt modelId="6"/>
       </dgm:ptLst>
       <dgm:cxnLst>
-        <dgm:cxn modelId="7" srcId="0" destId="1" srcOrd="0" destOrd="0"/>
-        <dgm:cxn modelId="8" srcId="0" destId="2" srcOrd="1" destOrd="0"/>
-        <dgm:cxn modelId="9" srcId="0" destId="3" srcOrd="2" destOrd="0"/>
-        <dgm:cxn modelId="10" srcId="0" destId="4" srcOrd="3" destOrd="0"/>
-        <dgm:cxn modelId="11" srcId="0" destId="5" srcOrd="4" destOrd="0"/>
-        <dgm:cxn modelId="12" srcId="0" destId="6" srcOrd="5" destOrd="0"/>
+        <dgm:cxn modelId="6" srcId="0" destId="1" srcOrd="0" destOrd="0"/>
+        <dgm:cxn modelId="7" srcId="0" destId="2" srcOrd="1" destOrd="0"/>
+        <dgm:cxn modelId="8" srcId="0" destId="3" srcOrd="2" destOrd="0"/>
+        <dgm:cxn modelId="9" srcId="0" destId="4" srcOrd="3" destOrd="0"/>
       </dgm:cxnLst>
       <dgm:bg/>
       <dgm:whole/>
     </dgm:dataModel>
   </dgm:clrData>
-  <dgm:layoutNode name="diagram">
+  <dgm:layoutNode name="outerComposite">
     <dgm:varLst>
+      <dgm:chMax val="5"/>
       <dgm:dir/>
       <dgm:resizeHandles val="exact"/>
     </dgm:varLst>
-    <dgm:choose name="Name0">
-      <dgm:if name="Name1" func="var" arg="dir" op="equ" val="norm">
-        <dgm:alg type="snake">
-          <dgm:param type="grDir" val="tL"/>
-          <dgm:param type="flowDir" val="row"/>
-          <dgm:param type="contDir" val="sameDir"/>
-          <dgm:param type="off" val="ctr"/>
-        </dgm:alg>
-      </dgm:if>
-      <dgm:else name="Name2">
-        <dgm:alg type="snake">
-          <dgm:param type="grDir" val="tR"/>
-          <dgm:param type="flowDir" val="row"/>
-          <dgm:param type="contDir" val="sameDir"/>
-          <dgm:param type="off" val="ctr"/>
-        </dgm:alg>
-      </dgm:else>
-    </dgm:choose>
+    <dgm:alg type="composite"/>
     <dgm:shape xmlns:r="http://schemas.openxmlformats.org/officeDocument/2006/relationships" r:blip="">
       <dgm:adjLst/>
     </dgm:shape>
     <dgm:presOf/>
-    <dgm:constrLst>
-      <dgm:constr type="w" for="ch" forName="node" refType="w"/>
-      <dgm:constr type="h" for="ch" forName="node" refType="w" refFor="ch" refForName="node" fact="0.6"/>
-      <dgm:constr type="w" for="ch" forName="sibTrans" refType="w" refFor="ch" refForName="node" fact="0.1"/>
-      <dgm:constr type="sp" refType="w" refFor="ch" refForName="sibTrans"/>
-      <dgm:constr type="primFontSz" for="ch" forName="node" op="equ" val="65"/>
-    </dgm:constrLst>
+    <dgm:choose name="Name0">
+      <dgm:if name="Name1" func="var" arg="dir" op="equ" val="norm">
+        <dgm:constrLst>
+          <dgm:constr type="primFontSz" for="ch" ptType="node" op="equ" val="65"/>
+          <dgm:constr type="w" for="ch" forName="dummyMaxCanvas" refType="w"/>
+          <dgm:constr type="h" for="ch" forName="dummyMaxCanvas" refType="h"/>
+          <dgm:constr type="w" for="ch" forName="OneNode_1" refType="w"/>
+          <dgm:constr type="h" for="ch" forName="OneNode_1" refType="h" fact="0.5"/>
+          <dgm:constr type="ctrY" for="ch" forName="OneNode_1" refType="h" fact="0.5"/>
+          <dgm:constr type="w" for="ch" forName="TwoNodes_1" refType="w" fact="0.85"/>
+          <dgm:constr type="h" for="ch" forName="TwoNodes_1" refType="h" fact="0.45"/>
+          <dgm:constr type="t" for="ch" forName="TwoNodes_1"/>
+          <dgm:constr type="l" for="ch" forName="TwoNodes_1"/>
+          <dgm:constr type="w" for="ch" forName="TwoNodes_2" refType="w" fact="0.85"/>
+          <dgm:constr type="h" for="ch" forName="TwoNodes_2" refType="h" fact="0.45"/>
+          <dgm:constr type="b" for="ch" forName="TwoNodes_2" refType="h"/>
+          <dgm:constr type="r" for="ch" forName="TwoNodes_2" refType="w"/>
+          <dgm:constr type="w" for="ch" forName="TwoConn_1-2" refType="h" refFor="ch" refForName="TwoNodes_1" fact="0.65"/>
+          <dgm:constr type="h" for="ch" forName="TwoConn_1-2" refType="h" refFor="ch" refForName="TwoNodes_1" fact="0.65"/>
+          <dgm:constr type="ctrY" for="ch" forName="TwoConn_1-2" refType="h" fact="0.5"/>
+          <dgm:constr type="r" for="ch" forName="TwoConn_1-2" refType="r" refFor="ch" refForName="TwoNodes_1"/>
+          <dgm:constr type="r" for="ch" forName="TwoNodes_1_text" refType="l" refFor="ch" refForName="TwoConn_1-2"/>
+          <dgm:constr type="rOff" for="ch" forName="TwoNodes_1_text" refType="w" refFor="ch" refForName="TwoConn_1-2" fact="-0.5"/>
+          <dgm:constr type="t" for="ch" forName="TwoNodes_1_text" refType="t" refFor="ch" refForName="TwoNodes_1"/>
+          <dgm:constr type="b" for="ch" forName="TwoNodes_1_text" refType="b" refFor="ch" refForName="TwoNodes_1"/>
+          <dgm:constr type="l" for="ch" forName="TwoNodes_1_text" refType="l" refFor="ch" refForName="TwoNodes_1"/>
+          <dgm:constr type="r" for="ch" forName="TwoNodes_2_text" refType="l" refFor="ch" refForName="TwoConn_1-2"/>
+          <dgm:constr type="t" for="ch" forName="TwoNodes_2_text" refType="t" refFor="ch" refForName="TwoNodes_2"/>
+          <dgm:constr type="b" for="ch" forName="TwoNodes_2_text" refType="b" refFor="ch" refForName="TwoNodes_2"/>
+          <dgm:constr type="l" for="ch" forName="TwoNodes_2_text" refType="l" refFor="ch" refForName="TwoNodes_2"/>
+          <dgm:constr type="w" for="ch" forName="ThreeNodes_1" refType="w" fact="0.85"/>
+          <dgm:constr type="h" for="ch" forName="ThreeNodes_1" refType="h" fact="0.3"/>
+          <dgm:constr type="t" for="ch" forName="ThreeNodes_1"/>
+          <dgm:constr type="l" for="ch" forName="ThreeNodes_1"/>
+          <dgm:constr type="w" for="ch" forName="ThreeNodes_2" refType="w" fact="0.85"/>
+          <dgm:constr type="h" for="ch" forName="ThreeNodes_2" refType="h" fact="0.3"/>
+          <dgm:constr type="ctrY" for="ch" forName="ThreeNodes_2" refType="h" fact="0.5"/>
+          <dgm:constr type="ctrX" for="ch" forName="ThreeNodes_2" refType="w" fact="0.5"/>
+          <dgm:constr type="w" for="ch" forName="ThreeNodes_3" refType="w" fact="0.85"/>
+          <dgm:constr type="h" for="ch" forName="ThreeNodes_3" refType="h" fact="0.3"/>
+          <dgm:constr type="b" for="ch" forName="ThreeNodes_3" refType="h"/>
+          <dgm:constr type="r" for="ch" forName="ThreeNodes_3" refType="w"/>
+          <dgm:constr type="w" for="ch" forName="ThreeConn_1-2" refType="h" refFor="ch" refForName="ThreeNodes_1" fact="0.65"/>
+          <dgm:constr type="h" for="ch" forName="ThreeConn_1-2" refType="h" refFor="ch" refForName="ThreeNodes_1" fact="0.65"/>
+          <dgm:constr type="ctrY" for="ch" forName="ThreeConn_1-2" refType="h" fact="0.325"/>
+          <dgm:constr type="r" for="ch" forName="ThreeConn_1-2" refType="r" refFor="ch" refForName="ThreeNodes_1"/>
+          <dgm:constr type="w" for="ch" forName="ThreeConn_2-3" refType="h" refFor="ch" refForName="ThreeNodes_2" fact="0.65"/>
+          <dgm:constr type="h" for="ch" forName="ThreeConn_2-3" refType="h" refFor="ch" refForName="ThreeNodes_2" fact="0.65"/>
+          <dgm:constr type="ctrY" for="ch" forName="ThreeConn_2-3" refType="h" fact="0.673"/>
+          <dgm:constr type="r" for="ch" forName="ThreeConn_2-3" refType="r" refFor="ch" refForName="ThreeNodes_2"/>
+          <dgm:constr type="r" for="ch" forName="ThreeNodes_1_text" refType="l" refFor="ch" refForName="ThreeConn_1-2"/>
+          <dgm:constr type="rOff" for="ch" forName="ThreeNodes_1_text" refType="w" refFor="ch" refForName="ThreeConn_1-2" fact="-0.57"/>
+          <dgm:constr type="t" for="ch" forName="ThreeNodes_1_text" refType="t" refFor="ch" refForName="ThreeNodes_1"/>
+          <dgm:constr type="b" for="ch" forName="ThreeNodes_1_text" refType="b" refFor="ch" refForName="ThreeNodes_1"/>
+          <dgm:constr type="l" for="ch" forName="ThreeNodes_1_text" refType="l" refFor="ch" refForName="ThreeNodes_1"/>
+          <dgm:constr type="r" for="ch" forName="ThreeNodes_2_text" refType="l" refFor="ch" refForName="ThreeConn_1-2"/>
+          <dgm:constr type="t" for="ch" forName="ThreeNodes_2_text" refType="t" refFor="ch" refForName="ThreeNodes_2"/>
+          <dgm:constr type="b" for="ch" forName="ThreeNodes_2_text" refType="b" refFor="ch" refForName="ThreeNodes_2"/>
+          <dgm:constr type="l" for="ch" forName="ThreeNodes_2_text" refType="l" refFor="ch" refForName="ThreeNodes_2"/>
+          <dgm:constr type="r" for="ch" forName="ThreeNodes_3_text" refType="l" refFor="ch" refForName="ThreeConn_2-3"/>
+          <dgm:constr type="t" for="ch" forName="ThreeNodes_3_text" refType="t" refFor="ch" refForName="ThreeNodes_3"/>
+          <dgm:constr type="b" for="ch" forName="ThreeNodes_3_text" refType="b" refFor="ch" refForName="ThreeNodes_3"/>
+          <dgm:constr type="l" for="ch" forName="ThreeNodes_3_text" refType="l" refFor="ch" refForName="ThreeNodes_3"/>
+          <dgm:constr type="w" for="ch" forName="FourNodes_1" refType="w" fact="0.8"/>
+          <dgm:constr type="h" for="ch" forName="FourNodes_1" refType="h" fact="0.22"/>
+          <dgm:constr type="t" for="ch" forName="FourNodes_1"/>
+          <dgm:constr type="l" for="ch" forName="FourNodes_1"/>
+          <dgm:constr type="w" for="ch" forName="FourNodes_2" refType="w" fact="0.8"/>
+          <dgm:constr type="h" for="ch" forName="FourNodes_2" refType="h" fact="0.22"/>
+          <dgm:constr type="ctrY" for="ch" forName="FourNodes_2" refType="h" fact="0.37"/>
+          <dgm:constr type="ctrX" for="ch" forName="FourNodes_2" refType="w" fact="0.467"/>
+          <dgm:constr type="w" for="ch" forName="FourNodes_3" refType="w" fact="0.8"/>
+          <dgm:constr type="h" for="ch" forName="FourNodes_3" refType="h" fact="0.22"/>
+          <dgm:constr type="ctrY" for="ch" forName="FourNodes_3" refType="h" fact="0.63"/>
+          <dgm:constr type="ctrX" for="ch" forName="FourNodes_3" refType="w" fact="0.533"/>
+          <dgm:constr type="w" for="ch" forName="FourNodes_4" refType="w" fact="0.8"/>
+          <dgm:constr type="h" for="ch" forName="FourNodes_4" refType="h" fact="0.22"/>
+          <dgm:constr type="b" for="ch" forName="FourNodes_4" refType="h"/>
+          <dgm:constr type="r" for="ch" forName="FourNodes_4" refType="w"/>
+          <dgm:constr type="w" for="ch" forName="FourConn_1-2" refType="h" refFor="ch" refForName="FourNodes_1" fact="0.65"/>
+          <dgm:constr type="h" for="ch" forName="FourConn_1-2" refType="h" refFor="ch" refForName="FourNodes_1" fact="0.65"/>
+          <dgm:constr type="ctrY" for="ch" forName="FourConn_1-2" refType="h" fact="0.24"/>
+          <dgm:constr type="r" for="ch" forName="FourConn_1-2" refType="r" refFor="ch" refForName="FourNodes_1"/>
+          <dgm:constr type="w" for="ch" forName="FourConn_2-3" refType="h" refFor="ch" refForName="FourNodes_2" fact="0.65"/>
+          <dgm:constr type="h" for="ch" forName="FourConn_2-3" refType="h" refFor="ch" refForName="FourNodes_2" fact="0.65"/>
+          <dgm:constr type="ctrY" for="ch" forName="FourConn_2-3" refType="h" fact="0.5"/>
+          <dgm:constr type="r" for="ch" forName="FourConn_2-3" refType="r" refFor="ch" refForName="FourNodes_2"/>
+          <dgm:constr type="w" for="ch" forName="FourConn_3-4" refType="h" refFor="ch" refForName="FourNodes_3" fact="0.65"/>
+          <dgm:constr type="h" for="ch" forName="FourConn_3-4" refType="h" refFor="ch" refForName="FourNodes_3" fact="0.65"/>
+          <dgm:constr type="ctrY" for="ch" forName="FourConn_3-4" refType="h" fact="0.76"/>
+          <dgm:constr type="r" for="ch" forName="FourConn_3-4" refType="r" refFor="ch" refForName="FourNodes_3"/>
+          <dgm:constr type="r" for="ch" forName="FourNodes_1_text" refType="l" refFor="ch" refForName="FourConn_1-2"/>
+          <dgm:constr type="rOff" for="ch" forName="FourNodes_1_text" refType="w" refFor="ch" refForName="FourConn_1-2" fact="-0.7"/>
+          <dgm:constr type="t" for="ch" forName="FourNodes_1_text" refType="t" refFor="ch" refForName="FourNodes_1"/>
+          <dgm:constr type="b" for="ch" forName="FourNodes_1_text" refType="b" refFor="ch" refForName="FourNodes_1"/>
+          <dgm:constr type="l" for="ch" forName="FourNodes_1_text" refType="l" refFor="ch" refForName="FourNodes_1"/>
+          <dgm:constr type="r" for="ch" forName="FourNodes_2_text" refType="l" refFor="ch" refForName="FourConn_1-2"/>
+          <dgm:constr type="t" for="ch" forName="FourNodes_2_text" refType="t" refFor="ch" refForName="FourNodes_2"/>
+          <dgm:constr type="b" for="ch" forName="FourNodes_2_text" refType="b" refFor="ch" refForName="FourNodes_2"/>
+          <dgm:constr type="l" for="ch" forName="FourNodes_2_text" refType="l" refFor="ch" refForName="FourNodes_2"/>
+          <dgm:constr type="r" for="ch" forName="FourNodes_3_text" refType="l" refFor="ch" refForName="FourConn_2-3"/>
+          <dgm:constr type="t" for="ch" forName="FourNodes_3_text" refType="t" refFor="ch" refForName="FourNodes_3"/>
+          <dgm:constr type="b" for="ch" forName="FourNodes_3_text" refType="b" refFor="ch" refForName="FourNodes_3"/>
+          <dgm:constr type="l" for="ch" forName="FourNodes_3_text" refType="l" refFor="ch" refForName="FourNodes_3"/>
+          <dgm:constr type="r" for="ch" forName="FourNodes_4_text" refType="l" refFor="ch" refForName="FourConn_3-4"/>
+          <dgm:constr type="t" for="ch" forName="FourNodes_4_text" refType="t" refFor="ch" refForName="FourNodes_4"/>
+          <dgm:constr type="b" for="ch" forName="FourNodes_4_text" refType="b" refFor="ch" refForName="FourNodes_4"/>
+          <dgm:constr type="l" for="ch" forName="FourNodes_4_text" refType="l" refFor="ch" refForName="FourNodes_4"/>
+          <dgm:constr type="w" for="ch" forName="FiveNodes_1" refType="w" fact="0.77"/>
+          <dgm:constr type="h" for="ch" forName="FiveNodes_1" refType="h" fact="0.18"/>
+          <dgm:constr type="t" for="ch" forName="FiveNodes_1"/>
+          <dgm:constr type="l" for="ch" forName="FiveNodes_1"/>
+          <dgm:constr type="w" for="ch" forName="FiveNodes_2" refType="w" fact="0.77"/>
+          <dgm:constr type="h" for="ch" forName="FiveNodes_2" refType="h" fact="0.18"/>
+          <dgm:constr type="ctrY" for="ch" forName="FiveNodes_2" refType="h" fact="0.295"/>
+          <dgm:constr type="ctrX" for="ch" forName="FiveNodes_2" refType="w" fact="0.4425"/>
+          <dgm:constr type="w" for="ch" forName="FiveNodes_3" refType="w" fact="0.77"/>
+          <dgm:constr type="h" for="ch" forName="FiveNodes_3" refType="h" fact="0.18"/>
+          <dgm:constr type="ctrY" for="ch" forName="FiveNodes_3" refType="h" fact="0.5"/>
+          <dgm:constr type="ctrX" for="ch" forName="FiveNodes_3" refType="w" fact="0.5"/>
+          <dgm:constr type="w" for="ch" forName="FiveNodes_4" refType="w" fact="0.77"/>
+          <dgm:constr type="h" for="ch" forName="FiveNodes_4" refType="h" fact="0.18"/>
+          <dgm:constr type="ctrY" for="ch" forName="FiveNodes_4" refType="h" fact="0.705"/>
+          <dgm:constr type="ctrX" for="ch" forName="FiveNodes_4" refType="w" fact="0.5575"/>
+          <dgm:constr type="w" for="ch" forName="FiveNodes_5" refType="w" fact="0.77"/>
+          <dgm:constr type="h" for="ch" forName="FiveNodes_5" refType="h" fact="0.18"/>
+          <dgm:constr type="b" for="ch" forName="FiveNodes_5" refType="h"/>
+          <dgm:constr type="r" for="ch" forName="FiveNodes_5" refType="w"/>
+          <dgm:constr type="w" for="ch" forName="FiveConn_1-2" refType="h" refFor="ch" refForName="FiveNodes_1" fact="0.65"/>
+          <dgm:constr type="h" for="ch" forName="FiveConn_1-2" refType="h" refFor="ch" refForName="FiveNodes_1" fact="0.65"/>
+          <dgm:constr type="ctrY" for="ch" forName="FiveConn_1-2" refType="h" fact="0.19"/>
+          <dgm:constr type="r" for="ch" forName="FiveConn_1-2" refType="r" refFor="ch" refForName="FiveNodes_1"/>
+          <dgm:constr type="w" for="ch" forName="FiveConn_2-3" refType="h" refFor="ch" refForName="FiveNodes_2" fact="0.65"/>
+          <dgm:constr type="h" for="ch" forName="FiveConn_2-3" refType="h" refFor="ch" refForName="FiveNodes_2" fact="0.65"/>
+          <dgm:constr type="ctrY" for="ch" forName="FiveConn_2-3" refType="h" fact="0.395"/>
+          <dgm:constr type="r" for="ch" forName="FiveConn_2-3" refType="r" refFor="ch" refForName="FiveNodes_2"/>
+          <dgm:constr type="w" for="ch" forName="FiveConn_3-4" refType="h" refFor="ch" refForName="FiveNodes_3" fact="0.65"/>
+          <dgm:constr type="h" for="ch" forName="FiveConn_3-4" refType="h" refFor="ch" refForName="FiveNodes_3" fact="0.65"/>
+          <dgm:constr type="ctrY" for="ch" forName="FiveConn_3-4" refType="h" fact="0.597"/>
+          <dgm:constr type="r" for="ch" forName="FiveConn_3-4" refType="r" refFor="ch" refForName="FiveNodes_3"/>
+          <dgm:constr type="w" for="ch" forName="FiveConn_4-5" refType="h" refFor="ch" refForName="FiveNodes_4" fact="0.65"/>
+          <dgm:constr type="h" for="ch" forName="FiveConn_4-5" refType="h" refFor="ch" refForName="FiveNodes_4" fact="0.65"/>
+          <dgm:constr type="ctrY" for="ch" forName="FiveConn_4-5" refType="h" fact="0.804"/>
+          <dgm:constr type="r" for="ch" forName="FiveConn_4-5" refType="r" refFor="ch" refForName="FiveNodes_4"/>
+          <dgm:constr type="r" for="ch" forName="FiveNodes_1_text" refType="l" refFor="ch" refForName="FiveConn_1-2"/>
+          <dgm:constr type="rOff" for="ch" forName="FiveNodes_1_text" refType="w" refFor="ch" refForName="FiveConn_1-2" fact="-0.75"/>
+          <dgm:constr type="t" for="ch" forName="FiveNodes_1_text" refType="t" refFor="ch" refForName="FiveNodes_1"/>
+          <dgm:constr type="b" for="ch" forName="FiveNodes_1_text" refType="b" refFor="ch" refForName="FiveNodes_1"/>
+          <dgm:constr type="l" for="ch" forName="FiveNodes_1_text" refType="l" refFor="ch" refForName="FiveNodes_1"/>
+          <dgm:constr type="r" for="ch" forName="FiveNodes_2_text" refType="l" refFor="ch" refForName="FiveConn_1-2"/>
+          <dgm:constr type="t" for="ch" forName="FiveNodes_2_text" refType="t" refFor="ch" refForName="FiveNodes_2"/>
+          <dgm:constr type="b" for="ch" forName="FiveNodes_2_text" refType="b" refFor="ch" refForName="FiveNodes_2"/>
+          <dgm:constr type="l" for="ch" forName="FiveNodes_2_text" refType="l" refFor="ch" refForName="FiveNodes_2"/>
+          <dgm:constr type="r" for="ch" forName="FiveNodes_3_text" refType="l" refFor="ch" refForName="FiveConn_2-3"/>
+          <dgm:constr type="t" for="ch" forName="FiveNodes_3_text" refType="t" refFor="ch" refForName="FiveNodes_3"/>
+          <dgm:constr type="b" for="ch" forName="FiveNodes_3_text" refType="b" refFor="ch" refForName="FiveNodes_3"/>
+          <dgm:constr type="l" for="ch" forName="FiveNodes_3_text" refType="l" refFor="ch" refForName="FiveNodes_3"/>
+          <dgm:constr type="r" for="ch" forName="FiveNodes_4_text" refType="l" refFor="ch" refForName="FiveConn_3-4"/>
+          <dgm:constr type="t" for="ch" forName="FiveNodes_4_text" refType="t" refFor="ch" refForName="FiveNodes_4"/>
+          <dgm:constr type="b" for="ch" forName="FiveNodes_4_text" refType="b" refFor="ch" refForName="FiveNodes_4"/>
+          <dgm:constr type="l" for="ch" forName="FiveNodes_4_text" refType="l" refFor="ch" refForName="FiveNodes_4"/>
+          <dgm:constr type="r" for="ch" forName="FiveNodes_5_text" refType="l" refFor="ch" refForName="FiveConn_4-5"/>
+          <dgm:constr type="t" for="ch" forName="FiveNodes_5_text" refType="t" refFor="ch" refForName="FiveNodes_5"/>
+          <dgm:constr type="b" for="ch" forName="FiveNodes_5_text" refType="b" refFor="ch" refForName="FiveNodes_5"/>
+          <dgm:constr type="l" for="ch" forName="FiveNodes_5_text" refType="l" refFor="ch" refForName="FiveNodes_5"/>
+        </dgm:constrLst>
+      </dgm:if>
+      <dgm:else name="Name2">
+        <dgm:constrLst>
+          <dgm:constr type="primFontSz" for="ch" ptType="node" op="equ" val="65"/>
+          <dgm:constr type="w" for="ch" forName="dummyMaxCanvas" refType="w"/>
+          <dgm:constr type="h" for="ch" forName="dummyMaxCanvas" refType="h"/>
+          <dgm:constr type="w" for="ch" forName="OneNode_1" refType="w"/>
+          <dgm:constr type="h" for="ch" forName="OneNode_1" refType="h" fact="0.5"/>
+          <dgm:constr type="ctrY" for="ch" forName="OneNode_1" refType="h" fact="0.5"/>
+          <dgm:constr type="w" for="ch" forName="TwoNodes_1" refType="w" fact="0.85"/>
+          <dgm:constr type="h" for="ch" forName="TwoNodes_1" refType="h" fact="0.45"/>
+          <dgm:constr type="t" for="ch" forName="TwoNodes_1"/>
+          <dgm:constr type="r" for="ch" forName="TwoNodes_1" refType="w"/>
+          <dgm:constr type="w" for="ch" forName="TwoNodes_2" refType="w" fact="0.85"/>
+          <dgm:constr type="h" for="ch" forName="TwoNodes_2" refType="h" fact="0.45"/>
+          <dgm:constr type="b" for="ch" forName="TwoNodes_2" refType="h"/>
+          <dgm:constr type="l" for="ch" forName="TwoNodes_2"/>
+          <dgm:constr type="w" for="ch" forName="TwoConn_1-2" refType="h" refFor="ch" refForName="TwoNodes_1" fact="0.65"/>
+          <dgm:constr type="h" for="ch" forName="TwoConn_1-2" refType="h" refFor="ch" refForName="TwoNodes_1" fact="0.65"/>
+          <dgm:constr type="ctrY" for="ch" forName="TwoConn_1-2" refType="h" fact="0.5"/>
+          <dgm:constr type="l" for="ch" forName="TwoConn_1-2" refType="l" refFor="ch" refForName="TwoNodes_1"/>
+          <dgm:constr type="l" for="ch" forName="TwoNodes_1_text" refType="r" refFor="ch" refForName="TwoConn_1-2"/>
+          <dgm:constr type="lOff" for="ch" forName="TwoNodes_1_text" refType="w" refFor="ch" refForName="TwoConn_1-2" fact="0.5"/>
+          <dgm:constr type="t" for="ch" forName="TwoNodes_1_text" refType="t" refFor="ch" refForName="TwoNodes_1"/>
+          <dgm:constr type="b" for="ch" forName="TwoNodes_1_text" refType="b" refFor="ch" refForName="TwoNodes_1"/>
+          <dgm:constr type="r" for="ch" forName="TwoNodes_1_text" refType="r" refFor="ch" refForName="TwoNodes_1"/>
+          <dgm:constr type="l" for="ch" forName="TwoNodes_2_text" refType="r" refFor="ch" refForName="TwoConn_1-2"/>
+          <dgm:constr type="t" for="ch" forName="TwoNodes_2_text" refType="t" refFor="ch" refForName="TwoNodes_2"/>
+          <dgm:constr type="b" for="ch" forName="TwoNodes_2_text" refType="b" refFor="ch" refForName="TwoNodes_2"/>
+          <dgm:constr type="r" for="ch" forName="TwoNodes_2_text" refType="r" refFor="ch" refForName="TwoNodes_2"/>
+          <dgm:constr type="w" for="ch" forName="ThreeNodes_1" refType="w" fact="0.85"/>
+          <dgm:constr type="h" for="ch" forName="ThreeNodes_1" refType="h" fact="0.3"/>
+          <dgm:constr type="t" for="ch" forName="ThreeNodes_1"/>
+          <dgm:constr type="r" for="ch" forName="ThreeNodes_1" refType="w"/>
+          <dgm:constr type="w" for="ch" forName="ThreeNodes_2" refType="w" fact="0.85"/>
+          <dgm:constr type="h" for="ch" forName="ThreeNodes_2" refType="h" fact="0.3"/>
+          <dgm:constr type="ctrY" for="ch" forName="ThreeNodes_2" refType="h" fact="0.5"/>
+          <dgm:constr type="ctrX" for="ch" forName="ThreeNodes_2" refType="w" fact="0.5"/>
+          <dgm:constr type="w" for="ch" forName="ThreeNodes_3" refType="w" fact="0.85"/>
+          <dgm:constr type="h" for="ch" forName="ThreeNodes_3" refType="h" fact="0.3"/>
+          <dgm:constr type="b" for="ch" forName="ThreeNodes_3" refType="h"/>
+          <dgm:constr type="l" for="ch" forName="ThreeNodes_3"/>
+          <dgm:constr type="w" for="ch" forName="ThreeConn_1-2" refType="h" refFor="ch" refForName="ThreeNodes_1" fact="0.65"/>
+          <dgm:constr type="h" for="ch" forName="ThreeConn_1-2" refType="h" refFor="ch" refForName="ThreeNodes_1" fact="0.65"/>
+          <dgm:constr type="ctrY" for="ch" forName="ThreeConn_1-2" refType="h" fact="0.325"/>
+          <dgm:constr type="l" for="ch" forName="ThreeConn_1-2" refType="l" refFor="ch" refForName="ThreeNodes_1"/>
+          <dgm:constr type="w" for="ch" forName="ThreeConn_2-3" refType="h" refFor="ch" refForName="ThreeNodes_2" fact="0.65"/>
+          <dgm:constr type="h" for="ch" forName="ThreeConn_2-3" refType="h" refFor="ch" refForName="ThreeNodes_2" fact="0.65"/>
+          <dgm:constr type="ctrY" for="ch" forName="ThreeConn_2-3" refType="h" fact="0.673"/>
+          <dgm:constr type="l" for="ch" forName="ThreeConn_2-3" refType="l" refFor="ch" refForName="ThreeNodes_2"/>
+          <dgm:constr type="l" for="ch" forName="ThreeNodes_1_text" refType="r" refFor="ch" refForName="ThreeConn_1-2"/>
+          <dgm:constr type="lOff" for="ch" forName="ThreeNodes_1_text" refType="w" refFor="ch" refForName="ThreeConn_1-2" fact="0.55"/>
+          <dgm:constr type="t" for="ch" forName="ThreeNodes_1_text" refType="t" refFor="ch" refForName="ThreeNodes_1"/>
+          <dgm:constr type="b" for="ch" forName="ThreeNodes_1_text" refType="b" refFor="ch" refForName="ThreeNodes_1"/>
+          <dgm:constr type="r" for="ch" forName="ThreeNodes_1_text" refType="r" refFor="ch" refForName="ThreeNodes_1"/>
+          <dgm:constr type="l" for="ch" forName="ThreeNodes_2_text" refType="r" refFor="ch" refForName="ThreeConn_1-2"/>
+          <dgm:constr type="t" for="ch" forName="ThreeNodes_2_text" refType="t" refFor="ch" refForName="ThreeNodes_2"/>
+          <dgm:constr type="b" for="ch" forName="ThreeNodes_2_text" refType="b" refFor="ch" refForName="ThreeNodes_2"/>
+          <dgm:constr type="r" for="ch" forName="ThreeNodes_2_text" refType="r" refFor="ch" refForName="ThreeNodes_2"/>
+          <dgm:constr type="l" for="ch" forName="ThreeNodes_3_text" refType="r" refFor="ch" refForName="ThreeConn_2-3"/>
+          <dgm:constr type="t" for="ch" forName="ThreeNodes_3_text" refType="t" refFor="ch" refForName="ThreeNodes_3"/>
+          <dgm:constr type="b" for="ch" forName="ThreeNodes_3_text" refType="b" refFor="ch" refForName="ThreeNodes_3"/>
+          <dgm:constr type="r" for="ch" forName="ThreeNodes_3_text" refType="r" refFor="ch" refForName="ThreeNodes_3"/>
+          <dgm:constr type="w" for="ch" forName="FourNodes_1" refType="w" fact="0.8"/>
+          <dgm:constr type="h" for="ch" forName="FourNodes_1" refType="h" fact="0.22"/>
+          <dgm:constr type="t" for="ch" forName="FourNodes_1"/>
+          <dgm:constr type="r" for="ch" forName="FourNodes_1" refType="w"/>
+          <dgm:constr type="w" for="ch" forName="FourNodes_2" refType="w" fact="0.8"/>
+          <dgm:constr type="h" for="ch" forName="FourNodes_2" refType="h" fact="0.22"/>
+          <dgm:constr type="ctrY" for="ch" forName="FourNodes_2" refType="h" fact="0.37"/>
+          <dgm:constr type="ctrX" for="ch" forName="FourNodes_2" refType="w" fact="0.533"/>
+          <dgm:constr type="w" for="ch" forName="FourNodes_3" refType="w" fact="0.8"/>
+          <dgm:constr type="h" for="ch" forName="FourNodes_3" refType="h" fact="0.22"/>
+          <dgm:constr type="ctrY" for="ch" forName="FourNodes_3" refType="h" fact="0.63"/>
+          <dgm:constr type="ctrX" for="ch" forName="FourNodes_3" refType="w" fact="0.467"/>
+          <dgm:constr type="w" for="ch" forName="FourNodes_4" refType="w" fact="0.8"/>
+          <dgm:constr type="h" for="ch" forName="FourNodes_4" refType="h" fact="0.22"/>
+          <dgm:constr type="b" for="ch" forName="FourNodes_4" refType="h"/>
+          <dgm:constr type="l" for="ch" forName="FourNodes_4"/>
+          <dgm:constr type="w" for="ch" forName="FourConn_1-2" refType="h" refFor="ch" refForName="FourNodes_1" fact="0.65"/>
+          <dgm:constr type="h" for="ch" forName="FourConn_1-2" refType="h" refFor="ch" refForName="FourNodes_1" fact="0.65"/>
+          <dgm:constr type="ctrY" for="ch" forName="FourConn_1-2" refType="h" fact="0.24"/>
+          <dgm:constr type="l" for="ch" forName="FourConn_1-2" refType="l" refFor="ch" refForName="FourNodes_1"/>
+          <dgm:constr type="w" for="ch" forName="FourConn_2-3" refType="h" refFor="ch" refForName="FourNodes_2" fact="0.65"/>
+          <dgm:constr type="h" for="ch" forName="FourConn_2-3" refType="h" refFor="ch" refForName="FourNodes_2" fact="0.65"/>
+          <dgm:constr type="ctrY" for="ch" forName="FourConn_2-3" refType="h" fact="0.5"/>
+          <dgm:constr type="l" for="ch" forName="FourConn_2-3" refType="l" refFor="ch" refForName="FourNodes_2"/>
+          <dgm:constr type="w" for="ch" forName="FourConn_3-4" refType="h" refFor="ch" refForName="FourNodes_3" fact="0.65"/>
+          <dgm:constr type="h" for="ch" forName="FourConn_3-4" refType="h" refFor="ch" refForName="FourNodes_3" fact="0.65"/>
+          <dgm:constr type="ctrY" for="ch" forName="FourConn_3-4" refType="h" fact="0.76"/>
+          <dgm:constr type="l" for="ch" forName="FourConn_3-4" refType="l" refFor="ch" refForName="FourNodes_3"/>
+          <dgm:constr type="l" for="ch" forName="FourNodes_1_text" refType="r" refFor="ch" refForName="FourConn_1-2"/>
+          <dgm:constr type="lOff" for="ch" forName="FourNodes_1_text" refType="w" refFor="ch" refForName="FourConn_1-2" fact="0.69"/>
+          <dgm:constr type="t" for="ch" forName="FourNodes_1_text" refType="t" refFor="ch" refForName="FourNodes_1"/>
+          <dgm:constr type="b" for="ch" forName="FourNodes_1_text" refType="b" refFor="ch" refForName="FourNodes_1"/>
+          <dgm:constr type="r" for="ch" forName="FourNodes_1_text" refType="r" refFor="ch" refForName="FourNodes_1"/>
+          <dgm:constr type="l" for="ch" forName="FourNodes_2_text" refType="r" refFor="ch" refForName="FourConn_1-2"/>
+          <dgm:constr type="t" for="ch" forName="FourNodes_2_text" refType="t" refFor="ch" refForName="FourNodes_2"/>
+          <dgm:constr type="b" for="ch" forName="FourNodes_2_text" refType="b" refFor="ch" refForName="FourNodes_2"/>
+          <dgm:constr type="r" for="ch" forName="FourNodes_2_text" refType="r" refFor="ch" refForName="FourNodes_2"/>
+          <dgm:constr type="l" for="ch" forName="FourNodes_3_text" refType="r" refFor="ch" refForName="FourConn_2-3"/>
+          <dgm:constr type="t" for="ch" forName="FourNodes_3_text" refType="t" refFor="ch" refForName="FourNodes_3"/>
+          <dgm:constr type="b" for="ch" forName="FourNodes_3_text" refType="b" refFor="ch" refForName="FourNodes_3"/>
+          <dgm:constr type="r" for="ch" forName="FourNodes_3_text" refType="r" refFor="ch" refForName="FourNodes_3"/>
+          <dgm:constr type="l" for="ch" forName="FourNodes_4_text" refType="r" refFor="ch" refForName="FourConn_3-4"/>
+          <dgm:constr type="t" for="ch" forName="FourNodes_4_text" refType="t" refFor="ch" refForName="FourNodes_4"/>
+          <dgm:constr type="b" for="ch" forName="FourNodes_4_text" refType="b" refFor="ch" refForName="FourNodes_4"/>
+          <dgm:constr type="r" for="ch" forName="FourNodes_4_text" refType="r" refFor="ch" refForName="FourNodes_4"/>
+          <dgm:constr type="w" for="ch" forName="FiveNodes_1" refType="w" fact="0.77"/>
+          <dgm:constr type="h" for="ch" forName="FiveNodes_1" refType="h" fact="0.18"/>
+          <dgm:constr type="t" for="ch" forName="FiveNodes_1"/>
+          <dgm:constr type="r" for="ch" forName="FiveNodes_1" refType="w"/>
+          <dgm:constr type="w" for="ch" forName="FiveNodes_2" refType="w" fact="0.77"/>
+          <dgm:constr type="h" for="ch" forName="FiveNodes_2" refType="h" fact="0.18"/>
+          <dgm:constr type="ctrY" for="ch" forName="FiveNodes_2" refType="h" fact="0.295"/>
+          <dgm:constr type="ctrX" for="ch" forName="FiveNodes_2" refType="w" fact="0.5575"/>
+          <dgm:constr type="w" for="ch" forName="FiveNodes_3" refType="w" fact="0.77"/>
+          <dgm:constr type="h" for="ch" forName="FiveNodes_3" refType="h" fact="0.18"/>
+          <dgm:constr type="ctrY" for="ch" forName="FiveNodes_3" refType="h" fact="0.5"/>
+          <dgm:constr type="ctrX" for="ch" forName="FiveNodes_3" refType="w" fact="0.5"/>
+          <dgm:constr type="w" for="ch" forName="FiveNodes_4" refType="w" fact="0.77"/>
+          <dgm:constr type="h" for="ch" forName="FiveNodes_4" refType="h" fact="0.18"/>
+          <dgm:constr type="ctrY" for="ch" forName="FiveNodes_4" refType="h" fact="0.705"/>
+          <dgm:constr type="ctrX" for="ch" forName="FiveNodes_4" refType="w" fact="0.4425"/>
+          <dgm:constr type="w" for="ch" forName="FiveNodes_5" refType="w" fact="0.77"/>
+          <dgm:constr type="h" for="ch" forName="FiveNodes_5" refType="h" fact="0.18"/>
+          <dgm:constr type="b" for="ch" forName="FiveNodes_5" refType="h"/>
+          <dgm:constr type="l" for="ch" forName="FiveNodes_5"/>
+          <dgm:constr type="w" for="ch" forName="FiveConn_1-2" refType="h" refFor="ch" refForName="FiveNodes_1" fact="0.65"/>
+          <dgm:constr type="h" for="ch" forName="FiveConn_1-2" refType="h" refFor="ch" refForName="FiveNodes_1" fact="0.65"/>
+          <dgm:constr type="ctrY" for="ch" forName="FiveConn_1-2" refType="h" fact="0.19"/>
+          <dgm:constr type="l" for="ch" forName="FiveConn_1-2" refType="l" refFor="ch" refForName="FiveNodes_1"/>
+          <dgm:constr type="w" for="ch" forName="FiveConn_2-3" refType="h" refFor="ch" refForName="FiveNodes_2" fact="0.65"/>
+          <dgm:constr type="h" for="ch" forName="FiveConn_2-3" refType="h" refFor="ch" refForName="FiveNodes_2" fact="0.65"/>
+          <dgm:constr type="ctrY" for="ch" forName="FiveConn_2-3" refType="h" fact="0.395"/>
+          <dgm:constr type="l" for="ch" forName="FiveConn_2-3" refType="l" refFor="ch" refForName="FiveNodes_2"/>
+          <dgm:constr type="w" for="ch" forName="FiveConn_3-4" refType="h" refFor="ch" refForName="FiveNodes_3" fact="0.65"/>
+          <dgm:constr type="h" for="ch" forName="FiveConn_3-4" refType="h" refFor="ch" refForName="FiveNodes_3" fact="0.65"/>
+          <dgm:constr type="ctrY" for="ch" forName="FiveConn_3-4" refType="h" fact="0.597"/>
+          <dgm:constr type="l" for="ch" forName="FiveConn_3-4" refType="l" refFor="ch" refForName="FiveNodes_3"/>
+          <dgm:constr type="w" for="ch" forName="FiveConn_4-5" refType="h" refFor="ch" refForName="FiveNodes_4" fact="0.65"/>
+          <dgm:constr type="h" for="ch" forName="FiveConn_4-5" refType="h" refFor="ch" refForName="FiveNodes_4" fact="0.65"/>
+          <dgm:constr type="ctrY" for="ch" forName="FiveConn_4-5" refType="h" fact="0.804"/>
+          <dgm:constr type="l" for="ch" forName="FiveConn_4-5" refType="l" refFor="ch" refForName="FiveNodes_4"/>
+          <dgm:constr type="l" for="ch" forName="FiveNodes_1_text" refType="r" refFor="ch" refForName="FiveConn_1-2"/>
+          <dgm:constr type="lOff" for="ch" forName="FiveNodes_1_text" refType="w" refFor="ch" refForName="FiveConn_1-2" fact="0.73"/>
+          <dgm:constr type="t" for="ch" forName="FiveNodes_1_text" refType="t" refFor="ch" refForName="FiveNodes_1"/>
+          <dgm:constr type="b" for="ch" forName="FiveNodes_1_text" refType="b" refFor="ch" refForName="FiveNodes_1"/>
+          <dgm:constr type="r" for="ch" forName="FiveNodes_1_text" refType="r" refFor="ch" refForName="FiveNodes_1"/>
+          <dgm:constr type="l" for="ch" forName="FiveNodes_2_text" refType="r" refFor="ch" refForName="FiveConn_1-2"/>
+          <dgm:constr type="t" for="ch" forName="FiveNodes_2_text" refType="t" refFor="ch" refForName="FiveNodes_2"/>
+          <dgm:constr type="b" for="ch" forName="FiveNodes_2_text" refType="b" refFor="ch" refForName="FiveNodes_2"/>
+          <dgm:constr type="r" for="ch" forName="FiveNodes_2_text" refType="r" refFor="ch" refForName="FiveNodes_2"/>
+          <dgm:constr type="l" for="ch" forName="FiveNodes_3_text" refType="r" refFor="ch" refForName="FiveConn_2-3"/>
+          <dgm:constr type="t" for="ch" forName="FiveNodes_3_text" refType="t" refFor="ch" refForName="FiveNodes_3"/>
+          <dgm:constr type="b" for="ch" forName="FiveNodes_3_text" refType="b" refFor="ch" refForName="FiveNodes_3"/>
+          <dgm:constr type="r" for="ch" forName="FiveNodes_3_text" refType="r" refFor="ch" refForName="FiveNodes_3"/>
+          <dgm:constr type="l" for="ch" forName="FiveNodes_4_text" refType="r" refFor="ch" refForName="FiveConn_3-4"/>
+          <dgm:constr type="t" for="ch" forName="FiveNodes_4_text" refType="t" refFor="ch" refForName="FiveNodes_4"/>
+          <dgm:constr type="b" for="ch" forName="FiveNodes_4_text" refType="b" refFor="ch" refForName="FiveNodes_4"/>
+          <dgm:constr type="r" for="ch" forName="FiveNodes_4_text" refType="r" refFor="ch" refForName="FiveNodes_4"/>
+          <dgm:constr type="l" for="ch" forName="FiveNodes_5_text" refType="r" refFor="ch" refForName="FiveConn_4-5"/>
+          <dgm:constr type="t" for="ch" forName="FiveNodes_5_text" refType="t" refFor="ch" refForName="FiveNodes_5"/>
+          <dgm:constr type="b" for="ch" forName="FiveNodes_5_text" refType="b" refFor="ch" refForName="FiveNodes_5"/>
+          <dgm:constr type="r" for="ch" forName="FiveNodes_5_text" refType="r" refFor="ch" refForName="FiveNodes_5"/>
+        </dgm:constrLst>
+      </dgm:else>
+    </dgm:choose>
     <dgm:ruleLst/>
-    <dgm:forEach name="Name3" axis="ch" ptType="node">
-      <dgm:layoutNode name="node">
-        <dgm:varLst>
-          <dgm:bulletEnabled val="1"/>
-        </dgm:varLst>
-        <dgm:alg type="tx"/>
-        <dgm:shape xmlns:r="http://schemas.openxmlformats.org/officeDocument/2006/relationships" type="rect" r:blip="">
-          <dgm:adjLst/>
-        </dgm:shape>
-        <dgm:presOf axis="desOrSelf" ptType="node"/>
-        <dgm:constrLst>
-          <dgm:constr type="lMarg" refType="primFontSz" fact="0.3"/>
-          <dgm:constr type="rMarg" refType="primFontSz" fact="0.3"/>
-          <dgm:constr type="tMarg" refType="primFontSz" fact="0.3"/>
-          <dgm:constr type="bMarg" refType="primFontSz" fact="0.3"/>
-        </dgm:constrLst>
-        <dgm:ruleLst>
-          <dgm:rule type="primFontSz" val="5" fact="NaN" max="NaN"/>
-        </dgm:ruleLst>
-      </dgm:layoutNode>
-      <dgm:forEach name="Name4" axis="followSib" ptType="sibTrans" cnt="1">
-        <dgm:layoutNode name="sibTrans">
-          <dgm:alg type="sp"/>
-          <dgm:shape xmlns:r="http://schemas.openxmlformats.org/officeDocument/2006/relationships" r:blip="">
-            <dgm:adjLst/>
+    <dgm:layoutNode name="dummyMaxCanvas">
+      <dgm:varLst/>
+      <dgm:alg type="sp"/>
+      <dgm:shape xmlns:r="http://schemas.openxmlformats.org/officeDocument/2006/relationships" r:blip="">
+        <dgm:adjLst/>
+      </dgm:shape>
+      <dgm:presOf/>
+      <dgm:constrLst/>
+      <dgm:ruleLst/>
+    </dgm:layoutNode>
+    <dgm:choose name="Name3">
+      <dgm:if name="Name4" axis="ch" ptType="node" func="cnt" op="equ" val="1">
+        <dgm:layoutNode name="OneNode_1">
+          <dgm:varLst>
+            <dgm:bulletEnabled val="1"/>
+          </dgm:varLst>
+          <dgm:alg type="tx"/>
+          <dgm:shape xmlns:r="http://schemas.openxmlformats.org/officeDocument/2006/relationships" type="roundRect" r:blip="">
+            <dgm:adjLst>
+              <dgm:adj idx="1" val="0.1"/>
+            </dgm:adjLst>
           </dgm:shape>
-          <dgm:presOf/>
-          <dgm:constrLst/>
-          <dgm:ruleLst/>
+          <dgm:presOf axis="ch desOrSelf" ptType="node node" st="1 1" cnt="1 0"/>
+          <dgm:constrLst>
+            <dgm:constr type="lMarg" refType="primFontSz" fact="0.3"/>
+            <dgm:constr type="rMarg" refType="primFontSz" fact="0.3"/>
+            <dgm:constr type="tMarg" refType="primFontSz" fact="0.3"/>
+            <dgm:constr type="bMarg" refType="primFontSz" fact="0.3"/>
+          </dgm:constrLst>
+          <dgm:ruleLst>
+            <dgm:rule type="primFontSz" val="5" fact="NaN" max="NaN"/>
+          </dgm:ruleLst>
         </dgm:layoutNode>
-      </dgm:forEach>
-    </dgm:forEach>
+      </dgm:if>
+      <dgm:else name="Name5">
+        <dgm:choose name="Name6">
+          <dgm:if name="Name7" axis="ch" ptType="node" func="cnt" op="equ" val="2">
+            <dgm:layoutNode name="TwoNodes_1">
+              <dgm:varLst>
+                <dgm:bulletEnabled val="1"/>
+              </dgm:varLst>
+              <dgm:alg type="sp"/>
+              <dgm:shape xmlns:r="http://schemas.openxmlformats.org/officeDocument/2006/relationships" type="roundRect" r:blip="">
+                <dgm:adjLst>
+                  <dgm:adj idx="1" val="0.1"/>
+                </dgm:adjLst>
+              </dgm:shape>
+              <dgm:presOf axis="ch desOrSelf" ptType="node node" st="1 1" cnt="1 0"/>
+              <dgm:constrLst/>
+              <dgm:ruleLst/>
+            </dgm:layoutNode>
+            <dgm:layoutNode name="TwoNodes_2">
+              <dgm:varLst>
+                <dgm:bulletEnabled val="1"/>
+              </dgm:varLst>
+              <dgm:alg type="sp"/>
+              <dgm:shape xmlns:r="http://schemas.openxmlformats.org/officeDocument/2006/relationships" type="roundRect" r:blip="">
+                <dgm:adjLst>
+                  <dgm:adj idx="1" val="0.1"/>
+                </dgm:adjLst>
+              </dgm:shape>
+              <dgm:presOf axis="ch desOrSelf" ptType="node node" st="2 1" cnt="1 0"/>
+              <dgm:constrLst/>
+              <dgm:ruleLst/>
+            </dgm:layoutNode>
+            <dgm:layoutNode name="TwoConn_1-2" styleLbl="fgAccFollowNode1">
+              <dgm:varLst>
+                <dgm:bulletEnabled val="1"/>
+              </dgm:varLst>
+              <dgm:alg type="tx"/>
+              <dgm:shape xmlns:r="http://schemas.openxmlformats.org/officeDocument/2006/relationships" type="downArrow" r:blip="">
+                <dgm:adjLst>
+                  <dgm:adj idx="1" val="0.55"/>
+                  <dgm:adj idx="2" val="0.45"/>
+                </dgm:adjLst>
+              </dgm:shape>
+              <dgm:presOf axis="ch" ptType="sibTrans" cnt="1"/>
+              <dgm:constrLst>
+                <dgm:constr type="lMarg" refType="primFontSz" fact="0.1"/>
+                <dgm:constr type="rMarg" refType="primFontSz" fact="0.1"/>
+                <dgm:constr type="tMarg" refType="primFontSz" fact="0.1"/>
+                <dgm:constr type="bMarg" refType="primFontSz" fact="0.1"/>
+              </dgm:constrLst>
+              <dgm:ruleLst>
+                <dgm:rule type="primFontSz" val="5" fact="NaN" max="NaN"/>
+              </dgm:ruleLst>
+            </dgm:layoutNode>
+            <dgm:layoutNode name="TwoNodes_1_text">
+              <dgm:varLst>
+                <dgm:bulletEnabled val="1"/>
+              </dgm:varLst>
+              <dgm:alg type="tx">
+                <dgm:param type="parTxLTRAlign" val="l"/>
+                <dgm:param type="txAnchorVertCh" val="mid"/>
+              </dgm:alg>
+              <dgm:shape xmlns:r="http://schemas.openxmlformats.org/officeDocument/2006/relationships" type="roundRect" r:blip="" hideGeom="1">
+                <dgm:adjLst>
+                  <dgm:adj idx="1" val="0.1"/>
+                </dgm:adjLst>
+              </dgm:shape>
+              <dgm:presOf axis="ch desOrSelf" ptType="node node" st="1 1" cnt="1 0"/>
+              <dgm:constrLst>
+                <dgm:constr type="lMarg" refType="primFontSz" fact="0.3"/>
+                <dgm:constr type="rMarg" refType="primFontSz" fact="0.3"/>
+                <dgm:constr type="tMarg" refType="primFontSz" fact="0.3"/>
+                <dgm:constr type="bMarg" refType="primFontSz" fact="0.3"/>
+              </dgm:constrLst>
+              <dgm:ruleLst>
+                <dgm:rule type="primFontSz" val="5" fact="NaN" max="NaN"/>
+              </dgm:ruleLst>
+            </dgm:layoutNode>
+            <dgm:layoutNode name="TwoNodes_2_text">
+              <dgm:varLst>
+                <dgm:bulletEnabled val="1"/>
+              </dgm:varLst>
+              <dgm:alg type="tx">
+                <dgm:param type="parTxLTRAlign" val="l"/>
+                <dgm:param type="txAnchorVertCh" val="mid"/>
+              </dgm:alg>
+              <dgm:shape xmlns:r="http://schemas.openxmlformats.org/officeDocument/2006/relationships" type="roundRect" r:blip="" hideGeom="1">
+                <dgm:adjLst>
+                  <dgm:adj idx="1" val="0.1"/>
+                </dgm:adjLst>
+              </dgm:shape>
+              <dgm:presOf axis="ch desOrSelf" ptType="node node" st="2 1" cnt="1 0"/>
+              <dgm:constrLst>
+                <dgm:constr type="lMarg" refType="primFontSz" fact="0.3"/>
+                <dgm:constr type="rMarg" refType="primFontSz" fact="0.3"/>
+                <dgm:constr type="tMarg" refType="primFontSz" fact="0.3"/>
+                <dgm:constr type="bMarg" refType="primFontSz" fact="0.3"/>
+              </dgm:constrLst>
+              <dgm:ruleLst>
+                <dgm:rule type="primFontSz" val="5" fact="NaN" max="NaN"/>
+              </dgm:ruleLst>
+            </dgm:layoutNode>
+          </dgm:if>
+          <dgm:else name="Name8">
+            <dgm:choose name="Name9">
+              <dgm:if name="Name10" axis="ch" ptType="node" func="cnt" op="equ" val="3">
+                <dgm:layoutNode name="ThreeNodes_1">
+                  <dgm:varLst>
+                    <dgm:bulletEnabled val="1"/>
+                  </dgm:varLst>
+                  <dgm:alg type="sp"/>
+                  <dgm:shape xmlns:r="http://schemas.openxmlformats.org/officeDocument/2006/relationships" type="roundRect" r:blip="">
+                    <dgm:adjLst>
+                      <dgm:adj idx="1" val="0.1"/>
+                    </dgm:adjLst>
+                  </dgm:shape>
+                  <dgm:presOf axis="ch desOrSelf" ptType="node node" st="1 1" cnt="1 0"/>
+                  <dgm:constrLst/>
+                  <dgm:ruleLst/>
+                </dgm:layoutNode>
+                <dgm:layoutNode name="ThreeNodes_2">
+                  <dgm:varLst>
+                    <dgm:bulletEnabled val="1"/>
+                  </dgm:varLst>
+                  <dgm:alg type="sp"/>
+                  <dgm:shape xmlns:r="http://schemas.openxmlformats.org/officeDocument/2006/relationships" type="roundRect" r:blip="">
+                    <dgm:adjLst>
+                      <dgm:adj idx="1" val="0.1"/>
+                    </dgm:adjLst>
+                  </dgm:shape>
+                  <dgm:presOf axis="ch desOrSelf" ptType="node node" st="2 1" cnt="1 0"/>
+                  <dgm:constrLst/>
+                  <dgm:ruleLst/>
+                </dgm:layoutNode>
+                <dgm:layoutNode name="ThreeNodes_3">
+                  <dgm:varLst>
+                    <dgm:bulletEnabled val="1"/>
+                  </dgm:varLst>
+                  <dgm:alg type="sp"/>
+                  <dgm:shape xmlns:r="http://schemas.openxmlformats.org/officeDocument/2006/relationships" type="roundRect" r:blip="">
+                    <dgm:adjLst>
+                      <dgm:adj idx="1" val="0.1"/>
+                    </dgm:adjLst>
+                  </dgm:shape>
+                  <dgm:presOf axis="ch desOrSelf" ptType="node node" st="3 1" cnt="1 0"/>
+                  <dgm:constrLst/>
+                  <dgm:ruleLst/>
+                </dgm:layoutNode>
+                <dgm:layoutNode name="ThreeConn_1-2" styleLbl="fgAccFollowNode1">
+                  <dgm:varLst>
+                    <dgm:bulletEnabled val="1"/>
+                  </dgm:varLst>
+                  <dgm:alg type="tx"/>
+                  <dgm:shape xmlns:r="http://schemas.openxmlformats.org/officeDocument/2006/relationships" type="downArrow" r:blip="">
+                    <dgm:adjLst>
+                      <dgm:adj idx="1" val="0.55"/>
+                      <dgm:adj idx="2" val="0.45"/>
+                    </dgm:adjLst>
+                  </dgm:shape>
+                  <dgm:presOf axis="ch" ptType="sibTrans" cnt="1"/>
+                  <dgm:constrLst>
+                    <dgm:constr type="lMarg" refType="primFontSz" fact="0.1"/>
+                    <dgm:constr type="rMarg" refType="primFontSz" fact="0.1"/>
+                    <dgm:constr type="tMarg" refType="primFontSz" fact="0.1"/>
+                    <dgm:constr type="bMarg" refType="primFontSz" fact="0.1"/>
+                  </dgm:constrLst>
+                  <dgm:ruleLst>
+                    <dgm:rule type="primFontSz" val="5" fact="NaN" max="NaN"/>
+                  </dgm:ruleLst>
+                </dgm:layoutNode>
+                <dgm:layoutNode name="ThreeConn_2-3" styleLbl="fgAccFollowNode1">
+                  <dgm:varLst>
+                    <dgm:bulletEnabled val="1"/>
+                  </dgm:varLst>
+                  <dgm:alg type="tx"/>
+                  <dgm:shape xmlns:r="http://schemas.openxmlformats.org/officeDocument/2006/relationships" type="downArrow" r:blip="">
+                    <dgm:adjLst>
+                      <dgm:adj idx="1" val="0.55"/>
+                      <dgm:adj idx="2" val="0.45"/>
+                    </dgm:adjLst>
+                  </dgm:shape>
+                  <dgm:presOf axis="ch" ptType="sibTrans" st="2" cnt="1"/>
+                  <dgm:constrLst>
+                    <dgm:constr type="lMarg" refType="primFontSz" fact="0.1"/>
+                    <dgm:constr type="rMarg" refType="primFontSz" fact="0.1"/>
+                    <dgm:constr type="tMarg" refType="primFontSz" fact="0.1"/>
+                    <dgm:constr type="bMarg" refType="primFontSz" fact="0.1"/>
+                  </dgm:constrLst>
+                  <dgm:ruleLst>
+                    <dgm:rule type="primFontSz" val="5" fact="NaN" max="NaN"/>
+                  </dgm:ruleLst>
+                </dgm:layoutNode>
+                <dgm:layoutNode name="ThreeNodes_1_text">
+                  <dgm:varLst>
+                    <dgm:bulletEnabled val="1"/>
+                  </dgm:varLst>
+                  <dgm:alg type="tx">
+                    <dgm:param type="parTxLTRAlign" val="l"/>
+                    <dgm:param type="txAnchorVertCh" val="mid"/>
+                  </dgm:alg>
+                  <dgm:shape xmlns:r="http://schemas.openxmlformats.org/officeDocument/2006/relationships" type="roundRect" r:blip="" hideGeom="1">
+                    <dgm:adjLst>
+                      <dgm:adj idx="1" val="0.1"/>
+                    </dgm:adjLst>
+                  </dgm:shape>
+                  <dgm:presOf axis="ch desOrSelf" ptType="node node" st="1 1" cnt="1 0"/>
+                  <dgm:constrLst>
+                    <dgm:constr type="lMarg" refType="primFontSz" fact="0.3"/>
+                    <dgm:constr type="rMarg" refType="primFontSz" fact="0.3"/>
+                    <dgm:constr type="tMarg" refType="primFontSz" fact="0.3"/>
+                    <dgm:constr type="bMarg" refType="primFontSz" fact="0.3"/>
+                  </dgm:constrLst>
+                  <dgm:ruleLst>
+                    <dgm:rule type="primFontSz" val="5" fact="NaN" max="NaN"/>
+                  </dgm:ruleLst>
+                </dgm:layoutNode>
+                <dgm:layoutNode name="ThreeNodes_2_text">
+                  <dgm:varLst>
+                    <dgm:bulletEnabled val="1"/>
+                  </dgm:varLst>
+                  <dgm:alg type="tx">
+                    <dgm:param type="parTxLTRAlign" val="l"/>
+                    <dgm:param type="txAnchorVertCh" val="mid"/>
+                  </dgm:alg>
+                  <dgm:shape xmlns:r="http://schemas.openxmlformats.org/officeDocument/2006/relationships" type="roundRect" r:blip="" hideGeom="1">
+                    <dgm:adjLst>
+                      <dgm:adj idx="1" val="0.1"/>
+                    </dgm:adjLst>
+                  </dgm:shape>
+                  <dgm:presOf axis="ch desOrSelf" ptType="node node" st="2 1" cnt="1 0"/>
+                  <dgm:constrLst>
+                    <dgm:constr type="lMarg" refType="primFontSz" fact="0.3"/>
+                    <dgm:constr type="rMarg" refType="primFontSz" fact="0.3"/>
+                    <dgm:constr type="tMarg" refType="primFontSz" fact="0.3"/>
+                    <dgm:constr type="bMarg" refType="primFontSz" fact="0.3"/>
+                  </dgm:constrLst>
+                  <dgm:ruleLst>
+                    <dgm:rule type="primFontSz" val="5" fact="NaN" max="NaN"/>
+                  </dgm:ruleLst>
+                </dgm:layoutNode>
+                <dgm:layoutNode name="ThreeNodes_3_text">
+                  <dgm:varLst>
+                    <dgm:bulletEnabled val="1"/>
+                  </dgm:varLst>
+                  <dgm:alg type="tx">
+                    <dgm:param type="parTxLTRAlign" val="l"/>
+                    <dgm:param type="txAnchorVertCh" val="mid"/>
+                  </dgm:alg>
+                  <dgm:shape xmlns:r="http://schemas.openxmlformats.org/officeDocument/2006/relationships" type="roundRect" r:blip="" hideGeom="1">
+                    <dgm:adjLst>
+                      <dgm:adj idx="1" val="0.1"/>
+                    </dgm:adjLst>
+                  </dgm:shape>
+                  <dgm:presOf axis="ch desOrSelf" ptType="node node" st="3 1" cnt="1 0"/>
+                  <dgm:constrLst>
+                    <dgm:constr type="lMarg" refType="primFontSz" fact="0.3"/>
+                    <dgm:constr type="rMarg" refType="primFontSz" fact="0.3"/>
+                    <dgm:constr type="tMarg" refType="primFontSz" fact="0.3"/>
+                    <dgm:constr type="bMarg" refType="primFontSz" fact="0.3"/>
+                  </dgm:constrLst>
+                  <dgm:ruleLst>
+                    <dgm:rule type="primFontSz" val="5" fact="NaN" max="NaN"/>
+                  </dgm:ruleLst>
+                </dgm:layoutNode>
+              </dgm:if>
+              <dgm:else name="Name11">
+                <dgm:choose name="Name12">
+                  <dgm:if name="Name13" axis="ch" ptType="node" func="cnt" op="equ" val="4">
+                    <dgm:layoutNode name="FourNodes_1">
+                      <dgm:varLst>
+                        <dgm:bulletEnabled val="1"/>
+                      </dgm:varLst>
+                      <dgm:alg type="sp"/>
+                      <dgm:shape xmlns:r="http://schemas.openxmlformats.org/officeDocument/2006/relationships" type="roundRect" r:blip="">
+                        <dgm:adjLst>
+                          <dgm:adj idx="1" val="0.1"/>
+                        </dgm:adjLst>
+                      </dgm:shape>
+                      <dgm:presOf axis="ch desOrSelf" ptType="node node" st="1 1" cnt="1 0"/>
+                      <dgm:constrLst/>
+                      <dgm:ruleLst/>
+                    </dgm:layoutNode>
+                    <dgm:layoutNode name="FourNodes_2">
+                      <dgm:varLst>
+                        <dgm:bulletEnabled val="1"/>
+                      </dgm:varLst>
+                      <dgm:alg type="sp"/>
+                      <dgm:shape xmlns:r="http://schemas.openxmlformats.org/officeDocument/2006/relationships" type="roundRect" r:blip="">
+                        <dgm:adjLst>
+                          <dgm:adj idx="1" val="0.1"/>
+                        </dgm:adjLst>
+                      </dgm:shape>
+                      <dgm:presOf axis="ch desOrSelf" ptType="node node" st="2 1" cnt="1 0"/>
+                      <dgm:constrLst/>
+                      <dgm:ruleLst/>
+                    </dgm:layoutNode>
+                    <dgm:layoutNode name="FourNodes_3">
+                      <dgm:varLst>
+                        <dgm:bulletEnabled val="1"/>
+                      </dgm:varLst>
+                      <dgm:alg type="sp"/>
+                      <dgm:shape xmlns:r="http://schemas.openxmlformats.org/officeDocument/2006/relationships" type="roundRect" r:blip="">
+                        <dgm:adjLst>
+                          <dgm:adj idx="1" val="0.1"/>
+                        </dgm:adjLst>
+                      </dgm:shape>
+                      <dgm:presOf axis="ch desOrSelf" ptType="node node" st="3 1" cnt="1 0"/>
+                      <dgm:constrLst/>
+                      <dgm:ruleLst/>
+                    </dgm:layoutNode>
+                    <dgm:layoutNode name="FourNodes_4">
+                      <dgm:varLst>
+                        <dgm:bulletEnabled val="1"/>
+                      </dgm:varLst>
+                      <dgm:alg type="sp"/>
+                      <dgm:shape xmlns:r="http://schemas.openxmlformats.org/officeDocument/2006/relationships" type="roundRect" r:blip="">
+                        <dgm:adjLst>
+                          <dgm:adj idx="1" val="0.1"/>
+                        </dgm:adjLst>
+                      </dgm:shape>
+                      <dgm:presOf axis="ch desOrSelf" ptType="node node" st="4 1" cnt="1 0"/>
+                      <dgm:constrLst/>
+                      <dgm:ruleLst/>
+                    </dgm:layoutNode>
+                    <dgm:layoutNode name="FourConn_1-2" styleLbl="fgAccFollowNode1">
+                      <dgm:varLst>
+                        <dgm:bulletEnabled val="1"/>
+                      </dgm:varLst>
+                      <dgm:alg type="tx"/>
+                      <dgm:shape xmlns:r="http://schemas.openxmlformats.org/officeDocument/2006/relationships" type="downArrow" r:blip="">
+                        <dgm:adjLst>
+                          <dgm:adj idx="1" val="0.55"/>
+                          <dgm:adj idx="2" val="0.45"/>
+                        </dgm:adjLst>
+                      </dgm:shape>
+                      <dgm:presOf axis="ch" ptType="sibTrans" cnt="1"/>
+                      <dgm:constrLst>
+                        <dgm:constr type="lMarg" refType="primFontSz" fact="0.1"/>
+                        <dgm:constr type="rMarg" refType="primFontSz" fact="0.1"/>
+                        <dgm:constr type="tMarg" refType="primFontSz" fact="0.1"/>
+                        <dgm:constr type="bMarg" refType="primFontSz" fact="0.1"/>
+                      </dgm:constrLst>
+                      <dgm:ruleLst>
+                        <dgm:rule type="primFontSz" val="5" fact="NaN" max="NaN"/>
+                      </dgm:ruleLst>
+                    </dgm:layoutNode>
+                    <dgm:layoutNode name="FourConn_2-3" styleLbl="fgAccFollowNode1">
+                      <dgm:varLst>
+                        <dgm:bulletEnabled val="1"/>
+                      </dgm:varLst>
+                      <dgm:alg type="tx"/>
+                      <dgm:shape xmlns:r="http://schemas.openxmlformats.org/officeDocument/2006/relationships" type="downArrow" r:blip="">
+                        <dgm:adjLst>
+                          <dgm:adj idx="1" val="0.55"/>
+                          <dgm:adj idx="2" val="0.45"/>
+                        </dgm:adjLst>
+                      </dgm:shape>
+                      <dgm:presOf axis="ch" ptType="sibTrans" st="2" cnt="1"/>
+                      <dgm:constrLst>
+                        <dgm:constr type="lMarg" refType="primFontSz" fact="0.1"/>
+                        <dgm:constr type="rMarg" refType="primFontSz" fact="0.1"/>
+                        <dgm:constr type="tMarg" refType="primFontSz" fact="0.1"/>
+                        <dgm:constr type="bMarg" refType="primFontSz" fact="0.1"/>
+                      </dgm:constrLst>
+                      <dgm:ruleLst>
+                        <dgm:rule type="primFontSz" val="5" fact="NaN" max="NaN"/>
+                      </dgm:ruleLst>
+                    </dgm:layoutNode>
+                    <dgm:layoutNode name="FourConn_3-4" styleLbl="fgAccFollowNode1">
+                      <dgm:varLst>
+                        <dgm:bulletEnabled val="1"/>
+                      </dgm:varLst>
+                      <dgm:alg type="tx"/>
+                      <dgm:shape xmlns:r="http://schemas.openxmlformats.org/officeDocument/2006/relationships" type="downArrow" r:blip="">
+                        <dgm:adjLst>
+                          <dgm:adj idx="1" val="0.55"/>
+                          <dgm:adj idx="2" val="0.45"/>
+                        </dgm:adjLst>
+                      </dgm:shape>
+                      <dgm:presOf axis="ch" ptType="sibTrans" st="3" cnt="1"/>
+                      <dgm:constrLst>
+                        <dgm:constr type="lMarg" refType="primFontSz" fact="0.1"/>
+                        <dgm:constr type="rMarg" refType="primFontSz" fact="0.1"/>
+                        <dgm:constr type="tMarg" refType="primFontSz" fact="0.1"/>
+                        <dgm:constr type="bMarg" refType="primFontSz" fact="0.1"/>
+                      </dgm:constrLst>
+                      <dgm:ruleLst>
+                        <dgm:rule type="primFontSz" val="5" fact="NaN" max="NaN"/>
+                      </dgm:ruleLst>
+                    </dgm:layoutNode>
+                    <dgm:layoutNode name="FourNodes_1_text">
+                      <dgm:varLst>
+                        <dgm:bulletEnabled val="1"/>
+                      </dgm:varLst>
+                      <dgm:alg type="tx">
+                        <dgm:param type="parTxLTRAlign" val="l"/>
+                        <dgm:param type="txAnchorVertCh" val="mid"/>
+                      </dgm:alg>
+                      <dgm:shape xmlns:r="http://schemas.openxmlformats.org/officeDocument/2006/relationships" type="roundRect" r:blip="" hideGeom="1">
+                        <dgm:adjLst>
+                          <dgm:adj idx="1" val="0.1"/>
+                        </dgm:adjLst>
+                      </dgm:shape>
+                      <dgm:presOf axis="ch desOrSelf" ptType="node node" st="1 1" cnt="1 0"/>
+                      <dgm:constrLst>
+                        <dgm:constr type="lMarg" refType="primFontSz" fact="0.3"/>
+                        <dgm:constr type="rMarg" refType="primFontSz" fact="0.3"/>
+                        <dgm:constr type="tMarg" refType="primFontSz" fact="0.3"/>
+                        <dgm:constr type="bMarg" refType="primFontSz" fact="0.3"/>
+                      </dgm:constrLst>
+                      <dgm:ruleLst>
+                        <dgm:rule type="primFontSz" val="5" fact="NaN" max="NaN"/>
+                      </dgm:ruleLst>
+                    </dgm:layoutNode>
+                    <dgm:layoutNode name="FourNodes_2_text">
+                      <dgm:varLst>
+                        <dgm:bulletEnabled val="1"/>
+                      </dgm:varLst>
+                      <dgm:alg type="tx">
+                        <dgm:param type="parTxLTRAlign" val="l"/>
+                        <dgm:param type="txAnchorVertCh" val="mid"/>
+                      </dgm:alg>
+                      <dgm:shape xmlns:r="http://schemas.openxmlformats.org/officeDocument/2006/relationships" type="roundRect" r:blip="" hideGeom="1">
+                        <dgm:adjLst>
+                          <dgm:adj idx="1" val="0.1"/>
+                        </dgm:adjLst>
+                      </dgm:shape>
+                      <dgm:presOf axis="ch desOrSelf" ptType="node node" st="2 1" cnt="1 0"/>
+                      <dgm:constrLst>
+                        <dgm:constr type="lMarg" refType="primFontSz" fact="0.3"/>
+                        <dgm:constr type="rMarg" refType="primFontSz" fact="0.3"/>
+                        <dgm:constr type="tMarg" refType="primFontSz" fact="0.3"/>
+                        <dgm:constr type="bMarg" refType="primFontSz" fact="0.3"/>
+                      </dgm:constrLst>
+                      <dgm:ruleLst>
+                        <dgm:rule type="primFontSz" val="5" fact="NaN" max="NaN"/>
+                      </dgm:ruleLst>
+                    </dgm:layoutNode>
+                    <dgm:layoutNode name="FourNodes_3_text">
+                      <dgm:varLst>
+                        <dgm:bulletEnabled val="1"/>
+                      </dgm:varLst>
+                      <dgm:alg type="tx">
+                        <dgm:param type="parTxLTRAlign" val="l"/>
+                        <dgm:param type="txAnchorVertCh" val="mid"/>
+                      </dgm:alg>
+                      <dgm:shape xmlns:r="http://schemas.openxmlformats.org/officeDocument/2006/relationships" type="roundRect" r:blip="" hideGeom="1">
+                        <dgm:adjLst>
+                          <dgm:adj idx="1" val="0.1"/>
+                        </dgm:adjLst>
+                      </dgm:shape>
+                      <dgm:presOf axis="ch desOrSelf" ptType="node node" st="3 1" cnt="1 0"/>
+                      <dgm:constrLst>
+                        <dgm:constr type="lMarg" refType="primFontSz" fact="0.3"/>
+                        <dgm:constr type="rMarg" refType="primFontSz" fact="0.3"/>
+                        <dgm:constr type="tMarg" refType="primFontSz" fact="0.3"/>
+                        <dgm:constr type="bMarg" refType="primFontSz" fact="0.3"/>
+                      </dgm:constrLst>
+                      <dgm:ruleLst>
+                        <dgm:rule type="primFontSz" val="5" fact="NaN" max="NaN"/>
+                      </dgm:ruleLst>
+                    </dgm:layoutNode>
+                    <dgm:layoutNode name="FourNodes_4_text">
+                      <dgm:varLst>
+                        <dgm:bulletEnabled val="1"/>
+                      </dgm:varLst>
+                      <dgm:alg type="tx">
+                        <dgm:param type="parTxLTRAlign" val="l"/>
+                        <dgm:param type="txAnchorVertCh" val="mid"/>
+                      </dgm:alg>
+                      <dgm:shape xmlns:r="http://schemas.openxmlformats.org/officeDocument/2006/relationships" type="roundRect" r:blip="" hideGeom="1">
+                        <dgm:adjLst>
+                          <dgm:adj idx="1" val="0.1"/>
+                        </dgm:adjLst>
+                      </dgm:shape>
+                      <dgm:presOf axis="ch desOrSelf" ptType="node node" st="4 1" cnt="1 0"/>
+                      <dgm:constrLst>
+                        <dgm:constr type="lMarg" refType="primFontSz" fact="0.3"/>
+                        <dgm:constr type="rMarg" refType="primFontSz" fact="0.3"/>
+                        <dgm:constr type="tMarg" refType="primFontSz" fact="0.3"/>
+                        <dgm:constr type="bMarg" refType="primFontSz" fact="0.3"/>
+                      </dgm:constrLst>
+                      <dgm:ruleLst>
+                        <dgm:rule type="primFontSz" val="5" fact="NaN" max="NaN"/>
+                      </dgm:ruleLst>
+                    </dgm:layoutNode>
+                  </dgm:if>
+                  <dgm:else name="Name14">
+                    <dgm:choose name="Name15">
+                      <dgm:if name="Name16" axis="ch" ptType="node" func="cnt" op="gte" val="5">
+                        <dgm:layoutNode name="FiveNodes_1">
+                          <dgm:varLst>
+                            <dgm:bulletEnabled val="1"/>
+                          </dgm:varLst>
+                          <dgm:alg type="sp"/>
+                          <dgm:shape xmlns:r="http://schemas.openxmlformats.org/officeDocument/2006/relationships" type="roundRect" r:blip="">
+                            <dgm:adjLst>
+                              <dgm:adj idx="1" val="0.1"/>
+                            </dgm:adjLst>
+                          </dgm:shape>
+                          <dgm:presOf axis="ch desOrSelf" ptType="node node" st="1 1" cnt="1 0"/>
+                          <dgm:constrLst/>
+                          <dgm:ruleLst/>
+                        </dgm:layoutNode>
+                        <dgm:layoutNode name="FiveNodes_2">
+                          <dgm:varLst>
+                            <dgm:bulletEnabled val="1"/>
+                          </dgm:varLst>
+                          <dgm:alg type="sp"/>
+                          <dgm:shape xmlns:r="http://schemas.openxmlformats.org/officeDocument/2006/relationships" type="roundRect" r:blip="">
+                            <dgm:adjLst>
+                              <dgm:adj idx="1" val="0.1"/>
+                            </dgm:adjLst>
+                          </dgm:shape>
+                          <dgm:presOf axis="ch desOrSelf" ptType="node node" st="2 1" cnt="1 0"/>
+                          <dgm:constrLst/>
+                          <dgm:ruleLst/>
+                        </dgm:layoutNode>
+                        <dgm:layoutNode name="FiveNodes_3">
+                          <dgm:varLst>
+                            <dgm:bulletEnabled val="1"/>
+                          </dgm:varLst>
+                          <dgm:alg type="sp"/>
+                          <dgm:shape xmlns:r="http://schemas.openxmlformats.org/officeDocument/2006/relationships" type="roundRect" r:blip="">
+                            <dgm:adjLst>
+                              <dgm:adj idx="1" val="0.1"/>
+                            </dgm:adjLst>
+                          </dgm:shape>
+                          <dgm:presOf axis="ch desOrSelf" ptType="node node" st="3 1" cnt="1 0"/>
+                          <dgm:constrLst/>
+                          <dgm:ruleLst/>
+                        </dgm:layoutNode>
+                        <dgm:layoutNode name="FiveNodes_4">
+                          <dgm:varLst>
+                            <dgm:bulletEnabled val="1"/>
+                          </dgm:varLst>
+                          <dgm:alg type="sp"/>
+                          <dgm:shape xmlns:r="http://schemas.openxmlformats.org/officeDocument/2006/relationships" type="roundRect" r:blip="">
+                            <dgm:adjLst>
+                              <dgm:adj idx="1" val="0.1"/>
+                            </dgm:adjLst>
+                          </dgm:shape>
+                          <dgm:presOf axis="ch desOrSelf" ptType="node node" st="4 1" cnt="1 0"/>
+                          <dgm:constrLst/>
+                          <dgm:ruleLst/>
+                        </dgm:layoutNode>
+                        <dgm:layoutNode name="FiveNodes_5">
+                          <dgm:varLst>
+                            <dgm:bulletEnabled val="1"/>
+                          </dgm:varLst>
+                          <dgm:alg type="sp"/>
+                          <dgm:shape xmlns:r="http://schemas.openxmlformats.org/officeDocument/2006/relationships" type="roundRect" r:blip="">
+                            <dgm:adjLst>
+                              <dgm:adj idx="1" val="0.1"/>
+                            </dgm:adjLst>
+                          </dgm:shape>
+                          <dgm:presOf axis="ch desOrSelf" ptType="node node" st="5 1" cnt="1 0"/>
+                          <dgm:constrLst/>
+                          <dgm:ruleLst/>
+                        </dgm:layoutNode>
+                        <dgm:layoutNode name="FiveConn_1-2" styleLbl="fgAccFollowNode1">
+                          <dgm:varLst>
+                            <dgm:bulletEnabled val="1"/>
+                          </dgm:varLst>
+                          <dgm:alg type="tx"/>
+                          <dgm:shape xmlns:r="http://schemas.openxmlformats.org/officeDocument/2006/relationships" type="downArrow" r:blip="">
+                            <dgm:adjLst>
+                              <dgm:adj idx="1" val="0.55"/>
+                              <dgm:adj idx="2" val="0.45"/>
+                            </dgm:adjLst>
+                          </dgm:shape>
+                          <dgm:presOf axis="ch" ptType="sibTrans" cnt="1"/>
+                          <dgm:constrLst>
+                            <dgm:constr type="lMarg" refType="primFontSz" fact="0.1"/>
+                            <dgm:constr type="rMarg" refType="primFontSz" fact="0.1"/>
+                            <dgm:constr type="tMarg" refType="primFontSz" fact="0.1"/>
+                            <dgm:constr type="bMarg" refType="primFontSz" fact="0.1"/>
+                          </dgm:constrLst>
+                          <dgm:ruleLst>
+                            <dgm:rule type="primFontSz" val="5" fact="NaN" max="NaN"/>
+                          </dgm:ruleLst>
+                        </dgm:layoutNode>
+                        <dgm:layoutNode name="FiveConn_2-3" styleLbl="fgAccFollowNode1">
+                          <dgm:varLst>
+                            <dgm:bulletEnabled val="1"/>
+                          </dgm:varLst>
+                          <dgm:alg type="tx"/>
+                          <dgm:shape xmlns:r="http://schemas.openxmlformats.org/officeDocument/2006/relationships" type="downArrow" r:blip="">
+                            <dgm:adjLst>
+                              <dgm:adj idx="1" val="0.55"/>
+                              <dgm:adj idx="2" val="0.45"/>
+                            </dgm:adjLst>
+                          </dgm:shape>
+                          <dgm:presOf axis="ch" ptType="sibTrans" st="2" cnt="1"/>
+                          <dgm:constrLst>
+                            <dgm:constr type="lMarg" refType="primFontSz" fact="0.1"/>
+                            <dgm:constr type="rMarg" refType="primFontSz" fact="0.1"/>
+                            <dgm:constr type="tMarg" refType="primFontSz" fact="0.1"/>
+                            <dgm:constr type="bMarg" refType="primFontSz" fact="0.1"/>
+                          </dgm:constrLst>
+                          <dgm:ruleLst>
+                            <dgm:rule type="primFontSz" val="5" fact="NaN" max="NaN"/>
+                          </dgm:ruleLst>
+                        </dgm:layoutNode>
+                        <dgm:layoutNode name="FiveConn_3-4" styleLbl="fgAccFollowNode1">
+                          <dgm:varLst>
+                            <dgm:bulletEnabled val="1"/>
+                          </dgm:varLst>
+                          <dgm:alg type="tx"/>
+                          <dgm:shape xmlns:r="http://schemas.openxmlformats.org/officeDocument/2006/relationships" type="downArrow" r:blip="">
+                            <dgm:adjLst>
+                              <dgm:adj idx="1" val="0.55"/>
+                              <dgm:adj idx="2" val="0.45"/>
+                            </dgm:adjLst>
+                          </dgm:shape>
+                          <dgm:presOf axis="ch" ptType="sibTrans" st="3" cnt="1"/>
+                          <dgm:constrLst>
+                            <dgm:constr type="lMarg" refType="primFontSz" fact="0.1"/>
+                            <dgm:constr type="rMarg" refType="primFontSz" fact="0.1"/>
+                            <dgm:constr type="tMarg" refType="primFontSz" fact="0.1"/>
+                            <dgm:constr type="bMarg" refType="primFontSz" fact="0.1"/>
+                          </dgm:constrLst>
+                          <dgm:ruleLst>
+                            <dgm:rule type="primFontSz" val="5" fact="NaN" max="NaN"/>
+                          </dgm:ruleLst>
+                        </dgm:layoutNode>
+                        <dgm:layoutNode name="FiveConn_4-5" styleLbl="fgAccFollowNode1">
+                          <dgm:varLst>
+                            <dgm:bulletEnabled val="1"/>
+                          </dgm:varLst>
+                          <dgm:alg type="tx"/>
+                          <dgm:shape xmlns:r="http://schemas.openxmlformats.org/officeDocument/2006/relationships" type="downArrow" r:blip="">
+                            <dgm:adjLst>
+                              <dgm:adj idx="1" val="0.55"/>
+                              <dgm:adj idx="2" val="0.45"/>
+                            </dgm:adjLst>
+                          </dgm:shape>
+                          <dgm:presOf axis="ch" ptType="sibTrans" st="4" cnt="1"/>
+                          <dgm:constrLst>
+                            <dgm:constr type="lMarg" refType="primFontSz" fact="0.1"/>
+                            <dgm:constr type="rMarg" refType="primFontSz" fact="0.1"/>
+                            <dgm:constr type="tMarg" refType="primFontSz" fact="0.1"/>
+                            <dgm:constr type="bMarg" refType="primFontSz" fact="0.1"/>
+                          </dgm:constrLst>
+                          <dgm:ruleLst>
+                            <dgm:rule type="primFontSz" val="5" fact="NaN" max="NaN"/>
+                          </dgm:ruleLst>
+                        </dgm:layoutNode>
+                        <dgm:layoutNode name="FiveNodes_1_text">
+                          <dgm:varLst>
+                            <dgm:bulletEnabled val="1"/>
+                          </dgm:varLst>
+                          <dgm:alg type="tx">
+                            <dgm:param type="parTxLTRAlign" val="l"/>
+                            <dgm:param type="txAnchorVertCh" val="mid"/>
+                          </dgm:alg>
+                          <dgm:shape xmlns:r="http://schemas.openxmlformats.org/officeDocument/2006/relationships" type="roundRect" r:blip="" hideGeom="1">
+                            <dgm:adjLst>
+                              <dgm:adj idx="1" val="0.1"/>
+                            </dgm:adjLst>
+                          </dgm:shape>
+                          <dgm:presOf axis="ch desOrSelf" ptType="node node" st="1 1" cnt="1 0"/>
+                          <dgm:constrLst>
+                            <dgm:constr type="lMarg" refType="primFontSz" fact="0.3"/>
+                            <dgm:constr type="rMarg" refType="primFontSz" fact="0.3"/>
+                            <dgm:constr type="tMarg" refType="primFontSz" fact="0.3"/>
+                            <dgm:constr type="bMarg" refType="primFontSz" fact="0.3"/>
+                          </dgm:constrLst>
+                          <dgm:ruleLst>
+                            <dgm:rule type="primFontSz" val="5" fact="NaN" max="NaN"/>
+                          </dgm:ruleLst>
+                        </dgm:layoutNode>
+                        <dgm:layoutNode name="FiveNodes_2_text">
+                          <dgm:varLst>
+                            <dgm:bulletEnabled val="1"/>
+                          </dgm:varLst>
+                          <dgm:alg type="tx">
+                            <dgm:param type="parTxLTRAlign" val="l"/>
+                            <dgm:param type="txAnchorVertCh" val="mid"/>
+                          </dgm:alg>
+                          <dgm:shape xmlns:r="http://schemas.openxmlformats.org/officeDocument/2006/relationships" type="roundRect" r:blip="" hideGeom="1">
+                            <dgm:adjLst>
+                              <dgm:adj idx="1" val="0.1"/>
+                            </dgm:adjLst>
+                          </dgm:shape>
+                          <dgm:presOf axis="ch desOrSelf" ptType="node node" st="2 1" cnt="1 0"/>
+                          <dgm:constrLst>
+                            <dgm:constr type="lMarg" refType="primFontSz" fact="0.3"/>
+                            <dgm:constr type="rMarg" refType="primFontSz" fact="0.3"/>
+                            <dgm:constr type="tMarg" refType="primFontSz" fact="0.3"/>
+                            <dgm:constr type="bMarg" refType="primFontSz" fact="0.3"/>
+                          </dgm:constrLst>
+                          <dgm:ruleLst>
+                            <dgm:rule type="primFontSz" val="5" fact="NaN" max="NaN"/>
+                          </dgm:ruleLst>
+                        </dgm:layoutNode>
+                        <dgm:layoutNode name="FiveNodes_3_text">
+                          <dgm:varLst>
+                            <dgm:bulletEnabled val="1"/>
+                          </dgm:varLst>
+                          <dgm:alg type="tx">
+                            <dgm:param type="parTxLTRAlign" val="l"/>
+                            <dgm:param type="txAnchorVertCh" val="mid"/>
+                          </dgm:alg>
+                          <dgm:shape xmlns:r="http://schemas.openxmlformats.org/officeDocument/2006/relationships" type="roundRect" r:blip="" hideGeom="1">
+                            <dgm:adjLst>
+                              <dgm:adj idx="1" val="0.1"/>
+                            </dgm:adjLst>
+                          </dgm:shape>
+                          <dgm:presOf axis="ch desOrSelf" ptType="node node" st="3 1" cnt="1 0"/>
+                          <dgm:constrLst>
+                            <dgm:constr type="lMarg" refType="primFontSz" fact="0.3"/>
+                            <dgm:constr type="rMarg" refType="primFontSz" fact="0.3"/>
+                            <dgm:constr type="tMarg" refType="primFontSz" fact="0.3"/>
+                            <dgm:constr type="bMarg" refType="primFontSz" fact="0.3"/>
+                          </dgm:constrLst>
+                          <dgm:ruleLst>
+                            <dgm:rule type="primFontSz" val="5" fact="NaN" max="NaN"/>
+                          </dgm:ruleLst>
+                        </dgm:layoutNode>
+                        <dgm:layoutNode name="FiveNodes_4_text">
+                          <dgm:varLst>
+                            <dgm:bulletEnabled val="1"/>
+                          </dgm:varLst>
+                          <dgm:alg type="tx">
+                            <dgm:param type="parTxLTRAlign" val="l"/>
+                            <dgm:param type="txAnchorVertCh" val="mid"/>
+                          </dgm:alg>
+                          <dgm:shape xmlns:r="http://schemas.openxmlformats.org/officeDocument/2006/relationships" type="roundRect" r:blip="" hideGeom="1">
+                            <dgm:adjLst>
+                              <dgm:adj idx="1" val="0.1"/>
+                            </dgm:adjLst>
+                          </dgm:shape>
+                          <dgm:presOf axis="ch desOrSelf" ptType="node node" st="4 1" cnt="1 0"/>
+                          <dgm:constrLst>
+                            <dgm:constr type="lMarg" refType="primFontSz" fact="0.3"/>
+                            <dgm:constr type="rMarg" refType="primFontSz" fact="0.3"/>
+                            <dgm:constr type="tMarg" refType="primFontSz" fact="0.3"/>
+                            <dgm:constr type="bMarg" refType="primFontSz" fact="0.3"/>
+                          </dgm:constrLst>
+                          <dgm:ruleLst>
+                            <dgm:rule type="primFontSz" val="5" fact="NaN" max="NaN"/>
+                          </dgm:ruleLst>
+                        </dgm:layoutNode>
+                        <dgm:layoutNode name="FiveNodes_5_text">
+                          <dgm:varLst>
+                            <dgm:bulletEnabled val="1"/>
+                          </dgm:varLst>
+                          <dgm:alg type="tx">
+                            <dgm:param type="parTxLTRAlign" val="l"/>
+                            <dgm:param type="txAnchorVertCh" val="mid"/>
+                          </dgm:alg>
+                          <dgm:shape xmlns:r="http://schemas.openxmlformats.org/officeDocument/2006/relationships" type="roundRect" r:blip="" hideGeom="1">
+                            <dgm:adjLst>
+                              <dgm:adj idx="1" val="0.1"/>
+                            </dgm:adjLst>
+                          </dgm:shape>
+                          <dgm:presOf axis="ch desOrSelf" ptType="node node" st="5 1" cnt="1 0"/>
+                          <dgm:constrLst>
+                            <dgm:constr type="lMarg" refType="primFontSz" fact="0.3"/>
+                            <dgm:constr type="rMarg" refType="primFontSz" fact="0.3"/>
+                            <dgm:constr type="tMarg" refType="primFontSz" fact="0.3"/>
+                            <dgm:constr type="bMarg" refType="primFontSz" fact="0.3"/>
+                          </dgm:constrLst>
+                          <dgm:ruleLst>
+                            <dgm:rule type="primFontSz" val="5" fact="NaN" max="NaN"/>
+                          </dgm:ruleLst>
+                        </dgm:layoutNode>
+                      </dgm:if>
+                      <dgm:else name="Name17"/>
+                    </dgm:choose>
+                  </dgm:else>
+                </dgm:choose>
+              </dgm:else>
+            </dgm:choose>
+          </dgm:else>
+        </dgm:choose>
+      </dgm:else>
+    </dgm:choose>
   </dgm:layoutNode>
 </dgm:layoutDef>
 </file>
@@ -7904,6 +10883,1040 @@
 </file>
 
 <file path=ppt/diagrams/quickStyle3.xml><?xml version="1.0" encoding="utf-8"?>
+<dgm:styleDef xmlns:dgm="http://schemas.openxmlformats.org/drawingml/2006/diagram" xmlns:a="http://schemas.openxmlformats.org/drawingml/2006/main" uniqueId="urn:microsoft.com/office/officeart/2005/8/quickstyle/simple1">
+  <dgm:title val=""/>
+  <dgm:desc val=""/>
+  <dgm:catLst>
+    <dgm:cat type="simple" pri="10100"/>
+  </dgm:catLst>
+  <dgm:scene3d>
+    <a:camera prst="orthographicFront"/>
+    <a:lightRig rig="threePt" dir="t"/>
+  </dgm:scene3d>
+  <dgm:styleLbl name="node0">
+    <dgm:scene3d>
+      <a:camera prst="orthographicFront"/>
+      <a:lightRig rig="threePt" dir="t"/>
+    </dgm:scene3d>
+    <dgm:sp3d/>
+    <dgm:txPr/>
+    <dgm:style>
+      <a:lnRef idx="2">
+        <a:scrgbClr r="0" g="0" b="0"/>
+      </a:lnRef>
+      <a:fillRef idx="1">
+        <a:scrgbClr r="0" g="0" b="0"/>
+      </a:fillRef>
+      <a:effectRef idx="0">
+        <a:scrgbClr r="0" g="0" b="0"/>
+      </a:effectRef>
+      <a:fontRef idx="minor">
+        <a:schemeClr val="lt1"/>
+      </a:fontRef>
+    </dgm:style>
+  </dgm:styleLbl>
+  <dgm:styleLbl name="lnNode1">
+    <dgm:scene3d>
+      <a:camera prst="orthographicFront"/>
+      <a:lightRig rig="threePt" dir="t"/>
+    </dgm:scene3d>
+    <dgm:sp3d/>
+    <dgm:txPr/>
+    <dgm:style>
+      <a:lnRef idx="2">
+        <a:scrgbClr r="0" g="0" b="0"/>
+      </a:lnRef>
+      <a:fillRef idx="1">
+        <a:scrgbClr r="0" g="0" b="0"/>
+      </a:fillRef>
+      <a:effectRef idx="0">
+        <a:scrgbClr r="0" g="0" b="0"/>
+      </a:effectRef>
+      <a:fontRef idx="minor">
+        <a:schemeClr val="lt1"/>
+      </a:fontRef>
+    </dgm:style>
+  </dgm:styleLbl>
+  <dgm:styleLbl name="vennNode1">
+    <dgm:scene3d>
+      <a:camera prst="orthographicFront"/>
+      <a:lightRig rig="threePt" dir="t"/>
+    </dgm:scene3d>
+    <dgm:sp3d/>
+    <dgm:txPr/>
+    <dgm:style>
+      <a:lnRef idx="2">
+        <a:scrgbClr r="0" g="0" b="0"/>
+      </a:lnRef>
+      <a:fillRef idx="1">
+        <a:scrgbClr r="0" g="0" b="0"/>
+      </a:fillRef>
+      <a:effectRef idx="0">
+        <a:scrgbClr r="0" g="0" b="0"/>
+      </a:effectRef>
+      <a:fontRef idx="minor">
+        <a:schemeClr val="tx1"/>
+      </a:fontRef>
+    </dgm:style>
+  </dgm:styleLbl>
+  <dgm:styleLbl name="alignNode1">
+    <dgm:scene3d>
+      <a:camera prst="orthographicFront"/>
+      <a:lightRig rig="threePt" dir="t"/>
+    </dgm:scene3d>
+    <dgm:sp3d/>
+    <dgm:txPr/>
+    <dgm:style>
+      <a:lnRef idx="2">
+        <a:scrgbClr r="0" g="0" b="0"/>
+      </a:lnRef>
+      <a:fillRef idx="1">
+        <a:scrgbClr r="0" g="0" b="0"/>
+      </a:fillRef>
+      <a:effectRef idx="0">
+        <a:scrgbClr r="0" g="0" b="0"/>
+      </a:effectRef>
+      <a:fontRef idx="minor">
+        <a:schemeClr val="lt1"/>
+      </a:fontRef>
+    </dgm:style>
+  </dgm:styleLbl>
+  <dgm:styleLbl name="node1">
+    <dgm:scene3d>
+      <a:camera prst="orthographicFront"/>
+      <a:lightRig rig="threePt" dir="t"/>
+    </dgm:scene3d>
+    <dgm:sp3d/>
+    <dgm:txPr/>
+    <dgm:style>
+      <a:lnRef idx="2">
+        <a:scrgbClr r="0" g="0" b="0"/>
+      </a:lnRef>
+      <a:fillRef idx="1">
+        <a:scrgbClr r="0" g="0" b="0"/>
+      </a:fillRef>
+      <a:effectRef idx="0">
+        <a:scrgbClr r="0" g="0" b="0"/>
+      </a:effectRef>
+      <a:fontRef idx="minor">
+        <a:schemeClr val="lt1"/>
+      </a:fontRef>
+    </dgm:style>
+  </dgm:styleLbl>
+  <dgm:styleLbl name="node2">
+    <dgm:scene3d>
+      <a:camera prst="orthographicFront"/>
+      <a:lightRig rig="threePt" dir="t"/>
+    </dgm:scene3d>
+    <dgm:sp3d/>
+    <dgm:txPr/>
+    <dgm:style>
+      <a:lnRef idx="2">
+        <a:scrgbClr r="0" g="0" b="0"/>
+      </a:lnRef>
+      <a:fillRef idx="1">
+        <a:scrgbClr r="0" g="0" b="0"/>
+      </a:fillRef>
+      <a:effectRef idx="0">
+        <a:scrgbClr r="0" g="0" b="0"/>
+      </a:effectRef>
+      <a:fontRef idx="minor">
+        <a:schemeClr val="lt1"/>
+      </a:fontRef>
+    </dgm:style>
+  </dgm:styleLbl>
+  <dgm:styleLbl name="node3">
+    <dgm:scene3d>
+      <a:camera prst="orthographicFront"/>
+      <a:lightRig rig="threePt" dir="t"/>
+    </dgm:scene3d>
+    <dgm:sp3d/>
+    <dgm:txPr/>
+    <dgm:style>
+      <a:lnRef idx="2">
+        <a:scrgbClr r="0" g="0" b="0"/>
+      </a:lnRef>
+      <a:fillRef idx="1">
+        <a:scrgbClr r="0" g="0" b="0"/>
+      </a:fillRef>
+      <a:effectRef idx="0">
+        <a:scrgbClr r="0" g="0" b="0"/>
+      </a:effectRef>
+      <a:fontRef idx="minor">
+        <a:schemeClr val="lt1"/>
+      </a:fontRef>
+    </dgm:style>
+  </dgm:styleLbl>
+  <dgm:styleLbl name="node4">
+    <dgm:scene3d>
+      <a:camera prst="orthographicFront"/>
+      <a:lightRig rig="threePt" dir="t"/>
+    </dgm:scene3d>
+    <dgm:sp3d/>
+    <dgm:txPr/>
+    <dgm:style>
+      <a:lnRef idx="2">
+        <a:scrgbClr r="0" g="0" b="0"/>
+      </a:lnRef>
+      <a:fillRef idx="1">
+        <a:scrgbClr r="0" g="0" b="0"/>
+      </a:fillRef>
+      <a:effectRef idx="0">
+        <a:scrgbClr r="0" g="0" b="0"/>
+      </a:effectRef>
+      <a:fontRef idx="minor">
+        <a:schemeClr val="lt1"/>
+      </a:fontRef>
+    </dgm:style>
+  </dgm:styleLbl>
+  <dgm:styleLbl name="fgImgPlace1">
+    <dgm:scene3d>
+      <a:camera prst="orthographicFront"/>
+      <a:lightRig rig="threePt" dir="t"/>
+    </dgm:scene3d>
+    <dgm:sp3d/>
+    <dgm:txPr/>
+    <dgm:style>
+      <a:lnRef idx="2">
+        <a:scrgbClr r="0" g="0" b="0"/>
+      </a:lnRef>
+      <a:fillRef idx="1">
+        <a:scrgbClr r="0" g="0" b="0"/>
+      </a:fillRef>
+      <a:effectRef idx="0">
+        <a:scrgbClr r="0" g="0" b="0"/>
+      </a:effectRef>
+      <a:fontRef idx="minor"/>
+    </dgm:style>
+  </dgm:styleLbl>
+  <dgm:styleLbl name="alignImgPlace1">
+    <dgm:scene3d>
+      <a:camera prst="orthographicFront"/>
+      <a:lightRig rig="threePt" dir="t"/>
+    </dgm:scene3d>
+    <dgm:sp3d/>
+    <dgm:txPr/>
+    <dgm:style>
+      <a:lnRef idx="2">
+        <a:scrgbClr r="0" g="0" b="0"/>
+      </a:lnRef>
+      <a:fillRef idx="1">
+        <a:scrgbClr r="0" g="0" b="0"/>
+      </a:fillRef>
+      <a:effectRef idx="0">
+        <a:scrgbClr r="0" g="0" b="0"/>
+      </a:effectRef>
+      <a:fontRef idx="minor"/>
+    </dgm:style>
+  </dgm:styleLbl>
+  <dgm:styleLbl name="bgImgPlace1">
+    <dgm:scene3d>
+      <a:camera prst="orthographicFront"/>
+      <a:lightRig rig="threePt" dir="t"/>
+    </dgm:scene3d>
+    <dgm:sp3d/>
+    <dgm:txPr/>
+    <dgm:style>
+      <a:lnRef idx="2">
+        <a:scrgbClr r="0" g="0" b="0"/>
+      </a:lnRef>
+      <a:fillRef idx="1">
+        <a:scrgbClr r="0" g="0" b="0"/>
+      </a:fillRef>
+      <a:effectRef idx="0">
+        <a:scrgbClr r="0" g="0" b="0"/>
+      </a:effectRef>
+      <a:fontRef idx="minor"/>
+    </dgm:style>
+  </dgm:styleLbl>
+  <dgm:styleLbl name="sibTrans2D1">
+    <dgm:scene3d>
+      <a:camera prst="orthographicFront"/>
+      <a:lightRig rig="threePt" dir="t"/>
+    </dgm:scene3d>
+    <dgm:sp3d/>
+    <dgm:txPr/>
+    <dgm:style>
+      <a:lnRef idx="0">
+        <a:scrgbClr r="0" g="0" b="0"/>
+      </a:lnRef>
+      <a:fillRef idx="1">
+        <a:scrgbClr r="0" g="0" b="0"/>
+      </a:fillRef>
+      <a:effectRef idx="0">
+        <a:scrgbClr r="0" g="0" b="0"/>
+      </a:effectRef>
+      <a:fontRef idx="minor">
+        <a:schemeClr val="lt1"/>
+      </a:fontRef>
+    </dgm:style>
+  </dgm:styleLbl>
+  <dgm:styleLbl name="fgSibTrans2D1">
+    <dgm:scene3d>
+      <a:camera prst="orthographicFront"/>
+      <a:lightRig rig="threePt" dir="t"/>
+    </dgm:scene3d>
+    <dgm:sp3d/>
+    <dgm:txPr/>
+    <dgm:style>
+      <a:lnRef idx="0">
+        <a:scrgbClr r="0" g="0" b="0"/>
+      </a:lnRef>
+      <a:fillRef idx="1">
+        <a:scrgbClr r="0" g="0" b="0"/>
+      </a:fillRef>
+      <a:effectRef idx="0">
+        <a:scrgbClr r="0" g="0" b="0"/>
+      </a:effectRef>
+      <a:fontRef idx="minor">
+        <a:schemeClr val="lt1"/>
+      </a:fontRef>
+    </dgm:style>
+  </dgm:styleLbl>
+  <dgm:styleLbl name="bgSibTrans2D1">
+    <dgm:scene3d>
+      <a:camera prst="orthographicFront"/>
+      <a:lightRig rig="threePt" dir="t"/>
+    </dgm:scene3d>
+    <dgm:sp3d/>
+    <dgm:txPr/>
+    <dgm:style>
+      <a:lnRef idx="0">
+        <a:scrgbClr r="0" g="0" b="0"/>
+      </a:lnRef>
+      <a:fillRef idx="1">
+        <a:scrgbClr r="0" g="0" b="0"/>
+      </a:fillRef>
+      <a:effectRef idx="0">
+        <a:scrgbClr r="0" g="0" b="0"/>
+      </a:effectRef>
+      <a:fontRef idx="minor">
+        <a:schemeClr val="lt1"/>
+      </a:fontRef>
+    </dgm:style>
+  </dgm:styleLbl>
+  <dgm:styleLbl name="sibTrans1D1">
+    <dgm:scene3d>
+      <a:camera prst="orthographicFront"/>
+      <a:lightRig rig="threePt" dir="t"/>
+    </dgm:scene3d>
+    <dgm:sp3d/>
+    <dgm:txPr/>
+    <dgm:style>
+      <a:lnRef idx="1">
+        <a:scrgbClr r="0" g="0" b="0"/>
+      </a:lnRef>
+      <a:fillRef idx="0">
+        <a:scrgbClr r="0" g="0" b="0"/>
+      </a:fillRef>
+      <a:effectRef idx="0">
+        <a:scrgbClr r="0" g="0" b="0"/>
+      </a:effectRef>
+      <a:fontRef idx="minor"/>
+    </dgm:style>
+  </dgm:styleLbl>
+  <dgm:styleLbl name="callout">
+    <dgm:scene3d>
+      <a:camera prst="orthographicFront"/>
+      <a:lightRig rig="threePt" dir="t"/>
+    </dgm:scene3d>
+    <dgm:sp3d/>
+    <dgm:txPr/>
+    <dgm:style>
+      <a:lnRef idx="2">
+        <a:scrgbClr r="0" g="0" b="0"/>
+      </a:lnRef>
+      <a:fillRef idx="1">
+        <a:scrgbClr r="0" g="0" b="0"/>
+      </a:fillRef>
+      <a:effectRef idx="0">
+        <a:scrgbClr r="0" g="0" b="0"/>
+      </a:effectRef>
+      <a:fontRef idx="minor"/>
+    </dgm:style>
+  </dgm:styleLbl>
+  <dgm:styleLbl name="asst0">
+    <dgm:scene3d>
+      <a:camera prst="orthographicFront"/>
+      <a:lightRig rig="threePt" dir="t"/>
+    </dgm:scene3d>
+    <dgm:sp3d/>
+    <dgm:txPr/>
+    <dgm:style>
+      <a:lnRef idx="2">
+        <a:scrgbClr r="0" g="0" b="0"/>
+      </a:lnRef>
+      <a:fillRef idx="1">
+        <a:scrgbClr r="0" g="0" b="0"/>
+      </a:fillRef>
+      <a:effectRef idx="0">
+        <a:scrgbClr r="0" g="0" b="0"/>
+      </a:effectRef>
+      <a:fontRef idx="minor">
+        <a:schemeClr val="lt1"/>
+      </a:fontRef>
+    </dgm:style>
+  </dgm:styleLbl>
+  <dgm:styleLbl name="asst1">
+    <dgm:scene3d>
+      <a:camera prst="orthographicFront"/>
+      <a:lightRig rig="threePt" dir="t"/>
+    </dgm:scene3d>
+    <dgm:sp3d/>
+    <dgm:txPr/>
+    <dgm:style>
+      <a:lnRef idx="2">
+        <a:scrgbClr r="0" g="0" b="0"/>
+      </a:lnRef>
+      <a:fillRef idx="1">
+        <a:scrgbClr r="0" g="0" b="0"/>
+      </a:fillRef>
+      <a:effectRef idx="0">
+        <a:scrgbClr r="0" g="0" b="0"/>
+      </a:effectRef>
+      <a:fontRef idx="minor">
+        <a:schemeClr val="lt1"/>
+      </a:fontRef>
+    </dgm:style>
+  </dgm:styleLbl>
+  <dgm:styleLbl name="asst2">
+    <dgm:scene3d>
+      <a:camera prst="orthographicFront"/>
+      <a:lightRig rig="threePt" dir="t"/>
+    </dgm:scene3d>
+    <dgm:sp3d/>
+    <dgm:txPr/>
+    <dgm:style>
+      <a:lnRef idx="2">
+        <a:scrgbClr r="0" g="0" b="0"/>
+      </a:lnRef>
+      <a:fillRef idx="1">
+        <a:scrgbClr r="0" g="0" b="0"/>
+      </a:fillRef>
+      <a:effectRef idx="0">
+        <a:scrgbClr r="0" g="0" b="0"/>
+      </a:effectRef>
+      <a:fontRef idx="minor">
+        <a:schemeClr val="lt1"/>
+      </a:fontRef>
+    </dgm:style>
+  </dgm:styleLbl>
+  <dgm:styleLbl name="asst3">
+    <dgm:scene3d>
+      <a:camera prst="orthographicFront"/>
+      <a:lightRig rig="threePt" dir="t"/>
+    </dgm:scene3d>
+    <dgm:sp3d/>
+    <dgm:txPr/>
+    <dgm:style>
+      <a:lnRef idx="2">
+        <a:scrgbClr r="0" g="0" b="0"/>
+      </a:lnRef>
+      <a:fillRef idx="1">
+        <a:scrgbClr r="0" g="0" b="0"/>
+      </a:fillRef>
+      <a:effectRef idx="0">
+        <a:scrgbClr r="0" g="0" b="0"/>
+      </a:effectRef>
+      <a:fontRef idx="minor">
+        <a:schemeClr val="lt1"/>
+      </a:fontRef>
+    </dgm:style>
+  </dgm:styleLbl>
+  <dgm:styleLbl name="asst4">
+    <dgm:scene3d>
+      <a:camera prst="orthographicFront"/>
+      <a:lightRig rig="threePt" dir="t"/>
+    </dgm:scene3d>
+    <dgm:sp3d/>
+    <dgm:txPr/>
+    <dgm:style>
+      <a:lnRef idx="2">
+        <a:scrgbClr r="0" g="0" b="0"/>
+      </a:lnRef>
+      <a:fillRef idx="1">
+        <a:scrgbClr r="0" g="0" b="0"/>
+      </a:fillRef>
+      <a:effectRef idx="0">
+        <a:scrgbClr r="0" g="0" b="0"/>
+      </a:effectRef>
+      <a:fontRef idx="minor">
+        <a:schemeClr val="lt1"/>
+      </a:fontRef>
+    </dgm:style>
+  </dgm:styleLbl>
+  <dgm:styleLbl name="parChTrans2D1">
+    <dgm:scene3d>
+      <a:camera prst="orthographicFront"/>
+      <a:lightRig rig="threePt" dir="t"/>
+    </dgm:scene3d>
+    <dgm:sp3d/>
+    <dgm:txPr/>
+    <dgm:style>
+      <a:lnRef idx="2">
+        <a:scrgbClr r="0" g="0" b="0"/>
+      </a:lnRef>
+      <a:fillRef idx="1">
+        <a:scrgbClr r="0" g="0" b="0"/>
+      </a:fillRef>
+      <a:effectRef idx="0">
+        <a:scrgbClr r="0" g="0" b="0"/>
+      </a:effectRef>
+      <a:fontRef idx="minor">
+        <a:schemeClr val="lt1"/>
+      </a:fontRef>
+    </dgm:style>
+  </dgm:styleLbl>
+  <dgm:styleLbl name="parChTrans2D2">
+    <dgm:scene3d>
+      <a:camera prst="orthographicFront"/>
+      <a:lightRig rig="threePt" dir="t"/>
+    </dgm:scene3d>
+    <dgm:sp3d/>
+    <dgm:txPr/>
+    <dgm:style>
+      <a:lnRef idx="2">
+        <a:scrgbClr r="0" g="0" b="0"/>
+      </a:lnRef>
+      <a:fillRef idx="1">
+        <a:scrgbClr r="0" g="0" b="0"/>
+      </a:fillRef>
+      <a:effectRef idx="0">
+        <a:scrgbClr r="0" g="0" b="0"/>
+      </a:effectRef>
+      <a:fontRef idx="minor">
+        <a:schemeClr val="lt1"/>
+      </a:fontRef>
+    </dgm:style>
+  </dgm:styleLbl>
+  <dgm:styleLbl name="parChTrans2D3">
+    <dgm:scene3d>
+      <a:camera prst="orthographicFront"/>
+      <a:lightRig rig="threePt" dir="t"/>
+    </dgm:scene3d>
+    <dgm:sp3d/>
+    <dgm:txPr/>
+    <dgm:style>
+      <a:lnRef idx="2">
+        <a:scrgbClr r="0" g="0" b="0"/>
+      </a:lnRef>
+      <a:fillRef idx="1">
+        <a:scrgbClr r="0" g="0" b="0"/>
+      </a:fillRef>
+      <a:effectRef idx="0">
+        <a:scrgbClr r="0" g="0" b="0"/>
+      </a:effectRef>
+      <a:fontRef idx="minor">
+        <a:schemeClr val="lt1"/>
+      </a:fontRef>
+    </dgm:style>
+  </dgm:styleLbl>
+  <dgm:styleLbl name="parChTrans2D4">
+    <dgm:scene3d>
+      <a:camera prst="orthographicFront"/>
+      <a:lightRig rig="threePt" dir="t"/>
+    </dgm:scene3d>
+    <dgm:sp3d/>
+    <dgm:txPr/>
+    <dgm:style>
+      <a:lnRef idx="2">
+        <a:scrgbClr r="0" g="0" b="0"/>
+      </a:lnRef>
+      <a:fillRef idx="1">
+        <a:scrgbClr r="0" g="0" b="0"/>
+      </a:fillRef>
+      <a:effectRef idx="0">
+        <a:scrgbClr r="0" g="0" b="0"/>
+      </a:effectRef>
+      <a:fontRef idx="minor">
+        <a:schemeClr val="lt1"/>
+      </a:fontRef>
+    </dgm:style>
+  </dgm:styleLbl>
+  <dgm:styleLbl name="parChTrans1D1">
+    <dgm:scene3d>
+      <a:camera prst="orthographicFront"/>
+      <a:lightRig rig="threePt" dir="t"/>
+    </dgm:scene3d>
+    <dgm:sp3d/>
+    <dgm:txPr/>
+    <dgm:style>
+      <a:lnRef idx="2">
+        <a:scrgbClr r="0" g="0" b="0"/>
+      </a:lnRef>
+      <a:fillRef idx="0">
+        <a:scrgbClr r="0" g="0" b="0"/>
+      </a:fillRef>
+      <a:effectRef idx="0">
+        <a:scrgbClr r="0" g="0" b="0"/>
+      </a:effectRef>
+      <a:fontRef idx="minor"/>
+    </dgm:style>
+  </dgm:styleLbl>
+  <dgm:styleLbl name="parChTrans1D2">
+    <dgm:scene3d>
+      <a:camera prst="orthographicFront"/>
+      <a:lightRig rig="threePt" dir="t"/>
+    </dgm:scene3d>
+    <dgm:sp3d/>
+    <dgm:txPr/>
+    <dgm:style>
+      <a:lnRef idx="2">
+        <a:scrgbClr r="0" g="0" b="0"/>
+      </a:lnRef>
+      <a:fillRef idx="0">
+        <a:scrgbClr r="0" g="0" b="0"/>
+      </a:fillRef>
+      <a:effectRef idx="0">
+        <a:scrgbClr r="0" g="0" b="0"/>
+      </a:effectRef>
+      <a:fontRef idx="minor"/>
+    </dgm:style>
+  </dgm:styleLbl>
+  <dgm:styleLbl name="parChTrans1D3">
+    <dgm:scene3d>
+      <a:camera prst="orthographicFront"/>
+      <a:lightRig rig="threePt" dir="t"/>
+    </dgm:scene3d>
+    <dgm:sp3d/>
+    <dgm:txPr/>
+    <dgm:style>
+      <a:lnRef idx="2">
+        <a:scrgbClr r="0" g="0" b="0"/>
+      </a:lnRef>
+      <a:fillRef idx="0">
+        <a:scrgbClr r="0" g="0" b="0"/>
+      </a:fillRef>
+      <a:effectRef idx="0">
+        <a:scrgbClr r="0" g="0" b="0"/>
+      </a:effectRef>
+      <a:fontRef idx="minor"/>
+    </dgm:style>
+  </dgm:styleLbl>
+  <dgm:styleLbl name="parChTrans1D4">
+    <dgm:scene3d>
+      <a:camera prst="orthographicFront"/>
+      <a:lightRig rig="threePt" dir="t"/>
+    </dgm:scene3d>
+    <dgm:sp3d/>
+    <dgm:txPr/>
+    <dgm:style>
+      <a:lnRef idx="2">
+        <a:scrgbClr r="0" g="0" b="0"/>
+      </a:lnRef>
+      <a:fillRef idx="0">
+        <a:scrgbClr r="0" g="0" b="0"/>
+      </a:fillRef>
+      <a:effectRef idx="0">
+        <a:scrgbClr r="0" g="0" b="0"/>
+      </a:effectRef>
+      <a:fontRef idx="minor"/>
+    </dgm:style>
+  </dgm:styleLbl>
+  <dgm:styleLbl name="fgAcc1">
+    <dgm:scene3d>
+      <a:camera prst="orthographicFront"/>
+      <a:lightRig rig="threePt" dir="t"/>
+    </dgm:scene3d>
+    <dgm:sp3d/>
+    <dgm:txPr/>
+    <dgm:style>
+      <a:lnRef idx="2">
+        <a:scrgbClr r="0" g="0" b="0"/>
+      </a:lnRef>
+      <a:fillRef idx="1">
+        <a:scrgbClr r="0" g="0" b="0"/>
+      </a:fillRef>
+      <a:effectRef idx="0">
+        <a:scrgbClr r="0" g="0" b="0"/>
+      </a:effectRef>
+      <a:fontRef idx="minor"/>
+    </dgm:style>
+  </dgm:styleLbl>
+  <dgm:styleLbl name="conFgAcc1">
+    <dgm:scene3d>
+      <a:camera prst="orthographicFront"/>
+      <a:lightRig rig="threePt" dir="t"/>
+    </dgm:scene3d>
+    <dgm:sp3d/>
+    <dgm:txPr/>
+    <dgm:style>
+      <a:lnRef idx="2">
+        <a:scrgbClr r="0" g="0" b="0"/>
+      </a:lnRef>
+      <a:fillRef idx="1">
+        <a:scrgbClr r="0" g="0" b="0"/>
+      </a:fillRef>
+      <a:effectRef idx="0">
+        <a:scrgbClr r="0" g="0" b="0"/>
+      </a:effectRef>
+      <a:fontRef idx="minor"/>
+    </dgm:style>
+  </dgm:styleLbl>
+  <dgm:styleLbl name="alignAcc1">
+    <dgm:scene3d>
+      <a:camera prst="orthographicFront"/>
+      <a:lightRig rig="threePt" dir="t"/>
+    </dgm:scene3d>
+    <dgm:sp3d/>
+    <dgm:txPr/>
+    <dgm:style>
+      <a:lnRef idx="2">
+        <a:scrgbClr r="0" g="0" b="0"/>
+      </a:lnRef>
+      <a:fillRef idx="1">
+        <a:scrgbClr r="0" g="0" b="0"/>
+      </a:fillRef>
+      <a:effectRef idx="0">
+        <a:scrgbClr r="0" g="0" b="0"/>
+      </a:effectRef>
+      <a:fontRef idx="minor"/>
+    </dgm:style>
+  </dgm:styleLbl>
+  <dgm:styleLbl name="trAlignAcc1">
+    <dgm:scene3d>
+      <a:camera prst="orthographicFront"/>
+      <a:lightRig rig="threePt" dir="t"/>
+    </dgm:scene3d>
+    <dgm:sp3d/>
+    <dgm:txPr/>
+    <dgm:style>
+      <a:lnRef idx="1">
+        <a:scrgbClr r="0" g="0" b="0"/>
+      </a:lnRef>
+      <a:fillRef idx="1">
+        <a:scrgbClr r="0" g="0" b="0"/>
+      </a:fillRef>
+      <a:effectRef idx="0">
+        <a:scrgbClr r="0" g="0" b="0"/>
+      </a:effectRef>
+      <a:fontRef idx="minor"/>
+    </dgm:style>
+  </dgm:styleLbl>
+  <dgm:styleLbl name="bgAcc1">
+    <dgm:scene3d>
+      <a:camera prst="orthographicFront"/>
+      <a:lightRig rig="threePt" dir="t"/>
+    </dgm:scene3d>
+    <dgm:sp3d/>
+    <dgm:txPr/>
+    <dgm:style>
+      <a:lnRef idx="2">
+        <a:scrgbClr r="0" g="0" b="0"/>
+      </a:lnRef>
+      <a:fillRef idx="1">
+        <a:scrgbClr r="0" g="0" b="0"/>
+      </a:fillRef>
+      <a:effectRef idx="0">
+        <a:scrgbClr r="0" g="0" b="0"/>
+      </a:effectRef>
+      <a:fontRef idx="minor"/>
+    </dgm:style>
+  </dgm:styleLbl>
+  <dgm:styleLbl name="solidFgAcc1">
+    <dgm:scene3d>
+      <a:camera prst="orthographicFront"/>
+      <a:lightRig rig="threePt" dir="t"/>
+    </dgm:scene3d>
+    <dgm:sp3d/>
+    <dgm:txPr/>
+    <dgm:style>
+      <a:lnRef idx="2">
+        <a:scrgbClr r="0" g="0" b="0"/>
+      </a:lnRef>
+      <a:fillRef idx="1">
+        <a:scrgbClr r="0" g="0" b="0"/>
+      </a:fillRef>
+      <a:effectRef idx="0">
+        <a:scrgbClr r="0" g="0" b="0"/>
+      </a:effectRef>
+      <a:fontRef idx="minor"/>
+    </dgm:style>
+  </dgm:styleLbl>
+  <dgm:styleLbl name="solidAlignAcc1">
+    <dgm:scene3d>
+      <a:camera prst="orthographicFront"/>
+      <a:lightRig rig="threePt" dir="t"/>
+    </dgm:scene3d>
+    <dgm:sp3d/>
+    <dgm:txPr/>
+    <dgm:style>
+      <a:lnRef idx="2">
+        <a:scrgbClr r="0" g="0" b="0"/>
+      </a:lnRef>
+      <a:fillRef idx="1">
+        <a:scrgbClr r="0" g="0" b="0"/>
+      </a:fillRef>
+      <a:effectRef idx="0">
+        <a:scrgbClr r="0" g="0" b="0"/>
+      </a:effectRef>
+      <a:fontRef idx="minor"/>
+    </dgm:style>
+  </dgm:styleLbl>
+  <dgm:styleLbl name="solidBgAcc1">
+    <dgm:scene3d>
+      <a:camera prst="orthographicFront"/>
+      <a:lightRig rig="threePt" dir="t"/>
+    </dgm:scene3d>
+    <dgm:sp3d/>
+    <dgm:txPr/>
+    <dgm:style>
+      <a:lnRef idx="2">
+        <a:scrgbClr r="0" g="0" b="0"/>
+      </a:lnRef>
+      <a:fillRef idx="1">
+        <a:scrgbClr r="0" g="0" b="0"/>
+      </a:fillRef>
+      <a:effectRef idx="0">
+        <a:scrgbClr r="0" g="0" b="0"/>
+      </a:effectRef>
+      <a:fontRef idx="minor"/>
+    </dgm:style>
+  </dgm:styleLbl>
+  <dgm:styleLbl name="fgAccFollowNode1">
+    <dgm:scene3d>
+      <a:camera prst="orthographicFront"/>
+      <a:lightRig rig="threePt" dir="t"/>
+    </dgm:scene3d>
+    <dgm:sp3d/>
+    <dgm:txPr/>
+    <dgm:style>
+      <a:lnRef idx="2">
+        <a:scrgbClr r="0" g="0" b="0"/>
+      </a:lnRef>
+      <a:fillRef idx="1">
+        <a:scrgbClr r="0" g="0" b="0"/>
+      </a:fillRef>
+      <a:effectRef idx="0">
+        <a:scrgbClr r="0" g="0" b="0"/>
+      </a:effectRef>
+      <a:fontRef idx="minor"/>
+    </dgm:style>
+  </dgm:styleLbl>
+  <dgm:styleLbl name="alignAccFollowNode1">
+    <dgm:scene3d>
+      <a:camera prst="orthographicFront"/>
+      <a:lightRig rig="threePt" dir="t"/>
+    </dgm:scene3d>
+    <dgm:sp3d/>
+    <dgm:txPr/>
+    <dgm:style>
+      <a:lnRef idx="2">
+        <a:scrgbClr r="0" g="0" b="0"/>
+      </a:lnRef>
+      <a:fillRef idx="1">
+        <a:scrgbClr r="0" g="0" b="0"/>
+      </a:fillRef>
+      <a:effectRef idx="0">
+        <a:scrgbClr r="0" g="0" b="0"/>
+      </a:effectRef>
+      <a:fontRef idx="minor"/>
+    </dgm:style>
+  </dgm:styleLbl>
+  <dgm:styleLbl name="bgAccFollowNode1">
+    <dgm:scene3d>
+      <a:camera prst="orthographicFront"/>
+      <a:lightRig rig="threePt" dir="t"/>
+    </dgm:scene3d>
+    <dgm:sp3d/>
+    <dgm:txPr/>
+    <dgm:style>
+      <a:lnRef idx="2">
+        <a:scrgbClr r="0" g="0" b="0"/>
+      </a:lnRef>
+      <a:fillRef idx="1">
+        <a:scrgbClr r="0" g="0" b="0"/>
+      </a:fillRef>
+      <a:effectRef idx="0">
+        <a:scrgbClr r="0" g="0" b="0"/>
+      </a:effectRef>
+      <a:fontRef idx="minor"/>
+    </dgm:style>
+  </dgm:styleLbl>
+  <dgm:styleLbl name="fgAcc0">
+    <dgm:scene3d>
+      <a:camera prst="orthographicFront"/>
+      <a:lightRig rig="threePt" dir="t"/>
+    </dgm:scene3d>
+    <dgm:sp3d/>
+    <dgm:txPr/>
+    <dgm:style>
+      <a:lnRef idx="2">
+        <a:scrgbClr r="0" g="0" b="0"/>
+      </a:lnRef>
+      <a:fillRef idx="1">
+        <a:scrgbClr r="0" g="0" b="0"/>
+      </a:fillRef>
+      <a:effectRef idx="0">
+        <a:scrgbClr r="0" g="0" b="0"/>
+      </a:effectRef>
+      <a:fontRef idx="minor"/>
+    </dgm:style>
+  </dgm:styleLbl>
+  <dgm:styleLbl name="fgAcc2">
+    <dgm:scene3d>
+      <a:camera prst="orthographicFront"/>
+      <a:lightRig rig="threePt" dir="t"/>
+    </dgm:scene3d>
+    <dgm:sp3d/>
+    <dgm:txPr/>
+    <dgm:style>
+      <a:lnRef idx="2">
+        <a:scrgbClr r="0" g="0" b="0"/>
+      </a:lnRef>
+      <a:fillRef idx="1">
+        <a:scrgbClr r="0" g="0" b="0"/>
+      </a:fillRef>
+      <a:effectRef idx="0">
+        <a:scrgbClr r="0" g="0" b="0"/>
+      </a:effectRef>
+      <a:fontRef idx="minor"/>
+    </dgm:style>
+  </dgm:styleLbl>
+  <dgm:styleLbl name="fgAcc3">
+    <dgm:scene3d>
+      <a:camera prst="orthographicFront"/>
+      <a:lightRig rig="threePt" dir="t"/>
+    </dgm:scene3d>
+    <dgm:sp3d/>
+    <dgm:txPr/>
+    <dgm:style>
+      <a:lnRef idx="2">
+        <a:scrgbClr r="0" g="0" b="0"/>
+      </a:lnRef>
+      <a:fillRef idx="1">
+        <a:scrgbClr r="0" g="0" b="0"/>
+      </a:fillRef>
+      <a:effectRef idx="0">
+        <a:scrgbClr r="0" g="0" b="0"/>
+      </a:effectRef>
+      <a:fontRef idx="minor"/>
+    </dgm:style>
+  </dgm:styleLbl>
+  <dgm:styleLbl name="fgAcc4">
+    <dgm:scene3d>
+      <a:camera prst="orthographicFront"/>
+      <a:lightRig rig="threePt" dir="t"/>
+    </dgm:scene3d>
+    <dgm:sp3d/>
+    <dgm:txPr/>
+    <dgm:style>
+      <a:lnRef idx="2">
+        <a:scrgbClr r="0" g="0" b="0"/>
+      </a:lnRef>
+      <a:fillRef idx="1">
+        <a:scrgbClr r="0" g="0" b="0"/>
+      </a:fillRef>
+      <a:effectRef idx="0">
+        <a:scrgbClr r="0" g="0" b="0"/>
+      </a:effectRef>
+      <a:fontRef idx="minor"/>
+    </dgm:style>
+  </dgm:styleLbl>
+  <dgm:styleLbl name="bgShp">
+    <dgm:scene3d>
+      <a:camera prst="orthographicFront"/>
+      <a:lightRig rig="threePt" dir="t"/>
+    </dgm:scene3d>
+    <dgm:sp3d/>
+    <dgm:txPr/>
+    <dgm:style>
+      <a:lnRef idx="0">
+        <a:scrgbClr r="0" g="0" b="0"/>
+      </a:lnRef>
+      <a:fillRef idx="1">
+        <a:scrgbClr r="0" g="0" b="0"/>
+      </a:fillRef>
+      <a:effectRef idx="0">
+        <a:scrgbClr r="0" g="0" b="0"/>
+      </a:effectRef>
+      <a:fontRef idx="minor"/>
+    </dgm:style>
+  </dgm:styleLbl>
+  <dgm:styleLbl name="dkBgShp">
+    <dgm:scene3d>
+      <a:camera prst="orthographicFront"/>
+      <a:lightRig rig="threePt" dir="t"/>
+    </dgm:scene3d>
+    <dgm:sp3d/>
+    <dgm:txPr/>
+    <dgm:style>
+      <a:lnRef idx="0">
+        <a:scrgbClr r="0" g="0" b="0"/>
+      </a:lnRef>
+      <a:fillRef idx="1">
+        <a:scrgbClr r="0" g="0" b="0"/>
+      </a:fillRef>
+      <a:effectRef idx="0">
+        <a:scrgbClr r="0" g="0" b="0"/>
+      </a:effectRef>
+      <a:fontRef idx="minor"/>
+    </dgm:style>
+  </dgm:styleLbl>
+  <dgm:styleLbl name="trBgShp">
+    <dgm:scene3d>
+      <a:camera prst="orthographicFront"/>
+      <a:lightRig rig="threePt" dir="t"/>
+    </dgm:scene3d>
+    <dgm:sp3d/>
+    <dgm:txPr/>
+    <dgm:style>
+      <a:lnRef idx="0">
+        <a:scrgbClr r="0" g="0" b="0"/>
+      </a:lnRef>
+      <a:fillRef idx="1">
+        <a:scrgbClr r="0" g="0" b="0"/>
+      </a:fillRef>
+      <a:effectRef idx="0">
+        <a:scrgbClr r="0" g="0" b="0"/>
+      </a:effectRef>
+      <a:fontRef idx="minor"/>
+    </dgm:style>
+  </dgm:styleLbl>
+  <dgm:styleLbl name="fgShp">
+    <dgm:scene3d>
+      <a:camera prst="orthographicFront"/>
+      <a:lightRig rig="threePt" dir="t"/>
+    </dgm:scene3d>
+    <dgm:sp3d/>
+    <dgm:txPr/>
+    <dgm:style>
+      <a:lnRef idx="2">
+        <a:scrgbClr r="0" g="0" b="0"/>
+      </a:lnRef>
+      <a:fillRef idx="1">
+        <a:scrgbClr r="0" g="0" b="0"/>
+      </a:fillRef>
+      <a:effectRef idx="0">
+        <a:scrgbClr r="0" g="0" b="0"/>
+      </a:effectRef>
+      <a:fontRef idx="minor"/>
+    </dgm:style>
+  </dgm:styleLbl>
+  <dgm:styleLbl name="revTx">
+    <dgm:scene3d>
+      <a:camera prst="orthographicFront"/>
+      <a:lightRig rig="threePt" dir="t"/>
+    </dgm:scene3d>
+    <dgm:sp3d/>
+    <dgm:txPr/>
+    <dgm:style>
+      <a:lnRef idx="0">
+        <a:scrgbClr r="0" g="0" b="0"/>
+      </a:lnRef>
+      <a:fillRef idx="0">
+        <a:scrgbClr r="0" g="0" b="0"/>
+      </a:fillRef>
+      <a:effectRef idx="0">
+        <a:scrgbClr r="0" g="0" b="0"/>
+      </a:effectRef>
+      <a:fontRef idx="minor"/>
+    </dgm:style>
+  </dgm:styleLbl>
+</dgm:styleDef>
+</file>
+
+<file path=ppt/diagrams/quickStyle4.xml><?xml version="1.0" encoding="utf-8"?>
 <dgm:styleDef xmlns:dgm="http://schemas.openxmlformats.org/drawingml/2006/diagram" xmlns:a="http://schemas.openxmlformats.org/drawingml/2006/main" uniqueId="urn:microsoft.com/office/officeart/2005/8/quickstyle/simple4">
   <dgm:title val=""/>
   <dgm:desc val=""/>
@@ -9131,7 +13144,7 @@
           <a:p>
             <a:fld id="{ACF1A1B0-862D-4909-A7DB-D8ADA062DFCA}" type="datetimeFigureOut">
               <a:rPr lang="en-US" dirty="0"/>
-              <a:t>12/9/2022</a:t>
+              <a:t>12/9/22</a:t>
             </a:fld>
             <a:endParaRPr lang="en-US"/>
           </a:p>
@@ -9190,7 +13203,7 @@
             <a:fld id="{4FAB73BC-B049-4115-A692-8D63A059BFB8}" type="slidenum">
               <a:rPr lang="en-US" dirty="0"/>
               <a:pPr/>
-              <a:t>‹Nr.›</a:t>
+              <a:t>‹#›</a:t>
             </a:fld>
             <a:endParaRPr lang="en-US"/>
           </a:p>
@@ -9354,7 +13367,7 @@
           <a:p>
             <a:fld id="{7B156144-9CB7-4E3A-B87E-A382F9BE05EF}" type="datetimeFigureOut">
               <a:rPr lang="en-US" dirty="0"/>
-              <a:t>12/9/2022</a:t>
+              <a:t>12/9/22</a:t>
             </a:fld>
             <a:endParaRPr lang="en-US"/>
           </a:p>
@@ -9396,7 +13409,7 @@
           <a:p>
             <a:fld id="{4FAB73BC-B049-4115-A692-8D63A059BFB8}" type="slidenum">
               <a:rPr lang="en-US" dirty="0"/>
-              <a:t>‹Nr.›</a:t>
+              <a:t>‹#›</a:t>
             </a:fld>
             <a:endParaRPr lang="en-US"/>
           </a:p>
@@ -9532,7 +13545,7 @@
           <a:p>
             <a:fld id="{2643D55F-46AB-4791-9172-4FA8DD3A6A9C}" type="datetimeFigureOut">
               <a:rPr lang="en-US" dirty="0"/>
-              <a:t>12/9/2022</a:t>
+              <a:t>12/9/22</a:t>
             </a:fld>
             <a:endParaRPr lang="en-US"/>
           </a:p>
@@ -9574,7 +13587,7 @@
           <a:p>
             <a:fld id="{4FAB73BC-B049-4115-A692-8D63A059BFB8}" type="slidenum">
               <a:rPr lang="en-US" dirty="0"/>
-              <a:t>‹Nr.›</a:t>
+              <a:t>‹#›</a:t>
             </a:fld>
             <a:endParaRPr lang="en-US"/>
           </a:p>
@@ -9700,7 +13713,7 @@
           <a:p>
             <a:fld id="{58026881-8A08-449C-8D73-E5F201F814C1}" type="datetimeFigureOut">
               <a:rPr lang="en-US" dirty="0"/>
-              <a:t>12/9/2022</a:t>
+              <a:t>12/9/22</a:t>
             </a:fld>
             <a:endParaRPr lang="en-US"/>
           </a:p>
@@ -9742,7 +13755,7 @@
           <a:p>
             <a:fld id="{4FAB73BC-B049-4115-A692-8D63A059BFB8}" type="slidenum">
               <a:rPr lang="en-US" dirty="0"/>
-              <a:t>‹Nr.›</a:t>
+              <a:t>‹#›</a:t>
             </a:fld>
             <a:endParaRPr lang="en-US"/>
           </a:p>
@@ -9990,7 +14003,7 @@
           <a:p>
             <a:fld id="{1BEB5A5E-0C07-4E93-A112-D37B4D166B30}" type="datetimeFigureOut">
               <a:rPr lang="en-US" dirty="0"/>
-              <a:t>12/9/2022</a:t>
+              <a:t>12/9/22</a:t>
             </a:fld>
             <a:endParaRPr lang="en-US"/>
           </a:p>
@@ -10032,7 +14045,7 @@
           <a:p>
             <a:fld id="{4FAB73BC-B049-4115-A692-8D63A059BFB8}" type="slidenum">
               <a:rPr lang="en-US" dirty="0"/>
-              <a:t>‹Nr.›</a:t>
+              <a:t>‹#›</a:t>
             </a:fld>
             <a:endParaRPr lang="en-US"/>
           </a:p>
@@ -10313,7 +14326,7 @@
           <a:p>
             <a:fld id="{9E1F71C5-DC57-4358-A1EA-30C08AF6E3C5}" type="datetimeFigureOut">
               <a:rPr lang="en-US" dirty="0"/>
-              <a:t>12/9/2022</a:t>
+              <a:t>12/9/22</a:t>
             </a:fld>
             <a:endParaRPr lang="en-US"/>
           </a:p>
@@ -10355,7 +14368,7 @@
           <a:p>
             <a:fld id="{4FAB73BC-B049-4115-A692-8D63A059BFB8}" type="slidenum">
               <a:rPr lang="en-US" dirty="0"/>
-              <a:t>‹Nr.›</a:t>
+              <a:t>‹#›</a:t>
             </a:fld>
             <a:endParaRPr lang="en-US"/>
           </a:p>
@@ -10722,7 +14735,7 @@
           <a:p>
             <a:fld id="{12571DBA-DE60-4731-B773-47AAA185C143}" type="datetimeFigureOut">
               <a:rPr lang="en-US" dirty="0"/>
-              <a:t>12/9/2022</a:t>
+              <a:t>12/9/22</a:t>
             </a:fld>
             <a:endParaRPr lang="en-US"/>
           </a:p>
@@ -10764,7 +14777,7 @@
           <a:p>
             <a:fld id="{4FAB73BC-B049-4115-A692-8D63A059BFB8}" type="slidenum">
               <a:rPr lang="en-US" dirty="0"/>
-              <a:t>‹Nr.›</a:t>
+              <a:t>‹#›</a:t>
             </a:fld>
             <a:endParaRPr lang="en-US"/>
           </a:p>
@@ -10839,7 +14852,7 @@
           <a:p>
             <a:fld id="{4F170639-886C-4FCF-9EAB-ABB5DA3F3F4A}" type="datetimeFigureOut">
               <a:rPr lang="en-US" dirty="0"/>
-              <a:t>12/9/2022</a:t>
+              <a:t>12/9/22</a:t>
             </a:fld>
             <a:endParaRPr lang="en-US"/>
           </a:p>
@@ -10881,7 +14894,7 @@
           <a:p>
             <a:fld id="{4FAB73BC-B049-4115-A692-8D63A059BFB8}" type="slidenum">
               <a:rPr lang="en-US" dirty="0"/>
-              <a:t>‹Nr.›</a:t>
+              <a:t>‹#›</a:t>
             </a:fld>
             <a:endParaRPr lang="en-US"/>
           </a:p>
@@ -10934,7 +14947,7 @@
           <a:p>
             <a:fld id="{34C4A628-C83B-4C66-83F4-1711CE3738FD}" type="datetimeFigureOut">
               <a:rPr lang="en-US" dirty="0"/>
-              <a:t>12/9/2022</a:t>
+              <a:t>12/9/22</a:t>
             </a:fld>
             <a:endParaRPr lang="en-US"/>
           </a:p>
@@ -10976,7 +14989,7 @@
           <a:p>
             <a:fld id="{4FAB73BC-B049-4115-A692-8D63A059BFB8}" type="slidenum">
               <a:rPr lang="en-US" dirty="0"/>
-              <a:t>‹Nr.›</a:t>
+              <a:t>‹#›</a:t>
             </a:fld>
             <a:endParaRPr lang="en-US"/>
           </a:p>
@@ -11219,7 +15232,7 @@
           <a:p>
             <a:fld id="{B88C1D73-9400-43CA-A37F-F9B7D00DE14C}" type="datetimeFigureOut">
               <a:rPr lang="en-US" dirty="0"/>
-              <a:t>12/9/2022</a:t>
+              <a:t>12/9/22</a:t>
             </a:fld>
             <a:endParaRPr lang="en-US"/>
           </a:p>
@@ -11261,7 +15274,7 @@
           <a:p>
             <a:fld id="{4FAB73BC-B049-4115-A692-8D63A059BFB8}" type="slidenum">
               <a:rPr lang="en-US" dirty="0"/>
-              <a:t>‹Nr.›</a:t>
+              <a:t>‹#›</a:t>
             </a:fld>
             <a:endParaRPr lang="en-US"/>
           </a:p>
@@ -11491,7 +15504,7 @@
           <a:p>
             <a:fld id="{188B7711-B905-4633-B4D7-6F3A49A2E7D9}" type="datetimeFigureOut">
               <a:rPr lang="en-US" dirty="0"/>
-              <a:t>12/9/2022</a:t>
+              <a:t>12/9/22</a:t>
             </a:fld>
             <a:endParaRPr lang="en-US"/>
           </a:p>
@@ -11533,7 +15546,7 @@
           <a:p>
             <a:fld id="{4FAB73BC-B049-4115-A692-8D63A059BFB8}" type="slidenum">
               <a:rPr lang="en-US" dirty="0"/>
-              <a:t>‹Nr.›</a:t>
+              <a:t>‹#›</a:t>
             </a:fld>
             <a:endParaRPr lang="en-US"/>
           </a:p>
@@ -11741,7 +15754,7 @@
             <a:fld id="{89C235CF-BDA2-4E7E-8BBD-350479985E74}" type="datetimeFigureOut">
               <a:rPr lang="en-US" dirty="0"/>
               <a:pPr/>
-              <a:t>12/9/2022</a:t>
+              <a:t>12/9/22</a:t>
             </a:fld>
             <a:endParaRPr lang="en-US"/>
           </a:p>
@@ -11818,7 +15831,7 @@
             <a:fld id="{4FAB73BC-B049-4115-A692-8D63A059BFB8}" type="slidenum">
               <a:rPr lang="en-US" dirty="0"/>
               <a:pPr/>
-              <a:t>‹Nr.›</a:t>
+              <a:t>‹#›</a:t>
             </a:fld>
             <a:endParaRPr lang="en-US"/>
           </a:p>
@@ -12257,12 +16270,12 @@
           <a:p>
             <a:pPr algn="ctr"/>
             <a:r>
-              <a:rPr lang="de-DE" sz="6000">
+              <a:rPr lang="de-DE" sz="6000" dirty="0">
                 <a:cs typeface="Calibri Light"/>
               </a:rPr>
-              <a:t>Benzinpreis Analyse mit Python</a:t>
+              <a:t>Benzinpreisanalyse mit Python</a:t>
             </a:r>
-            <a:endParaRPr lang="de-DE" sz="6000"/>
+            <a:endParaRPr lang="de-DE" sz="6000" dirty="0"/>
           </a:p>
         </p:txBody>
       </p:sp>
@@ -12943,6 +16956,14 @@
 <file path=ppt/slides/slide15.xml><?xml version="1.0" encoding="utf-8"?>
 <p:sld xmlns:a="http://schemas.openxmlformats.org/drawingml/2006/main" xmlns:r="http://schemas.openxmlformats.org/officeDocument/2006/relationships" xmlns:p="http://schemas.openxmlformats.org/presentationml/2006/main">
   <p:cSld>
+    <p:bg>
+      <p:bgPr>
+        <a:solidFill>
+          <a:schemeClr val="bg1"/>
+        </a:solidFill>
+        <a:effectLst/>
+      </p:bgPr>
+    </p:bg>
     <p:spTree>
       <p:nvGrpSpPr>
         <p:cNvPr id="1" name=""/>
@@ -12957,6 +16978,66 @@
           <a:chExt cx="0" cy="0"/>
         </a:xfrm>
       </p:grpSpPr>
+      <p:sp useBgFill="1">
+        <p:nvSpPr>
+          <p:cNvPr id="9" name="Rectangle 8">
+            <a:extLst>
+              <a:ext uri="{FF2B5EF4-FFF2-40B4-BE49-F238E27FC236}">
+                <a16:creationId xmlns:a16="http://schemas.microsoft.com/office/drawing/2014/main" id="{12B2E995-B96C-43CB-AB18-34E265474216}"/>
+              </a:ext>
+              <a:ext uri="{C183D7F6-B498-43B3-948B-1728B52AA6E4}">
+                <adec:decorative xmlns:adec="http://schemas.microsoft.com/office/drawing/2017/decorative" val="1"/>
+              </a:ext>
+            </a:extLst>
+          </p:cNvPr>
+          <p:cNvSpPr>
+            <a:spLocks noGrp="1" noRot="1" noChangeAspect="1" noMove="1" noResize="1" noEditPoints="1" noAdjustHandles="1" noChangeArrowheads="1" noChangeShapeType="1" noTextEdit="1"/>
+          </p:cNvSpPr>
+          <p:nvPr>
+            <p:extLst>
+              <p:ext uri="{386F3935-93C4-4BCD-93E2-E3B085C9AB24}">
+                <p16:designElem xmlns:p16="http://schemas.microsoft.com/office/powerpoint/2015/main" val="1"/>
+              </p:ext>
+            </p:extLst>
+          </p:nvPr>
+        </p:nvSpPr>
+        <p:spPr>
+          <a:xfrm>
+            <a:off x="-1" y="0"/>
+            <a:ext cx="12220924" cy="6858000"/>
+          </a:xfrm>
+          <a:prstGeom prst="rect">
+            <a:avLst/>
+          </a:prstGeom>
+          <a:ln>
+            <a:noFill/>
+          </a:ln>
+        </p:spPr>
+        <p:style>
+          <a:lnRef idx="2">
+            <a:schemeClr val="accent1">
+              <a:shade val="50000"/>
+            </a:schemeClr>
+          </a:lnRef>
+          <a:fillRef idx="1">
+            <a:schemeClr val="accent1"/>
+          </a:fillRef>
+          <a:effectRef idx="0">
+            <a:schemeClr val="accent1"/>
+          </a:effectRef>
+          <a:fontRef idx="minor">
+            <a:schemeClr val="lt1"/>
+          </a:fontRef>
+        </p:style>
+        <p:txBody>
+          <a:bodyPr rtlCol="0" anchor="ctr"/>
+          <a:lstStyle/>
+          <a:p>
+            <a:pPr algn="ctr"/>
+            <a:endParaRPr lang="en-US"/>
+          </a:p>
+        </p:txBody>
+      </p:sp>
       <p:sp>
         <p:nvSpPr>
           <p:cNvPr id="2" name="Title"/>
@@ -12967,9 +17048,16 @@
             <p:ph type="title"/>
           </p:nvPr>
         </p:nvSpPr>
-        <p:spPr/>
+        <p:spPr>
+          <a:xfrm>
+            <a:off x="1261871" y="365760"/>
+            <a:ext cx="10315583" cy="1325562"/>
+          </a:xfrm>
+        </p:spPr>
         <p:txBody>
-          <a:bodyPr/>
+          <a:bodyPr>
+            <a:normAutofit/>
+          </a:bodyPr>
           <a:lstStyle/>
           <a:p>
             <a:r>
@@ -12981,145 +17069,90 @@
       </p:sp>
       <p:sp>
         <p:nvSpPr>
-          <p:cNvPr id="3" name="Content Placeholder"/>
+          <p:cNvPr id="11" name="Rectangle 10">
+            <a:extLst>
+              <a:ext uri="{FF2B5EF4-FFF2-40B4-BE49-F238E27FC236}">
+                <a16:creationId xmlns:a16="http://schemas.microsoft.com/office/drawing/2014/main" id="{760308D2-EC72-4B2A-A961-B705389A7E54}"/>
+              </a:ext>
+              <a:ext uri="{C183D7F6-B498-43B3-948B-1728B52AA6E4}">
+                <adec:decorative xmlns:adec="http://schemas.microsoft.com/office/drawing/2017/decorative" val="1"/>
+              </a:ext>
+            </a:extLst>
+          </p:cNvPr>
           <p:cNvSpPr>
-            <a:spLocks noGrp="1"/>
+            <a:spLocks noGrp="1" noRot="1" noChangeAspect="1" noMove="1" noResize="1" noEditPoints="1" noAdjustHandles="1" noChangeArrowheads="1" noChangeShapeType="1" noTextEdit="1"/>
           </p:cNvSpPr>
           <p:nvPr>
-            <p:ph idx="1"/>
+            <p:extLst>
+              <p:ext uri="{386F3935-93C4-4BCD-93E2-E3B085C9AB24}">
+                <p16:designElem xmlns:p16="http://schemas.microsoft.com/office/powerpoint/2015/main" val="1"/>
+              </p:ext>
+            </p:extLst>
           </p:nvPr>
         </p:nvSpPr>
-        <p:spPr/>
-        <p:txBody>
-          <a:bodyPr vert="horz" lIns="91440" tIns="45720" rIns="91440" bIns="45720" rtlCol="0" anchor="t">
-            <a:normAutofit/>
-          </a:bodyPr>
-          <a:lstStyle/>
-          <a:p>
-            <a:r>
-              <a:rPr lang="en-US"/>
-              <a:t>Es </a:t>
-            </a:r>
-            <a:r>
-              <a:rPr lang="en-US" err="1"/>
-              <a:t>waren</a:t>
-            </a:r>
-            <a:r>
-              <a:rPr lang="en-US"/>
-              <a:t> </a:t>
-            </a:r>
-            <a:r>
-              <a:rPr lang="en-US" err="1"/>
-              <a:t>keine</a:t>
-            </a:r>
-            <a:r>
-              <a:rPr lang="en-US"/>
-              <a:t> </a:t>
-            </a:r>
-            <a:r>
-              <a:rPr lang="en-US" err="1"/>
-              <a:t>signifikanten</a:t>
-            </a:r>
-            <a:r>
-              <a:rPr lang="en-US"/>
-              <a:t> </a:t>
-            </a:r>
-            <a:r>
-              <a:rPr lang="en-US" err="1"/>
-              <a:t>Aussagen</a:t>
-            </a:r>
-            <a:r>
-              <a:rPr lang="en-US"/>
-              <a:t>. Es </a:t>
-            </a:r>
-            <a:r>
-              <a:rPr lang="en-US" err="1"/>
-              <a:t>ist</a:t>
-            </a:r>
-            <a:r>
-              <a:rPr lang="en-US"/>
-              <a:t> </a:t>
-            </a:r>
-            <a:r>
-              <a:rPr lang="en-US" err="1"/>
-              <a:t>nicht</a:t>
-            </a:r>
-            <a:r>
-              <a:rPr lang="en-US"/>
-              <a:t> </a:t>
-            </a:r>
-            <a:r>
-              <a:rPr lang="en-US" err="1"/>
-              <a:t>möglich</a:t>
-            </a:r>
-            <a:r>
-              <a:rPr lang="en-US"/>
-              <a:t> </a:t>
-            </a:r>
-            <a:r>
-              <a:rPr lang="en-US" err="1"/>
-              <a:t>ein</a:t>
-            </a:r>
-            <a:r>
-              <a:rPr lang="en-US"/>
-              <a:t> Muster </a:t>
-            </a:r>
-            <a:r>
-              <a:rPr lang="en-US" err="1"/>
-              <a:t>zu</a:t>
-            </a:r>
-            <a:r>
-              <a:rPr lang="en-US"/>
-              <a:t> </a:t>
-            </a:r>
-            <a:r>
-              <a:rPr lang="en-US" err="1"/>
-              <a:t>erkennen</a:t>
-            </a:r>
-          </a:p>
-          <a:p>
-            <a:r>
-              <a:rPr lang="en-US" err="1"/>
-              <a:t>Lösungsvorschlag</a:t>
-            </a:r>
-            <a:r>
-              <a:rPr lang="en-US"/>
-              <a:t>: In </a:t>
-            </a:r>
-            <a:r>
-              <a:rPr lang="en-US" err="1"/>
-              <a:t>paar</a:t>
-            </a:r>
-            <a:r>
-              <a:rPr lang="en-US"/>
-              <a:t> </a:t>
-            </a:r>
-            <a:r>
-              <a:rPr lang="en-US" err="1"/>
-              <a:t>Monaten</a:t>
-            </a:r>
-            <a:r>
-              <a:rPr lang="en-US"/>
-              <a:t> </a:t>
-            </a:r>
-            <a:r>
-              <a:rPr lang="en-US" err="1"/>
-              <a:t>erneut</a:t>
-            </a:r>
-            <a:r>
-              <a:rPr lang="en-US"/>
-              <a:t> </a:t>
-            </a:r>
-            <a:r>
-              <a:rPr lang="en-US" err="1"/>
-              <a:t>auswerten</a:t>
-            </a:r>
-          </a:p>
-          <a:p>
-            <a:endParaRPr lang="en-US"/>
-          </a:p>
-        </p:txBody>
+        <p:spPr>
+          <a:xfrm>
+            <a:off x="0" y="0"/>
+            <a:ext cx="914400" cy="6858000"/>
+          </a:xfrm>
+          <a:prstGeom prst="rect">
+            <a:avLst/>
+          </a:prstGeom>
+          <a:solidFill>
+            <a:srgbClr val="303030"/>
+          </a:solidFill>
+          <a:ln>
+            <a:noFill/>
+          </a:ln>
+        </p:spPr>
+        <p:style>
+          <a:lnRef idx="2">
+            <a:schemeClr val="accent1">
+              <a:shade val="50000"/>
+            </a:schemeClr>
+          </a:lnRef>
+          <a:fillRef idx="1">
+            <a:schemeClr val="accent1"/>
+          </a:fillRef>
+          <a:effectRef idx="0">
+            <a:schemeClr val="accent1"/>
+          </a:effectRef>
+          <a:fontRef idx="minor">
+            <a:schemeClr val="lt1"/>
+          </a:fontRef>
+        </p:style>
       </p:sp>
+      <p:graphicFrame>
+        <p:nvGraphicFramePr>
+          <p:cNvPr id="5" name="Content Placeholder">
+            <a:extLst>
+              <a:ext uri="{FF2B5EF4-FFF2-40B4-BE49-F238E27FC236}">
+                <a16:creationId xmlns:a16="http://schemas.microsoft.com/office/drawing/2014/main" id="{34D50313-44CC-C2F2-C45D-FEA273B6BB38}"/>
+              </a:ext>
+            </a:extLst>
+          </p:cNvPr>
+          <p:cNvGraphicFramePr>
+            <a:graphicFrameLocks noGrp="1"/>
+          </p:cNvGraphicFramePr>
+          <p:nvPr>
+            <p:ph idx="1"/>
+            <p:extLst>
+              <p:ext uri="{D42A27DB-BD31-4B8C-83A1-F6EECF244321}">
+                <p14:modId xmlns:p14="http://schemas.microsoft.com/office/powerpoint/2010/main" val="2755212190"/>
+              </p:ext>
+            </p:extLst>
+          </p:nvPr>
+        </p:nvGraphicFramePr>
+        <p:xfrm>
+          <a:off x="1262063" y="2013055"/>
+          <a:ext cx="10315392" cy="4201478"/>
+        </p:xfrm>
+        <a:graphic>
+          <a:graphicData uri="http://schemas.openxmlformats.org/drawingml/2006/diagram">
+            <dgm:relIds xmlns:dgm="http://schemas.openxmlformats.org/drawingml/2006/diagram" xmlns:r="http://schemas.openxmlformats.org/officeDocument/2006/relationships" r:dm="rId2" r:lo="rId3" r:qs="rId4" r:cs="rId5"/>
+          </a:graphicData>
+        </a:graphic>
+      </p:graphicFrame>
     </p:spTree>
     <p:extLst>
       <p:ext uri="{BB962C8B-B14F-4D97-AF65-F5344CB8AC3E}">
@@ -13160,67 +17193,6 @@
       </p:grpSpPr>
       <p:sp>
         <p:nvSpPr>
-          <p:cNvPr id="26" name="Rectangle 17">
-            <a:extLst>
-              <a:ext uri="{FF2B5EF4-FFF2-40B4-BE49-F238E27FC236}">
-                <a16:creationId xmlns:a16="http://schemas.microsoft.com/office/drawing/2014/main" id="{1717B8A0-6771-47AF-B5CB-F533399E0EF4}"/>
-              </a:ext>
-              <a:ext uri="{C183D7F6-B498-43B3-948B-1728B52AA6E4}">
-                <adec:decorative xmlns:adec="http://schemas.microsoft.com/office/drawing/2017/decorative" val="1"/>
-              </a:ext>
-            </a:extLst>
-          </p:cNvPr>
-          <p:cNvSpPr>
-            <a:spLocks noGrp="1" noRot="1" noChangeAspect="1" noMove="1" noResize="1" noEditPoints="1" noAdjustHandles="1" noChangeArrowheads="1" noChangeShapeType="1" noTextEdit="1"/>
-          </p:cNvSpPr>
-          <p:nvPr>
-            <p:extLst>
-              <p:ext uri="{386F3935-93C4-4BCD-93E2-E3B085C9AB24}">
-                <p16:designElem xmlns:p16="http://schemas.microsoft.com/office/powerpoint/2015/main" val="1"/>
-              </p:ext>
-            </p:extLst>
-          </p:nvPr>
-        </p:nvSpPr>
-        <p:spPr>
-          <a:xfrm>
-            <a:off x="1" y="0"/>
-            <a:ext cx="4055416" cy="6858000"/>
-          </a:xfrm>
-          <a:prstGeom prst="rect">
-            <a:avLst/>
-          </a:prstGeom>
-          <a:solidFill>
-            <a:schemeClr val="accent1"/>
-          </a:solidFill>
-          <a:ln>
-            <a:noFill/>
-          </a:ln>
-        </p:spPr>
-        <p:style>
-          <a:lnRef idx="0">
-            <a:scrgbClr r="0" g="0" b="0"/>
-          </a:lnRef>
-          <a:fillRef idx="0">
-            <a:scrgbClr r="0" g="0" b="0"/>
-          </a:fillRef>
-          <a:effectRef idx="0">
-            <a:scrgbClr r="0" g="0" b="0"/>
-          </a:effectRef>
-          <a:fontRef idx="minor">
-            <a:schemeClr val="lt1"/>
-          </a:fontRef>
-        </p:style>
-        <p:txBody>
-          <a:bodyPr rtlCol="0" anchor="ctr"/>
-          <a:lstStyle/>
-          <a:p>
-            <a:pPr algn="ctr"/>
-            <a:endParaRPr lang="en-US"/>
-          </a:p>
-        </p:txBody>
-      </p:sp>
-      <p:sp>
-        <p:nvSpPr>
           <p:cNvPr id="2" name="Titel 1">
             <a:extLst>
               <a:ext uri="{FF2B5EF4-FFF2-40B4-BE49-F238E27FC236}">
@@ -13237,81 +17209,22 @@
         </p:nvSpPr>
         <p:spPr>
           <a:xfrm>
-            <a:off x="566058" y="836023"/>
-            <a:ext cx="2718788" cy="5183777"/>
+            <a:off x="1261872" y="365760"/>
+            <a:ext cx="9692640" cy="1325562"/>
           </a:xfrm>
         </p:spPr>
         <p:txBody>
-          <a:bodyPr anchor="ctr">
+          <a:bodyPr>
             <a:normAutofit/>
           </a:bodyPr>
           <a:lstStyle/>
           <a:p>
             <a:r>
-              <a:rPr lang="de-DE" sz="3300">
-                <a:solidFill>
-                  <a:srgbClr val="FFFFFF"/>
-                </a:solidFill>
-              </a:rPr>
+              <a:rPr lang="de-DE"/>
               <a:t>Ziel der Präsentation</a:t>
             </a:r>
           </a:p>
         </p:txBody>
-      </p:sp>
-      <p:sp>
-        <p:nvSpPr>
-          <p:cNvPr id="27" name="Rectangle 19">
-            <a:extLst>
-              <a:ext uri="{FF2B5EF4-FFF2-40B4-BE49-F238E27FC236}">
-                <a16:creationId xmlns:a16="http://schemas.microsoft.com/office/drawing/2014/main" id="{58ACBBC8-C685-44DA-B133-D20A24826D11}"/>
-              </a:ext>
-              <a:ext uri="{C183D7F6-B498-43B3-948B-1728B52AA6E4}">
-                <adec:decorative xmlns:adec="http://schemas.microsoft.com/office/drawing/2017/decorative" val="1"/>
-              </a:ext>
-            </a:extLst>
-          </p:cNvPr>
-          <p:cNvSpPr>
-            <a:spLocks noGrp="1" noRot="1" noChangeAspect="1" noMove="1" noResize="1" noEditPoints="1" noAdjustHandles="1" noChangeArrowheads="1" noChangeShapeType="1" noTextEdit="1"/>
-          </p:cNvSpPr>
-          <p:nvPr>
-            <p:extLst>
-              <p:ext uri="{386F3935-93C4-4BCD-93E2-E3B085C9AB24}">
-                <p16:designElem xmlns:p16="http://schemas.microsoft.com/office/powerpoint/2015/main" val="1"/>
-              </p:ext>
-            </p:extLst>
-          </p:nvPr>
-        </p:nvSpPr>
-        <p:spPr>
-          <a:xfrm>
-            <a:off x="11292840" y="0"/>
-            <a:ext cx="914400" cy="6858000"/>
-          </a:xfrm>
-          <a:prstGeom prst="rect">
-            <a:avLst/>
-          </a:prstGeom>
-          <a:solidFill>
-            <a:srgbClr val="303030"/>
-          </a:solidFill>
-          <a:ln>
-            <a:noFill/>
-          </a:ln>
-        </p:spPr>
-        <p:style>
-          <a:lnRef idx="2">
-            <a:schemeClr val="accent1">
-              <a:shade val="50000"/>
-            </a:schemeClr>
-          </a:lnRef>
-          <a:fillRef idx="1">
-            <a:schemeClr val="accent1"/>
-          </a:fillRef>
-          <a:effectRef idx="0">
-            <a:schemeClr val="accent1"/>
-          </a:effectRef>
-          <a:fontRef idx="minor">
-            <a:schemeClr val="lt1"/>
-          </a:fontRef>
-        </p:style>
       </p:sp>
       <p:graphicFrame>
         <p:nvGraphicFramePr>
@@ -13329,14 +17242,14 @@
             <p:ph idx="1"/>
             <p:extLst>
               <p:ext uri="{D42A27DB-BD31-4B8C-83A1-F6EECF244321}">
-                <p14:modId xmlns:p14="http://schemas.microsoft.com/office/powerpoint/2010/main" val="4174578313"/>
+                <p14:modId xmlns:p14="http://schemas.microsoft.com/office/powerpoint/2010/main" val="3249046187"/>
               </p:ext>
             </p:extLst>
           </p:nvPr>
         </p:nvGraphicFramePr>
         <p:xfrm>
-          <a:off x="4658815" y="804672"/>
-          <a:ext cx="5990136" cy="5262054"/>
+          <a:off x="1262063" y="2013054"/>
+          <a:ext cx="8777329" cy="4201479"/>
         </p:xfrm>
         <a:graphic>
           <a:graphicData uri="http://schemas.openxmlformats.org/drawingml/2006/diagram">
@@ -13603,7 +17516,7 @@
       </p:grpSpPr>
       <p:sp useBgFill="1">
         <p:nvSpPr>
-          <p:cNvPr id="9" name="Rectangle 8">
+          <p:cNvPr id="16" name="Rectangle 15">
             <a:extLst>
               <a:ext uri="{FF2B5EF4-FFF2-40B4-BE49-F238E27FC236}">
                 <a16:creationId xmlns:a16="http://schemas.microsoft.com/office/drawing/2014/main" id="{12B2E995-B96C-43CB-AB18-34E265474216}"/>
@@ -13692,7 +17605,7 @@
       </p:sp>
       <p:sp>
         <p:nvSpPr>
-          <p:cNvPr id="11" name="Rectangle 10">
+          <p:cNvPr id="18" name="Rectangle 17">
             <a:extLst>
               <a:ext uri="{FF2B5EF4-FFF2-40B4-BE49-F238E27FC236}">
                 <a16:creationId xmlns:a16="http://schemas.microsoft.com/office/drawing/2014/main" id="{760308D2-EC72-4B2A-A961-B705389A7E54}"/>
@@ -13761,7 +17674,7 @@
             <p:ph idx="1"/>
             <p:extLst>
               <p:ext uri="{D42A27DB-BD31-4B8C-83A1-F6EECF244321}">
-                <p14:modId xmlns:p14="http://schemas.microsoft.com/office/powerpoint/2010/main" val="2307177553"/>
+                <p14:modId xmlns:p14="http://schemas.microsoft.com/office/powerpoint/2010/main" val="2997146660"/>
               </p:ext>
             </p:extLst>
           </p:nvPr>
